--- a/doc/pipe selection.pptx
+++ b/doc/pipe selection.pptx
@@ -6,10 +6,13 @@
   </p:sldMasterIdLst>
   <p:sldIdLst>
     <p:sldId id="259" r:id="rId2"/>
-    <p:sldId id="260" r:id="rId3"/>
-    <p:sldId id="256" r:id="rId4"/>
-    <p:sldId id="257" r:id="rId5"/>
-    <p:sldId id="258" r:id="rId6"/>
+    <p:sldId id="261" r:id="rId3"/>
+    <p:sldId id="263" r:id="rId4"/>
+    <p:sldId id="262" r:id="rId5"/>
+    <p:sldId id="260" r:id="rId6"/>
+    <p:sldId id="256" r:id="rId7"/>
+    <p:sldId id="257" r:id="rId8"/>
+    <p:sldId id="258" r:id="rId9"/>
   </p:sldIdLst>
   <p:sldSz cx="12192000" cy="6858000"/>
   <p:notesSz cx="6858000" cy="9144000"/>
@@ -5410,6 +5413,6199 @@
       </p:grpSpPr>
       <p:sp>
         <p:nvSpPr>
+          <p:cNvPr id="64" name="TextBox 63">
+            <a:extLst>
+              <a:ext uri="{FF2B5EF4-FFF2-40B4-BE49-F238E27FC236}">
+                <a16:creationId xmlns:a16="http://schemas.microsoft.com/office/drawing/2014/main" id="{5E77A2ED-2A21-4344-8CFC-F083CD8000BA}"/>
+              </a:ext>
+            </a:extLst>
+          </p:cNvPr>
+          <p:cNvSpPr txBox="1"/>
+          <p:nvPr/>
+        </p:nvSpPr>
+        <p:spPr>
+          <a:xfrm>
+            <a:off x="218081" y="219456"/>
+            <a:ext cx="2625078" cy="461665"/>
+          </a:xfrm>
+          <a:prstGeom prst="rect">
+            <a:avLst/>
+          </a:prstGeom>
+          <a:noFill/>
+        </p:spPr>
+        <p:txBody>
+          <a:bodyPr wrap="none" rtlCol="0">
+            <a:spAutoFit/>
+          </a:bodyPr>
+          <a:lstStyle/>
+          <a:p>
+            <a:r>
+              <a:rPr lang="en-US" sz="2400" b="1" dirty="0"/>
+              <a:t>Continuation (1/3)</a:t>
+            </a:r>
+          </a:p>
+        </p:txBody>
+      </p:sp>
+      <p:sp>
+        <p:nvSpPr>
+          <p:cNvPr id="50" name="Oval 49">
+            <a:extLst>
+              <a:ext uri="{FF2B5EF4-FFF2-40B4-BE49-F238E27FC236}">
+                <a16:creationId xmlns:a16="http://schemas.microsoft.com/office/drawing/2014/main" id="{22375EA7-B4A6-F647-9B95-670F0DF6354A}"/>
+              </a:ext>
+            </a:extLst>
+          </p:cNvPr>
+          <p:cNvSpPr/>
+          <p:nvPr/>
+        </p:nvSpPr>
+        <p:spPr>
+          <a:xfrm rot="19046997">
+            <a:off x="7928864" y="3994460"/>
+            <a:ext cx="889000" cy="1130300"/>
+          </a:xfrm>
+          <a:prstGeom prst="ellipse">
+            <a:avLst/>
+          </a:prstGeom>
+          <a:noFill/>
+        </p:spPr>
+        <p:style>
+          <a:lnRef idx="2">
+            <a:schemeClr val="accent1">
+              <a:shade val="50000"/>
+            </a:schemeClr>
+          </a:lnRef>
+          <a:fillRef idx="1">
+            <a:schemeClr val="accent1"/>
+          </a:fillRef>
+          <a:effectRef idx="0">
+            <a:schemeClr val="accent1"/>
+          </a:effectRef>
+          <a:fontRef idx="minor">
+            <a:schemeClr val="lt1"/>
+          </a:fontRef>
+        </p:style>
+        <p:txBody>
+          <a:bodyPr rtlCol="0" anchor="ctr"/>
+          <a:lstStyle/>
+          <a:p>
+            <a:pPr algn="ctr"/>
+            <a:endParaRPr lang="en-US"/>
+          </a:p>
+        </p:txBody>
+      </p:sp>
+      <p:sp>
+        <p:nvSpPr>
+          <p:cNvPr id="57" name="Oval 56">
+            <a:extLst>
+              <a:ext uri="{FF2B5EF4-FFF2-40B4-BE49-F238E27FC236}">
+                <a16:creationId xmlns:a16="http://schemas.microsoft.com/office/drawing/2014/main" id="{C3EC54FB-0FAB-9447-B455-C63E43AB58CF}"/>
+              </a:ext>
+            </a:extLst>
+          </p:cNvPr>
+          <p:cNvSpPr/>
+          <p:nvPr/>
+        </p:nvSpPr>
+        <p:spPr>
+          <a:xfrm rot="19046997">
+            <a:off x="9059164" y="3029260"/>
+            <a:ext cx="889000" cy="1130300"/>
+          </a:xfrm>
+          <a:prstGeom prst="ellipse">
+            <a:avLst/>
+          </a:prstGeom>
+          <a:noFill/>
+        </p:spPr>
+        <p:style>
+          <a:lnRef idx="2">
+            <a:schemeClr val="accent1">
+              <a:shade val="50000"/>
+            </a:schemeClr>
+          </a:lnRef>
+          <a:fillRef idx="1">
+            <a:schemeClr val="accent1"/>
+          </a:fillRef>
+          <a:effectRef idx="0">
+            <a:schemeClr val="accent1"/>
+          </a:effectRef>
+          <a:fontRef idx="minor">
+            <a:schemeClr val="lt1"/>
+          </a:fontRef>
+        </p:style>
+        <p:txBody>
+          <a:bodyPr rot="0" spcFirstLastPara="0" vertOverflow="overflow" horzOverflow="overflow" vert="horz" wrap="square" lIns="91440" tIns="45720" rIns="91440" bIns="45720" numCol="1" spcCol="0" rtlCol="0" fromWordArt="0" anchor="ctr" anchorCtr="0" forceAA="0" compatLnSpc="1">
+            <a:prstTxWarp prst="textNoShape">
+              <a:avLst/>
+            </a:prstTxWarp>
+            <a:noAutofit/>
+          </a:bodyPr>
+          <a:lstStyle/>
+          <a:p>
+            <a:pPr algn="ctr"/>
+            <a:endParaRPr lang="en-US"/>
+          </a:p>
+        </p:txBody>
+      </p:sp>
+      <p:cxnSp>
+        <p:nvCxnSpPr>
+          <p:cNvPr id="60" name="Straight Connector 59">
+            <a:extLst>
+              <a:ext uri="{FF2B5EF4-FFF2-40B4-BE49-F238E27FC236}">
+                <a16:creationId xmlns:a16="http://schemas.microsoft.com/office/drawing/2014/main" id="{2212E2A9-40E5-6046-8A10-43CE7F0143DC}"/>
+              </a:ext>
+            </a:extLst>
+          </p:cNvPr>
+          <p:cNvCxnSpPr>
+            <a:cxnSpLocks/>
+            <a:stCxn id="50" idx="0"/>
+          </p:cNvCxnSpPr>
+          <p:nvPr/>
+        </p:nvCxnSpPr>
+        <p:spPr>
+          <a:xfrm flipV="1">
+            <a:off x="7991190" y="1966355"/>
+            <a:ext cx="2518314" cy="2176916"/>
+          </a:xfrm>
+          <a:prstGeom prst="line">
+            <a:avLst/>
+          </a:prstGeom>
+        </p:spPr>
+        <p:style>
+          <a:lnRef idx="1">
+            <a:schemeClr val="accent1"/>
+          </a:lnRef>
+          <a:fillRef idx="0">
+            <a:schemeClr val="accent1"/>
+          </a:fillRef>
+          <a:effectRef idx="0">
+            <a:schemeClr val="accent1"/>
+          </a:effectRef>
+          <a:fontRef idx="minor">
+            <a:schemeClr val="tx1"/>
+          </a:fontRef>
+        </p:style>
+      </p:cxnSp>
+      <p:cxnSp>
+        <p:nvCxnSpPr>
+          <p:cNvPr id="61" name="Straight Connector 60">
+            <a:extLst>
+              <a:ext uri="{FF2B5EF4-FFF2-40B4-BE49-F238E27FC236}">
+                <a16:creationId xmlns:a16="http://schemas.microsoft.com/office/drawing/2014/main" id="{26BDF7CE-A4E7-F641-ADE8-922C28918DE1}"/>
+              </a:ext>
+            </a:extLst>
+          </p:cNvPr>
+          <p:cNvCxnSpPr>
+            <a:cxnSpLocks/>
+          </p:cNvCxnSpPr>
+          <p:nvPr/>
+        </p:nvCxnSpPr>
+        <p:spPr>
+          <a:xfrm flipV="1">
+            <a:off x="8757774" y="1966355"/>
+            <a:ext cx="3434226" cy="3009594"/>
+          </a:xfrm>
+          <a:prstGeom prst="line">
+            <a:avLst/>
+          </a:prstGeom>
+        </p:spPr>
+        <p:style>
+          <a:lnRef idx="1">
+            <a:schemeClr val="accent1"/>
+          </a:lnRef>
+          <a:fillRef idx="0">
+            <a:schemeClr val="accent1"/>
+          </a:fillRef>
+          <a:effectRef idx="0">
+            <a:schemeClr val="accent1"/>
+          </a:effectRef>
+          <a:fontRef idx="minor">
+            <a:schemeClr val="tx1"/>
+          </a:fontRef>
+        </p:style>
+      </p:cxnSp>
+      <p:sp>
+        <p:nvSpPr>
+          <p:cNvPr id="65" name="Oval 64">
+            <a:extLst>
+              <a:ext uri="{FF2B5EF4-FFF2-40B4-BE49-F238E27FC236}">
+                <a16:creationId xmlns:a16="http://schemas.microsoft.com/office/drawing/2014/main" id="{E4318F89-5175-7E49-9893-3225D32BD7D5}"/>
+              </a:ext>
+            </a:extLst>
+          </p:cNvPr>
+          <p:cNvSpPr/>
+          <p:nvPr/>
+        </p:nvSpPr>
+        <p:spPr>
+          <a:xfrm rot="19046997">
+            <a:off x="8092592" y="3878706"/>
+            <a:ext cx="889000" cy="1130300"/>
+          </a:xfrm>
+          <a:prstGeom prst="ellipse">
+            <a:avLst/>
+          </a:prstGeom>
+          <a:noFill/>
+        </p:spPr>
+        <p:style>
+          <a:lnRef idx="2">
+            <a:schemeClr val="accent1">
+              <a:shade val="50000"/>
+            </a:schemeClr>
+          </a:lnRef>
+          <a:fillRef idx="1">
+            <a:schemeClr val="accent1"/>
+          </a:fillRef>
+          <a:effectRef idx="0">
+            <a:schemeClr val="accent1"/>
+          </a:effectRef>
+          <a:fontRef idx="minor">
+            <a:schemeClr val="lt1"/>
+          </a:fontRef>
+        </p:style>
+        <p:txBody>
+          <a:bodyPr rtlCol="0" anchor="ctr"/>
+          <a:lstStyle/>
+          <a:p>
+            <a:pPr algn="ctr"/>
+            <a:endParaRPr lang="en-US"/>
+          </a:p>
+        </p:txBody>
+      </p:sp>
+      <p:sp>
+        <p:nvSpPr>
+          <p:cNvPr id="66" name="Oval 65">
+            <a:extLst>
+              <a:ext uri="{FF2B5EF4-FFF2-40B4-BE49-F238E27FC236}">
+                <a16:creationId xmlns:a16="http://schemas.microsoft.com/office/drawing/2014/main" id="{63DA1528-BEE1-2A43-BF5C-0F03E4AE1553}"/>
+              </a:ext>
+            </a:extLst>
+          </p:cNvPr>
+          <p:cNvSpPr/>
+          <p:nvPr/>
+        </p:nvSpPr>
+        <p:spPr>
+          <a:xfrm rot="19046997">
+            <a:off x="8173928" y="3812445"/>
+            <a:ext cx="889000" cy="1130300"/>
+          </a:xfrm>
+          <a:prstGeom prst="ellipse">
+            <a:avLst/>
+          </a:prstGeom>
+          <a:noFill/>
+        </p:spPr>
+        <p:style>
+          <a:lnRef idx="2">
+            <a:schemeClr val="accent1">
+              <a:shade val="50000"/>
+            </a:schemeClr>
+          </a:lnRef>
+          <a:fillRef idx="1">
+            <a:schemeClr val="accent1"/>
+          </a:fillRef>
+          <a:effectRef idx="0">
+            <a:schemeClr val="accent1"/>
+          </a:effectRef>
+          <a:fontRef idx="minor">
+            <a:schemeClr val="lt1"/>
+          </a:fontRef>
+        </p:style>
+        <p:txBody>
+          <a:bodyPr rtlCol="0" anchor="ctr"/>
+          <a:lstStyle/>
+          <a:p>
+            <a:pPr algn="ctr"/>
+            <a:endParaRPr lang="en-US"/>
+          </a:p>
+        </p:txBody>
+      </p:sp>
+      <p:sp>
+        <p:nvSpPr>
+          <p:cNvPr id="67" name="Oval 66">
+            <a:extLst>
+              <a:ext uri="{FF2B5EF4-FFF2-40B4-BE49-F238E27FC236}">
+                <a16:creationId xmlns:a16="http://schemas.microsoft.com/office/drawing/2014/main" id="{5490FBF6-285C-2F42-847F-B8D245DDC842}"/>
+              </a:ext>
+            </a:extLst>
+          </p:cNvPr>
+          <p:cNvSpPr/>
+          <p:nvPr/>
+        </p:nvSpPr>
+        <p:spPr>
+          <a:xfrm rot="19046997">
+            <a:off x="8535210" y="3504885"/>
+            <a:ext cx="889000" cy="1130300"/>
+          </a:xfrm>
+          <a:prstGeom prst="ellipse">
+            <a:avLst/>
+          </a:prstGeom>
+          <a:noFill/>
+        </p:spPr>
+        <p:style>
+          <a:lnRef idx="2">
+            <a:schemeClr val="accent1">
+              <a:shade val="50000"/>
+            </a:schemeClr>
+          </a:lnRef>
+          <a:fillRef idx="1">
+            <a:schemeClr val="accent1"/>
+          </a:fillRef>
+          <a:effectRef idx="0">
+            <a:schemeClr val="accent1"/>
+          </a:effectRef>
+          <a:fontRef idx="minor">
+            <a:schemeClr val="lt1"/>
+          </a:fontRef>
+        </p:style>
+        <p:txBody>
+          <a:bodyPr rtlCol="0" anchor="ctr"/>
+          <a:lstStyle/>
+          <a:p>
+            <a:pPr algn="ctr"/>
+            <a:endParaRPr lang="en-US"/>
+          </a:p>
+        </p:txBody>
+      </p:sp>
+      <p:cxnSp>
+        <p:nvCxnSpPr>
+          <p:cNvPr id="68" name="Straight Connector 67">
+            <a:extLst>
+              <a:ext uri="{FF2B5EF4-FFF2-40B4-BE49-F238E27FC236}">
+                <a16:creationId xmlns:a16="http://schemas.microsoft.com/office/drawing/2014/main" id="{C08C5486-0705-0947-A944-38AF9B0EDCE5}"/>
+              </a:ext>
+            </a:extLst>
+          </p:cNvPr>
+          <p:cNvCxnSpPr/>
+          <p:nvPr/>
+        </p:nvCxnSpPr>
+        <p:spPr>
+          <a:xfrm>
+            <a:off x="8794033" y="3842685"/>
+            <a:ext cx="0" cy="672475"/>
+          </a:xfrm>
+          <a:prstGeom prst="line">
+            <a:avLst/>
+          </a:prstGeom>
+          <a:ln w="25400">
+            <a:solidFill>
+              <a:srgbClr val="FF0000"/>
+            </a:solidFill>
+          </a:ln>
+        </p:spPr>
+        <p:style>
+          <a:lnRef idx="1">
+            <a:schemeClr val="accent1"/>
+          </a:lnRef>
+          <a:fillRef idx="0">
+            <a:schemeClr val="accent1"/>
+          </a:fillRef>
+          <a:effectRef idx="0">
+            <a:schemeClr val="accent1"/>
+          </a:effectRef>
+          <a:fontRef idx="minor">
+            <a:schemeClr val="tx1"/>
+          </a:fontRef>
+        </p:style>
+      </p:cxnSp>
+      <p:cxnSp>
+        <p:nvCxnSpPr>
+          <p:cNvPr id="69" name="Straight Connector 68">
+            <a:extLst>
+              <a:ext uri="{FF2B5EF4-FFF2-40B4-BE49-F238E27FC236}">
+                <a16:creationId xmlns:a16="http://schemas.microsoft.com/office/drawing/2014/main" id="{BB763315-FB1C-0743-9BC5-E4B83470D0AE}"/>
+              </a:ext>
+            </a:extLst>
+          </p:cNvPr>
+          <p:cNvCxnSpPr>
+            <a:cxnSpLocks/>
+          </p:cNvCxnSpPr>
+          <p:nvPr/>
+        </p:nvCxnSpPr>
+        <p:spPr>
+          <a:xfrm>
+            <a:off x="8430317" y="4143271"/>
+            <a:ext cx="734014" cy="0"/>
+          </a:xfrm>
+          <a:prstGeom prst="line">
+            <a:avLst/>
+          </a:prstGeom>
+          <a:ln w="25400">
+            <a:solidFill>
+              <a:srgbClr val="FF0000"/>
+            </a:solidFill>
+          </a:ln>
+        </p:spPr>
+        <p:style>
+          <a:lnRef idx="1">
+            <a:schemeClr val="accent1"/>
+          </a:lnRef>
+          <a:fillRef idx="0">
+            <a:schemeClr val="accent1"/>
+          </a:fillRef>
+          <a:effectRef idx="0">
+            <a:schemeClr val="accent1"/>
+          </a:effectRef>
+          <a:fontRef idx="minor">
+            <a:schemeClr val="tx1"/>
+          </a:fontRef>
+        </p:style>
+      </p:cxnSp>
+      <p:sp>
+        <p:nvSpPr>
+          <p:cNvPr id="70" name="Up Arrow 69">
+            <a:extLst>
+              <a:ext uri="{FF2B5EF4-FFF2-40B4-BE49-F238E27FC236}">
+                <a16:creationId xmlns:a16="http://schemas.microsoft.com/office/drawing/2014/main" id="{5C77EE36-E1F6-F643-8F95-E256317C5E7D}"/>
+              </a:ext>
+            </a:extLst>
+          </p:cNvPr>
+          <p:cNvSpPr/>
+          <p:nvPr/>
+        </p:nvSpPr>
+        <p:spPr>
+          <a:xfrm rot="20795141">
+            <a:off x="7786100" y="2468636"/>
+            <a:ext cx="548595" cy="965200"/>
+          </a:xfrm>
+          <a:prstGeom prst="upArrow">
+            <a:avLst/>
+          </a:prstGeom>
+          <a:solidFill>
+            <a:srgbClr val="FF0000"/>
+          </a:solidFill>
+          <a:ln>
+            <a:solidFill>
+              <a:schemeClr val="tx1"/>
+            </a:solidFill>
+          </a:ln>
+        </p:spPr>
+        <p:style>
+          <a:lnRef idx="2">
+            <a:schemeClr val="accent1">
+              <a:shade val="50000"/>
+            </a:schemeClr>
+          </a:lnRef>
+          <a:fillRef idx="1">
+            <a:schemeClr val="accent1"/>
+          </a:fillRef>
+          <a:effectRef idx="0">
+            <a:schemeClr val="accent1"/>
+          </a:effectRef>
+          <a:fontRef idx="minor">
+            <a:schemeClr val="lt1"/>
+          </a:fontRef>
+        </p:style>
+        <p:txBody>
+          <a:bodyPr rot="0" spcFirstLastPara="0" vertOverflow="overflow" horzOverflow="overflow" vert="horz" wrap="square" lIns="91440" tIns="45720" rIns="91440" bIns="45720" numCol="1" spcCol="0" rtlCol="0" fromWordArt="0" anchor="ctr" anchorCtr="0" forceAA="0" compatLnSpc="1">
+            <a:prstTxWarp prst="textNoShape">
+              <a:avLst/>
+            </a:prstTxWarp>
+            <a:noAutofit/>
+          </a:bodyPr>
+          <a:lstStyle/>
+          <a:p>
+            <a:pPr algn="ctr"/>
+            <a:endParaRPr lang="en-US">
+              <a:solidFill>
+                <a:schemeClr val="tx1"/>
+              </a:solidFill>
+            </a:endParaRPr>
+          </a:p>
+        </p:txBody>
+      </p:sp>
+      <p:sp>
+        <p:nvSpPr>
+          <p:cNvPr id="71" name="Up Arrow 70">
+            <a:extLst>
+              <a:ext uri="{FF2B5EF4-FFF2-40B4-BE49-F238E27FC236}">
+                <a16:creationId xmlns:a16="http://schemas.microsoft.com/office/drawing/2014/main" id="{2AB86FA6-E054-4A4D-8C76-3C3AFEFF70BC}"/>
+              </a:ext>
+            </a:extLst>
+          </p:cNvPr>
+          <p:cNvSpPr/>
+          <p:nvPr/>
+        </p:nvSpPr>
+        <p:spPr>
+          <a:xfrm rot="9960808">
+            <a:off x="8626258" y="5654937"/>
+            <a:ext cx="548595" cy="965200"/>
+          </a:xfrm>
+          <a:prstGeom prst="upArrow">
+            <a:avLst/>
+          </a:prstGeom>
+          <a:solidFill>
+            <a:srgbClr val="FF0000"/>
+          </a:solidFill>
+          <a:ln>
+            <a:solidFill>
+              <a:schemeClr val="tx1"/>
+            </a:solidFill>
+          </a:ln>
+        </p:spPr>
+        <p:style>
+          <a:lnRef idx="2">
+            <a:schemeClr val="accent1">
+              <a:shade val="50000"/>
+            </a:schemeClr>
+          </a:lnRef>
+          <a:fillRef idx="1">
+            <a:schemeClr val="accent1"/>
+          </a:fillRef>
+          <a:effectRef idx="0">
+            <a:schemeClr val="accent1"/>
+          </a:effectRef>
+          <a:fontRef idx="minor">
+            <a:schemeClr val="lt1"/>
+          </a:fontRef>
+        </p:style>
+        <p:txBody>
+          <a:bodyPr rot="0" spcFirstLastPara="0" vertOverflow="overflow" horzOverflow="overflow" vert="horz" wrap="square" lIns="91440" tIns="45720" rIns="91440" bIns="45720" numCol="1" spcCol="0" rtlCol="0" fromWordArt="0" anchor="ctr" anchorCtr="0" forceAA="0" compatLnSpc="1">
+            <a:prstTxWarp prst="textNoShape">
+              <a:avLst/>
+            </a:prstTxWarp>
+            <a:noAutofit/>
+          </a:bodyPr>
+          <a:lstStyle/>
+          <a:p>
+            <a:pPr algn="ctr"/>
+            <a:endParaRPr lang="en-US">
+              <a:solidFill>
+                <a:schemeClr val="tx1"/>
+              </a:solidFill>
+            </a:endParaRPr>
+          </a:p>
+        </p:txBody>
+      </p:sp>
+      <p:cxnSp>
+        <p:nvCxnSpPr>
+          <p:cNvPr id="72" name="Straight Connector 71">
+            <a:extLst>
+              <a:ext uri="{FF2B5EF4-FFF2-40B4-BE49-F238E27FC236}">
+                <a16:creationId xmlns:a16="http://schemas.microsoft.com/office/drawing/2014/main" id="{B94908DC-0E80-BF4F-813D-AC4930439E7F}"/>
+              </a:ext>
+            </a:extLst>
+          </p:cNvPr>
+          <p:cNvCxnSpPr>
+            <a:cxnSpLocks/>
+          </p:cNvCxnSpPr>
+          <p:nvPr/>
+        </p:nvCxnSpPr>
+        <p:spPr>
+          <a:xfrm>
+            <a:off x="8459018" y="4608903"/>
+            <a:ext cx="681746" cy="2450265"/>
+          </a:xfrm>
+          <a:prstGeom prst="line">
+            <a:avLst/>
+          </a:prstGeom>
+          <a:ln>
+            <a:solidFill>
+              <a:srgbClr val="FF0000"/>
+            </a:solidFill>
+            <a:prstDash val="dash"/>
+          </a:ln>
+        </p:spPr>
+        <p:style>
+          <a:lnRef idx="1">
+            <a:schemeClr val="accent1"/>
+          </a:lnRef>
+          <a:fillRef idx="0">
+            <a:schemeClr val="accent1"/>
+          </a:fillRef>
+          <a:effectRef idx="0">
+            <a:schemeClr val="accent1"/>
+          </a:effectRef>
+          <a:fontRef idx="minor">
+            <a:schemeClr val="tx1"/>
+          </a:fontRef>
+        </p:style>
+      </p:cxnSp>
+      <p:cxnSp>
+        <p:nvCxnSpPr>
+          <p:cNvPr id="73" name="Straight Connector 72">
+            <a:extLst>
+              <a:ext uri="{FF2B5EF4-FFF2-40B4-BE49-F238E27FC236}">
+                <a16:creationId xmlns:a16="http://schemas.microsoft.com/office/drawing/2014/main" id="{B998E455-0B35-F04F-84E8-34F0B826441D}"/>
+              </a:ext>
+            </a:extLst>
+          </p:cNvPr>
+          <p:cNvCxnSpPr>
+            <a:cxnSpLocks/>
+          </p:cNvCxnSpPr>
+          <p:nvPr/>
+        </p:nvCxnSpPr>
+        <p:spPr>
+          <a:xfrm>
+            <a:off x="7754373" y="1805642"/>
+            <a:ext cx="704645" cy="2777667"/>
+          </a:xfrm>
+          <a:prstGeom prst="line">
+            <a:avLst/>
+          </a:prstGeom>
+          <a:ln>
+            <a:solidFill>
+              <a:srgbClr val="FF0000"/>
+            </a:solidFill>
+            <a:prstDash val="dash"/>
+          </a:ln>
+        </p:spPr>
+        <p:style>
+          <a:lnRef idx="1">
+            <a:schemeClr val="accent1"/>
+          </a:lnRef>
+          <a:fillRef idx="0">
+            <a:schemeClr val="accent1"/>
+          </a:fillRef>
+          <a:effectRef idx="0">
+            <a:schemeClr val="accent1"/>
+          </a:effectRef>
+          <a:fontRef idx="minor">
+            <a:schemeClr val="tx1"/>
+          </a:fontRef>
+        </p:style>
+      </p:cxnSp>
+      <p:cxnSp>
+        <p:nvCxnSpPr>
+          <p:cNvPr id="74" name="Straight Connector 73">
+            <a:extLst>
+              <a:ext uri="{FF2B5EF4-FFF2-40B4-BE49-F238E27FC236}">
+                <a16:creationId xmlns:a16="http://schemas.microsoft.com/office/drawing/2014/main" id="{38EA186E-9E5C-1941-95B2-06D9173906AD}"/>
+              </a:ext>
+            </a:extLst>
+          </p:cNvPr>
+          <p:cNvCxnSpPr>
+            <a:cxnSpLocks/>
+          </p:cNvCxnSpPr>
+          <p:nvPr/>
+        </p:nvCxnSpPr>
+        <p:spPr>
+          <a:xfrm>
+            <a:off x="9082995" y="4786960"/>
+            <a:ext cx="2359197" cy="489575"/>
+          </a:xfrm>
+          <a:prstGeom prst="line">
+            <a:avLst/>
+          </a:prstGeom>
+          <a:ln w="25400">
+            <a:solidFill>
+              <a:schemeClr val="tx1"/>
+            </a:solidFill>
+            <a:prstDash val="dash"/>
+          </a:ln>
+        </p:spPr>
+        <p:style>
+          <a:lnRef idx="1">
+            <a:schemeClr val="accent1"/>
+          </a:lnRef>
+          <a:fillRef idx="0">
+            <a:schemeClr val="accent1"/>
+          </a:fillRef>
+          <a:effectRef idx="0">
+            <a:schemeClr val="accent1"/>
+          </a:effectRef>
+          <a:fontRef idx="minor">
+            <a:schemeClr val="tx1"/>
+          </a:fontRef>
+        </p:style>
+      </p:cxnSp>
+      <p:cxnSp>
+        <p:nvCxnSpPr>
+          <p:cNvPr id="76" name="Straight Connector 75">
+            <a:extLst>
+              <a:ext uri="{FF2B5EF4-FFF2-40B4-BE49-F238E27FC236}">
+                <a16:creationId xmlns:a16="http://schemas.microsoft.com/office/drawing/2014/main" id="{5B333207-B4B4-8743-9358-4858AC927A0B}"/>
+              </a:ext>
+            </a:extLst>
+          </p:cNvPr>
+          <p:cNvCxnSpPr>
+            <a:cxnSpLocks/>
+          </p:cNvCxnSpPr>
+          <p:nvPr/>
+        </p:nvCxnSpPr>
+        <p:spPr>
+          <a:xfrm flipH="1">
+            <a:off x="5968818" y="4608903"/>
+            <a:ext cx="2516926" cy="366311"/>
+          </a:xfrm>
+          <a:prstGeom prst="line">
+            <a:avLst/>
+          </a:prstGeom>
+          <a:ln>
+            <a:solidFill>
+              <a:srgbClr val="FF0000"/>
+            </a:solidFill>
+            <a:prstDash val="dash"/>
+          </a:ln>
+        </p:spPr>
+        <p:style>
+          <a:lnRef idx="1">
+            <a:schemeClr val="accent1"/>
+          </a:lnRef>
+          <a:fillRef idx="0">
+            <a:schemeClr val="accent1"/>
+          </a:fillRef>
+          <a:effectRef idx="0">
+            <a:schemeClr val="accent1"/>
+          </a:effectRef>
+          <a:fontRef idx="minor">
+            <a:schemeClr val="tx1"/>
+          </a:fontRef>
+        </p:style>
+      </p:cxnSp>
+      <p:sp>
+        <p:nvSpPr>
+          <p:cNvPr id="77" name="Up Arrow 76">
+            <a:extLst>
+              <a:ext uri="{FF2B5EF4-FFF2-40B4-BE49-F238E27FC236}">
+                <a16:creationId xmlns:a16="http://schemas.microsoft.com/office/drawing/2014/main" id="{FF4A011C-EE5F-C248-AD0B-52DF183AB4F4}"/>
+              </a:ext>
+            </a:extLst>
+          </p:cNvPr>
+          <p:cNvSpPr/>
+          <p:nvPr/>
+        </p:nvSpPr>
+        <p:spPr>
+          <a:xfrm rot="15642099">
+            <a:off x="6682186" y="4355622"/>
+            <a:ext cx="548595" cy="965200"/>
+          </a:xfrm>
+          <a:prstGeom prst="upArrow">
+            <a:avLst/>
+          </a:prstGeom>
+          <a:solidFill>
+            <a:srgbClr val="FF0000"/>
+          </a:solidFill>
+          <a:ln>
+            <a:solidFill>
+              <a:schemeClr val="tx1"/>
+            </a:solidFill>
+          </a:ln>
+        </p:spPr>
+        <p:style>
+          <a:lnRef idx="2">
+            <a:schemeClr val="accent1">
+              <a:shade val="50000"/>
+            </a:schemeClr>
+          </a:lnRef>
+          <a:fillRef idx="1">
+            <a:schemeClr val="accent1"/>
+          </a:fillRef>
+          <a:effectRef idx="0">
+            <a:schemeClr val="accent1"/>
+          </a:effectRef>
+          <a:fontRef idx="minor">
+            <a:schemeClr val="lt1"/>
+          </a:fontRef>
+        </p:style>
+        <p:txBody>
+          <a:bodyPr rot="0" spcFirstLastPara="0" vertOverflow="overflow" horzOverflow="overflow" vert="horz" wrap="square" lIns="91440" tIns="45720" rIns="91440" bIns="45720" numCol="1" spcCol="0" rtlCol="0" fromWordArt="0" anchor="ctr" anchorCtr="0" forceAA="0" compatLnSpc="1">
+            <a:prstTxWarp prst="textNoShape">
+              <a:avLst/>
+            </a:prstTxWarp>
+            <a:noAutofit/>
+          </a:bodyPr>
+          <a:lstStyle/>
+          <a:p>
+            <a:pPr algn="ctr"/>
+            <a:endParaRPr lang="en-US">
+              <a:solidFill>
+                <a:schemeClr val="tx1"/>
+              </a:solidFill>
+            </a:endParaRPr>
+          </a:p>
+        </p:txBody>
+      </p:sp>
+      <p:sp>
+        <p:nvSpPr>
+          <p:cNvPr id="78" name="Donut 77">
+            <a:extLst>
+              <a:ext uri="{FF2B5EF4-FFF2-40B4-BE49-F238E27FC236}">
+                <a16:creationId xmlns:a16="http://schemas.microsoft.com/office/drawing/2014/main" id="{B355E3A5-E4BD-7B47-8E3E-5E3FCA0BDECA}"/>
+              </a:ext>
+            </a:extLst>
+          </p:cNvPr>
+          <p:cNvSpPr/>
+          <p:nvPr/>
+        </p:nvSpPr>
+        <p:spPr>
+          <a:xfrm rot="18429553">
+            <a:off x="8884611" y="2825581"/>
+            <a:ext cx="1248760" cy="1571192"/>
+          </a:xfrm>
+          <a:prstGeom prst="donut">
+            <a:avLst>
+              <a:gd name="adj" fmla="val 7286"/>
+            </a:avLst>
+          </a:prstGeom>
+          <a:solidFill>
+            <a:schemeClr val="tx1">
+              <a:lumMod val="50000"/>
+              <a:lumOff val="50000"/>
+            </a:schemeClr>
+          </a:solidFill>
+          <a:ln>
+            <a:solidFill>
+              <a:schemeClr val="tx1"/>
+            </a:solidFill>
+          </a:ln>
+        </p:spPr>
+        <p:style>
+          <a:lnRef idx="2">
+            <a:schemeClr val="accent1">
+              <a:shade val="50000"/>
+            </a:schemeClr>
+          </a:lnRef>
+          <a:fillRef idx="1">
+            <a:schemeClr val="accent1"/>
+          </a:fillRef>
+          <a:effectRef idx="0">
+            <a:schemeClr val="accent1"/>
+          </a:effectRef>
+          <a:fontRef idx="minor">
+            <a:schemeClr val="lt1"/>
+          </a:fontRef>
+        </p:style>
+        <p:txBody>
+          <a:bodyPr rtlCol="0" anchor="ctr"/>
+          <a:lstStyle/>
+          <a:p>
+            <a:pPr algn="ctr"/>
+            <a:endParaRPr lang="en-US">
+              <a:solidFill>
+                <a:schemeClr val="tx1"/>
+              </a:solidFill>
+            </a:endParaRPr>
+          </a:p>
+        </p:txBody>
+      </p:sp>
+      <p:sp>
+        <p:nvSpPr>
+          <p:cNvPr id="79" name="Donut 78">
+            <a:extLst>
+              <a:ext uri="{FF2B5EF4-FFF2-40B4-BE49-F238E27FC236}">
+                <a16:creationId xmlns:a16="http://schemas.microsoft.com/office/drawing/2014/main" id="{610E6465-FB17-5240-9C4C-0527037BFB57}"/>
+              </a:ext>
+            </a:extLst>
+          </p:cNvPr>
+          <p:cNvSpPr/>
+          <p:nvPr/>
+        </p:nvSpPr>
+        <p:spPr>
+          <a:xfrm rot="18429553">
+            <a:off x="8359454" y="3271858"/>
+            <a:ext cx="1248760" cy="1571192"/>
+          </a:xfrm>
+          <a:prstGeom prst="donut">
+            <a:avLst>
+              <a:gd name="adj" fmla="val 7286"/>
+            </a:avLst>
+          </a:prstGeom>
+          <a:solidFill>
+            <a:schemeClr val="tx1">
+              <a:lumMod val="50000"/>
+              <a:lumOff val="50000"/>
+            </a:schemeClr>
+          </a:solidFill>
+          <a:ln>
+            <a:solidFill>
+              <a:schemeClr val="tx1"/>
+            </a:solidFill>
+          </a:ln>
+        </p:spPr>
+        <p:style>
+          <a:lnRef idx="2">
+            <a:schemeClr val="accent1">
+              <a:shade val="50000"/>
+            </a:schemeClr>
+          </a:lnRef>
+          <a:fillRef idx="1">
+            <a:schemeClr val="accent1"/>
+          </a:fillRef>
+          <a:effectRef idx="0">
+            <a:schemeClr val="accent1"/>
+          </a:effectRef>
+          <a:fontRef idx="minor">
+            <a:schemeClr val="lt1"/>
+          </a:fontRef>
+        </p:style>
+        <p:txBody>
+          <a:bodyPr rtlCol="0" anchor="ctr"/>
+          <a:lstStyle/>
+          <a:p>
+            <a:pPr algn="ctr"/>
+            <a:endParaRPr lang="en-US">
+              <a:solidFill>
+                <a:schemeClr val="tx1"/>
+              </a:solidFill>
+            </a:endParaRPr>
+          </a:p>
+        </p:txBody>
+      </p:sp>
+      <p:sp>
+        <p:nvSpPr>
+          <p:cNvPr id="80" name="Donut 79">
+            <a:extLst>
+              <a:ext uri="{FF2B5EF4-FFF2-40B4-BE49-F238E27FC236}">
+                <a16:creationId xmlns:a16="http://schemas.microsoft.com/office/drawing/2014/main" id="{4AC7E5B2-B763-394A-BAE2-BC4DF4A4557A}"/>
+              </a:ext>
+            </a:extLst>
+          </p:cNvPr>
+          <p:cNvSpPr/>
+          <p:nvPr/>
+        </p:nvSpPr>
+        <p:spPr>
+          <a:xfrm rot="18429553">
+            <a:off x="7907385" y="3679520"/>
+            <a:ext cx="1248760" cy="1571192"/>
+          </a:xfrm>
+          <a:prstGeom prst="donut">
+            <a:avLst>
+              <a:gd name="adj" fmla="val 7286"/>
+            </a:avLst>
+          </a:prstGeom>
+          <a:solidFill>
+            <a:schemeClr val="tx1">
+              <a:lumMod val="50000"/>
+              <a:lumOff val="50000"/>
+            </a:schemeClr>
+          </a:solidFill>
+          <a:ln>
+            <a:solidFill>
+              <a:schemeClr val="tx1"/>
+            </a:solidFill>
+          </a:ln>
+        </p:spPr>
+        <p:style>
+          <a:lnRef idx="2">
+            <a:schemeClr val="accent1">
+              <a:shade val="50000"/>
+            </a:schemeClr>
+          </a:lnRef>
+          <a:fillRef idx="1">
+            <a:schemeClr val="accent1"/>
+          </a:fillRef>
+          <a:effectRef idx="0">
+            <a:schemeClr val="accent1"/>
+          </a:effectRef>
+          <a:fontRef idx="minor">
+            <a:schemeClr val="lt1"/>
+          </a:fontRef>
+        </p:style>
+        <p:txBody>
+          <a:bodyPr rtlCol="0" anchor="ctr"/>
+          <a:lstStyle/>
+          <a:p>
+            <a:pPr algn="ctr"/>
+            <a:endParaRPr lang="en-US">
+              <a:solidFill>
+                <a:schemeClr val="tx1"/>
+              </a:solidFill>
+            </a:endParaRPr>
+          </a:p>
+        </p:txBody>
+      </p:sp>
+      <p:sp>
+        <p:nvSpPr>
+          <p:cNvPr id="81" name="Donut 80">
+            <a:extLst>
+              <a:ext uri="{FF2B5EF4-FFF2-40B4-BE49-F238E27FC236}">
+                <a16:creationId xmlns:a16="http://schemas.microsoft.com/office/drawing/2014/main" id="{7E87339E-074E-D449-9C0A-37FD05CA6A69}"/>
+              </a:ext>
+            </a:extLst>
+          </p:cNvPr>
+          <p:cNvSpPr/>
+          <p:nvPr/>
+        </p:nvSpPr>
+        <p:spPr>
+          <a:xfrm rot="18429553">
+            <a:off x="7748983" y="3780946"/>
+            <a:ext cx="1248760" cy="1571192"/>
+          </a:xfrm>
+          <a:prstGeom prst="donut">
+            <a:avLst>
+              <a:gd name="adj" fmla="val 7286"/>
+            </a:avLst>
+          </a:prstGeom>
+          <a:solidFill>
+            <a:srgbClr val="FF0000"/>
+          </a:solidFill>
+          <a:ln>
+            <a:solidFill>
+              <a:schemeClr val="tx1"/>
+            </a:solidFill>
+          </a:ln>
+        </p:spPr>
+        <p:style>
+          <a:lnRef idx="2">
+            <a:schemeClr val="accent1">
+              <a:shade val="50000"/>
+            </a:schemeClr>
+          </a:lnRef>
+          <a:fillRef idx="1">
+            <a:schemeClr val="accent1"/>
+          </a:fillRef>
+          <a:effectRef idx="0">
+            <a:schemeClr val="accent1"/>
+          </a:effectRef>
+          <a:fontRef idx="minor">
+            <a:schemeClr val="lt1"/>
+          </a:fontRef>
+        </p:style>
+        <p:txBody>
+          <a:bodyPr rtlCol="0" anchor="ctr"/>
+          <a:lstStyle/>
+          <a:p>
+            <a:pPr algn="ctr"/>
+            <a:endParaRPr lang="en-US">
+              <a:solidFill>
+                <a:schemeClr val="tx1"/>
+              </a:solidFill>
+            </a:endParaRPr>
+          </a:p>
+        </p:txBody>
+      </p:sp>
+      <p:cxnSp>
+        <p:nvCxnSpPr>
+          <p:cNvPr id="44" name="Straight Arrow Connector 43">
+            <a:extLst>
+              <a:ext uri="{FF2B5EF4-FFF2-40B4-BE49-F238E27FC236}">
+                <a16:creationId xmlns:a16="http://schemas.microsoft.com/office/drawing/2014/main" id="{B4E3110D-76FB-6242-8E9A-293A5DB825CD}"/>
+              </a:ext>
+            </a:extLst>
+          </p:cNvPr>
+          <p:cNvCxnSpPr>
+            <a:cxnSpLocks/>
+          </p:cNvCxnSpPr>
+          <p:nvPr/>
+        </p:nvCxnSpPr>
+        <p:spPr>
+          <a:xfrm flipV="1">
+            <a:off x="7461109" y="4560458"/>
+            <a:ext cx="839507" cy="692806"/>
+          </a:xfrm>
+          <a:prstGeom prst="straightConnector1">
+            <a:avLst/>
+          </a:prstGeom>
+          <a:ln w="50800">
+            <a:solidFill>
+              <a:schemeClr val="bg1">
+                <a:lumMod val="75000"/>
+              </a:schemeClr>
+            </a:solidFill>
+            <a:prstDash val="dash"/>
+            <a:headEnd type="triangle"/>
+            <a:tailEnd type="triangle"/>
+          </a:ln>
+        </p:spPr>
+        <p:style>
+          <a:lnRef idx="1">
+            <a:schemeClr val="accent1"/>
+          </a:lnRef>
+          <a:fillRef idx="0">
+            <a:schemeClr val="accent1"/>
+          </a:fillRef>
+          <a:effectRef idx="0">
+            <a:schemeClr val="accent1"/>
+          </a:effectRef>
+          <a:fontRef idx="minor">
+            <a:schemeClr val="tx1"/>
+          </a:fontRef>
+        </p:style>
+      </p:cxnSp>
+      <p:sp>
+        <p:nvSpPr>
+          <p:cNvPr id="87" name="TextBox 86">
+            <a:extLst>
+              <a:ext uri="{FF2B5EF4-FFF2-40B4-BE49-F238E27FC236}">
+                <a16:creationId xmlns:a16="http://schemas.microsoft.com/office/drawing/2014/main" id="{7CBDF36A-000B-464D-9326-0EEA69A78303}"/>
+              </a:ext>
+            </a:extLst>
+          </p:cNvPr>
+          <p:cNvSpPr txBox="1"/>
+          <p:nvPr/>
+        </p:nvSpPr>
+        <p:spPr>
+          <a:xfrm>
+            <a:off x="6911122" y="5186890"/>
+            <a:ext cx="1109086" cy="369332"/>
+          </a:xfrm>
+          <a:prstGeom prst="rect">
+            <a:avLst/>
+          </a:prstGeom>
+          <a:noFill/>
+        </p:spPr>
+        <p:txBody>
+          <a:bodyPr wrap="none" rtlCol="0">
+            <a:spAutoFit/>
+          </a:bodyPr>
+          <a:lstStyle/>
+          <a:p>
+            <a:r>
+              <a:rPr lang="en-US" dirty="0"/>
+              <a:t>draggable</a:t>
+            </a:r>
+          </a:p>
+        </p:txBody>
+      </p:sp>
+      <p:cxnSp>
+        <p:nvCxnSpPr>
+          <p:cNvPr id="45" name="Straight Connector 44">
+            <a:extLst>
+              <a:ext uri="{FF2B5EF4-FFF2-40B4-BE49-F238E27FC236}">
+                <a16:creationId xmlns:a16="http://schemas.microsoft.com/office/drawing/2014/main" id="{294B017E-25EB-2F4A-A8A5-10073B9B19C0}"/>
+              </a:ext>
+            </a:extLst>
+          </p:cNvPr>
+          <p:cNvCxnSpPr>
+            <a:cxnSpLocks/>
+          </p:cNvCxnSpPr>
+          <p:nvPr/>
+        </p:nvCxnSpPr>
+        <p:spPr>
+          <a:xfrm flipV="1">
+            <a:off x="8459018" y="4185244"/>
+            <a:ext cx="2731745" cy="388149"/>
+          </a:xfrm>
+          <a:prstGeom prst="line">
+            <a:avLst/>
+          </a:prstGeom>
+          <a:ln>
+            <a:solidFill>
+              <a:srgbClr val="FF0000"/>
+            </a:solidFill>
+            <a:prstDash val="dash"/>
+          </a:ln>
+        </p:spPr>
+        <p:style>
+          <a:lnRef idx="1">
+            <a:schemeClr val="accent1"/>
+          </a:lnRef>
+          <a:fillRef idx="0">
+            <a:schemeClr val="accent1"/>
+          </a:fillRef>
+          <a:effectRef idx="0">
+            <a:schemeClr val="accent1"/>
+          </a:effectRef>
+          <a:fontRef idx="minor">
+            <a:schemeClr val="tx1"/>
+          </a:fontRef>
+        </p:style>
+      </p:cxnSp>
+      <p:sp>
+        <p:nvSpPr>
+          <p:cNvPr id="75" name="Up Arrow 74">
+            <a:extLst>
+              <a:ext uri="{FF2B5EF4-FFF2-40B4-BE49-F238E27FC236}">
+                <a16:creationId xmlns:a16="http://schemas.microsoft.com/office/drawing/2014/main" id="{D08EE4DB-7599-1B44-A3CD-7FAF9F13BB7E}"/>
+              </a:ext>
+            </a:extLst>
+          </p:cNvPr>
+          <p:cNvSpPr/>
+          <p:nvPr/>
+        </p:nvSpPr>
+        <p:spPr>
+          <a:xfrm rot="4856122">
+            <a:off x="9712772" y="3899111"/>
+            <a:ext cx="548595" cy="965200"/>
+          </a:xfrm>
+          <a:prstGeom prst="upArrow">
+            <a:avLst/>
+          </a:prstGeom>
+          <a:solidFill>
+            <a:srgbClr val="FF0000"/>
+          </a:solidFill>
+          <a:ln>
+            <a:solidFill>
+              <a:schemeClr val="tx1"/>
+            </a:solidFill>
+          </a:ln>
+        </p:spPr>
+        <p:style>
+          <a:lnRef idx="2">
+            <a:schemeClr val="accent1">
+              <a:shade val="50000"/>
+            </a:schemeClr>
+          </a:lnRef>
+          <a:fillRef idx="1">
+            <a:schemeClr val="accent1"/>
+          </a:fillRef>
+          <a:effectRef idx="0">
+            <a:schemeClr val="accent1"/>
+          </a:effectRef>
+          <a:fontRef idx="minor">
+            <a:schemeClr val="lt1"/>
+          </a:fontRef>
+        </p:style>
+        <p:txBody>
+          <a:bodyPr rot="0" spcFirstLastPara="0" vertOverflow="overflow" horzOverflow="overflow" vert="horz" wrap="square" lIns="91440" tIns="45720" rIns="91440" bIns="45720" numCol="1" spcCol="0" rtlCol="0" fromWordArt="0" anchor="ctr" anchorCtr="0" forceAA="0" compatLnSpc="1">
+            <a:prstTxWarp prst="textNoShape">
+              <a:avLst/>
+            </a:prstTxWarp>
+            <a:noAutofit/>
+          </a:bodyPr>
+          <a:lstStyle/>
+          <a:p>
+            <a:pPr algn="ctr"/>
+            <a:endParaRPr lang="en-US">
+              <a:solidFill>
+                <a:schemeClr val="tx1"/>
+              </a:solidFill>
+            </a:endParaRPr>
+          </a:p>
+        </p:txBody>
+      </p:sp>
+      <p:sp>
+        <p:nvSpPr>
+          <p:cNvPr id="14" name="Circular Arrow 13">
+            <a:extLst>
+              <a:ext uri="{FF2B5EF4-FFF2-40B4-BE49-F238E27FC236}">
+                <a16:creationId xmlns:a16="http://schemas.microsoft.com/office/drawing/2014/main" id="{6D0C2D9C-B65E-4247-9388-6902061962A9}"/>
+              </a:ext>
+            </a:extLst>
+          </p:cNvPr>
+          <p:cNvSpPr/>
+          <p:nvPr/>
+        </p:nvSpPr>
+        <p:spPr>
+          <a:xfrm flipH="1">
+            <a:off x="9195556" y="3699722"/>
+            <a:ext cx="2140801" cy="2469265"/>
+          </a:xfrm>
+          <a:prstGeom prst="circularArrow">
+            <a:avLst>
+              <a:gd name="adj1" fmla="val 8444"/>
+              <a:gd name="adj2" fmla="val 693860"/>
+              <a:gd name="adj3" fmla="val 12948575"/>
+              <a:gd name="adj4" fmla="val 10045915"/>
+              <a:gd name="adj5" fmla="val 14577"/>
+            </a:avLst>
+          </a:prstGeom>
+        </p:spPr>
+        <p:style>
+          <a:lnRef idx="2">
+            <a:schemeClr val="accent1">
+              <a:shade val="50000"/>
+            </a:schemeClr>
+          </a:lnRef>
+          <a:fillRef idx="1">
+            <a:schemeClr val="accent1"/>
+          </a:fillRef>
+          <a:effectRef idx="0">
+            <a:schemeClr val="accent1"/>
+          </a:effectRef>
+          <a:fontRef idx="minor">
+            <a:schemeClr val="lt1"/>
+          </a:fontRef>
+        </p:style>
+        <p:txBody>
+          <a:bodyPr rtlCol="0" anchor="ctr"/>
+          <a:lstStyle/>
+          <a:p>
+            <a:pPr algn="ctr"/>
+            <a:endParaRPr lang="en-US">
+              <a:solidFill>
+                <a:schemeClr val="tx1"/>
+              </a:solidFill>
+            </a:endParaRPr>
+          </a:p>
+        </p:txBody>
+      </p:sp>
+      <p:cxnSp>
+        <p:nvCxnSpPr>
+          <p:cNvPr id="51" name="Straight Connector 50">
+            <a:extLst>
+              <a:ext uri="{FF2B5EF4-FFF2-40B4-BE49-F238E27FC236}">
+                <a16:creationId xmlns:a16="http://schemas.microsoft.com/office/drawing/2014/main" id="{E308BC0A-BE35-3E40-A71B-09250AE50D5E}"/>
+              </a:ext>
+            </a:extLst>
+          </p:cNvPr>
+          <p:cNvCxnSpPr>
+            <a:cxnSpLocks/>
+          </p:cNvCxnSpPr>
+          <p:nvPr/>
+        </p:nvCxnSpPr>
+        <p:spPr>
+          <a:xfrm>
+            <a:off x="5306727" y="3933605"/>
+            <a:ext cx="2359197" cy="489575"/>
+          </a:xfrm>
+          <a:prstGeom prst="line">
+            <a:avLst/>
+          </a:prstGeom>
+          <a:ln w="25400">
+            <a:solidFill>
+              <a:schemeClr val="tx1"/>
+            </a:solidFill>
+            <a:prstDash val="dash"/>
+          </a:ln>
+        </p:spPr>
+        <p:style>
+          <a:lnRef idx="1">
+            <a:schemeClr val="accent1"/>
+          </a:lnRef>
+          <a:fillRef idx="0">
+            <a:schemeClr val="accent1"/>
+          </a:fillRef>
+          <a:effectRef idx="0">
+            <a:schemeClr val="accent1"/>
+          </a:effectRef>
+          <a:fontRef idx="minor">
+            <a:schemeClr val="tx1"/>
+          </a:fontRef>
+        </p:style>
+      </p:cxnSp>
+      <p:cxnSp>
+        <p:nvCxnSpPr>
+          <p:cNvPr id="54" name="Straight Connector 53">
+            <a:extLst>
+              <a:ext uri="{FF2B5EF4-FFF2-40B4-BE49-F238E27FC236}">
+                <a16:creationId xmlns:a16="http://schemas.microsoft.com/office/drawing/2014/main" id="{ABEBAC18-7771-4142-A4F3-00129C48CA7D}"/>
+              </a:ext>
+            </a:extLst>
+          </p:cNvPr>
+          <p:cNvCxnSpPr>
+            <a:cxnSpLocks/>
+          </p:cNvCxnSpPr>
+          <p:nvPr/>
+        </p:nvCxnSpPr>
+        <p:spPr>
+          <a:xfrm>
+            <a:off x="8396070" y="5230509"/>
+            <a:ext cx="34247" cy="1663639"/>
+          </a:xfrm>
+          <a:prstGeom prst="line">
+            <a:avLst/>
+          </a:prstGeom>
+          <a:ln w="25400">
+            <a:solidFill>
+              <a:schemeClr val="tx1"/>
+            </a:solidFill>
+            <a:prstDash val="dash"/>
+          </a:ln>
+        </p:spPr>
+        <p:style>
+          <a:lnRef idx="1">
+            <a:schemeClr val="accent1"/>
+          </a:lnRef>
+          <a:fillRef idx="0">
+            <a:schemeClr val="accent1"/>
+          </a:fillRef>
+          <a:effectRef idx="0">
+            <a:schemeClr val="accent1"/>
+          </a:effectRef>
+          <a:fontRef idx="minor">
+            <a:schemeClr val="tx1"/>
+          </a:fontRef>
+        </p:style>
+      </p:cxnSp>
+      <p:cxnSp>
+        <p:nvCxnSpPr>
+          <p:cNvPr id="59" name="Straight Connector 58">
+            <a:extLst>
+              <a:ext uri="{FF2B5EF4-FFF2-40B4-BE49-F238E27FC236}">
+                <a16:creationId xmlns:a16="http://schemas.microsoft.com/office/drawing/2014/main" id="{943E3DFD-34E0-6D48-9337-60D39CAB2C99}"/>
+              </a:ext>
+            </a:extLst>
+          </p:cNvPr>
+          <p:cNvCxnSpPr>
+            <a:cxnSpLocks/>
+          </p:cNvCxnSpPr>
+          <p:nvPr/>
+        </p:nvCxnSpPr>
+        <p:spPr>
+          <a:xfrm>
+            <a:off x="8449762" y="1940246"/>
+            <a:ext cx="24578" cy="2639160"/>
+          </a:xfrm>
+          <a:prstGeom prst="line">
+            <a:avLst/>
+          </a:prstGeom>
+          <a:ln w="25400">
+            <a:solidFill>
+              <a:schemeClr val="tx1"/>
+            </a:solidFill>
+            <a:prstDash val="dash"/>
+          </a:ln>
+        </p:spPr>
+        <p:style>
+          <a:lnRef idx="1">
+            <a:schemeClr val="accent1"/>
+          </a:lnRef>
+          <a:fillRef idx="0">
+            <a:schemeClr val="accent1"/>
+          </a:fillRef>
+          <a:effectRef idx="0">
+            <a:schemeClr val="accent1"/>
+          </a:effectRef>
+          <a:fontRef idx="minor">
+            <a:schemeClr val="tx1"/>
+          </a:fontRef>
+        </p:style>
+      </p:cxnSp>
+      <p:sp>
+        <p:nvSpPr>
+          <p:cNvPr id="62" name="Oval 61">
+            <a:extLst>
+              <a:ext uri="{FF2B5EF4-FFF2-40B4-BE49-F238E27FC236}">
+                <a16:creationId xmlns:a16="http://schemas.microsoft.com/office/drawing/2014/main" id="{4707EF4C-9920-544F-9D9E-AA313A0BB796}"/>
+              </a:ext>
+            </a:extLst>
+          </p:cNvPr>
+          <p:cNvSpPr/>
+          <p:nvPr/>
+        </p:nvSpPr>
+        <p:spPr>
+          <a:xfrm rot="19046997">
+            <a:off x="1951217" y="3380283"/>
+            <a:ext cx="889000" cy="1130300"/>
+          </a:xfrm>
+          <a:prstGeom prst="ellipse">
+            <a:avLst/>
+          </a:prstGeom>
+          <a:noFill/>
+        </p:spPr>
+        <p:style>
+          <a:lnRef idx="2">
+            <a:schemeClr val="accent1">
+              <a:shade val="50000"/>
+            </a:schemeClr>
+          </a:lnRef>
+          <a:fillRef idx="1">
+            <a:schemeClr val="accent1"/>
+          </a:fillRef>
+          <a:effectRef idx="0">
+            <a:schemeClr val="accent1"/>
+          </a:effectRef>
+          <a:fontRef idx="minor">
+            <a:schemeClr val="lt1"/>
+          </a:fontRef>
+        </p:style>
+        <p:txBody>
+          <a:bodyPr rtlCol="0" anchor="ctr"/>
+          <a:lstStyle/>
+          <a:p>
+            <a:pPr algn="ctr"/>
+            <a:endParaRPr lang="en-US"/>
+          </a:p>
+        </p:txBody>
+      </p:sp>
+      <p:sp>
+        <p:nvSpPr>
+          <p:cNvPr id="63" name="Oval 62">
+            <a:extLst>
+              <a:ext uri="{FF2B5EF4-FFF2-40B4-BE49-F238E27FC236}">
+                <a16:creationId xmlns:a16="http://schemas.microsoft.com/office/drawing/2014/main" id="{F6520966-9D98-3D4A-B6B3-6376DBEC08B2}"/>
+              </a:ext>
+            </a:extLst>
+          </p:cNvPr>
+          <p:cNvSpPr/>
+          <p:nvPr/>
+        </p:nvSpPr>
+        <p:spPr>
+          <a:xfrm rot="19046997">
+            <a:off x="3081517" y="2415083"/>
+            <a:ext cx="889000" cy="1130300"/>
+          </a:xfrm>
+          <a:prstGeom prst="ellipse">
+            <a:avLst/>
+          </a:prstGeom>
+          <a:noFill/>
+        </p:spPr>
+        <p:style>
+          <a:lnRef idx="2">
+            <a:schemeClr val="accent1">
+              <a:shade val="50000"/>
+            </a:schemeClr>
+          </a:lnRef>
+          <a:fillRef idx="1">
+            <a:schemeClr val="accent1"/>
+          </a:fillRef>
+          <a:effectRef idx="0">
+            <a:schemeClr val="accent1"/>
+          </a:effectRef>
+          <a:fontRef idx="minor">
+            <a:schemeClr val="lt1"/>
+          </a:fontRef>
+        </p:style>
+        <p:txBody>
+          <a:bodyPr rot="0" spcFirstLastPara="0" vertOverflow="overflow" horzOverflow="overflow" vert="horz" wrap="square" lIns="91440" tIns="45720" rIns="91440" bIns="45720" numCol="1" spcCol="0" rtlCol="0" fromWordArt="0" anchor="ctr" anchorCtr="0" forceAA="0" compatLnSpc="1">
+            <a:prstTxWarp prst="textNoShape">
+              <a:avLst/>
+            </a:prstTxWarp>
+            <a:noAutofit/>
+          </a:bodyPr>
+          <a:lstStyle/>
+          <a:p>
+            <a:pPr algn="ctr"/>
+            <a:endParaRPr lang="en-US"/>
+          </a:p>
+        </p:txBody>
+      </p:sp>
+      <p:cxnSp>
+        <p:nvCxnSpPr>
+          <p:cNvPr id="86" name="Straight Connector 85">
+            <a:extLst>
+              <a:ext uri="{FF2B5EF4-FFF2-40B4-BE49-F238E27FC236}">
+                <a16:creationId xmlns:a16="http://schemas.microsoft.com/office/drawing/2014/main" id="{067F6B3E-1FE2-D149-BF38-E011B5B81587}"/>
+              </a:ext>
+            </a:extLst>
+          </p:cNvPr>
+          <p:cNvCxnSpPr>
+            <a:cxnSpLocks/>
+            <a:stCxn id="62" idx="0"/>
+          </p:cNvCxnSpPr>
+          <p:nvPr/>
+        </p:nvCxnSpPr>
+        <p:spPr>
+          <a:xfrm flipV="1">
+            <a:off x="2013543" y="1352178"/>
+            <a:ext cx="2518314" cy="2176916"/>
+          </a:xfrm>
+          <a:prstGeom prst="line">
+            <a:avLst/>
+          </a:prstGeom>
+        </p:spPr>
+        <p:style>
+          <a:lnRef idx="1">
+            <a:schemeClr val="accent1"/>
+          </a:lnRef>
+          <a:fillRef idx="0">
+            <a:schemeClr val="accent1"/>
+          </a:fillRef>
+          <a:effectRef idx="0">
+            <a:schemeClr val="accent1"/>
+          </a:effectRef>
+          <a:fontRef idx="minor">
+            <a:schemeClr val="tx1"/>
+          </a:fontRef>
+        </p:style>
+      </p:cxnSp>
+      <p:cxnSp>
+        <p:nvCxnSpPr>
+          <p:cNvPr id="88" name="Straight Connector 87">
+            <a:extLst>
+              <a:ext uri="{FF2B5EF4-FFF2-40B4-BE49-F238E27FC236}">
+                <a16:creationId xmlns:a16="http://schemas.microsoft.com/office/drawing/2014/main" id="{9080A493-1843-F845-9D6A-3225BCA46A67}"/>
+              </a:ext>
+            </a:extLst>
+          </p:cNvPr>
+          <p:cNvCxnSpPr>
+            <a:cxnSpLocks/>
+          </p:cNvCxnSpPr>
+          <p:nvPr/>
+        </p:nvCxnSpPr>
+        <p:spPr>
+          <a:xfrm flipV="1">
+            <a:off x="2780127" y="1352178"/>
+            <a:ext cx="3434226" cy="3009594"/>
+          </a:xfrm>
+          <a:prstGeom prst="line">
+            <a:avLst/>
+          </a:prstGeom>
+        </p:spPr>
+        <p:style>
+          <a:lnRef idx="1">
+            <a:schemeClr val="accent1"/>
+          </a:lnRef>
+          <a:fillRef idx="0">
+            <a:schemeClr val="accent1"/>
+          </a:fillRef>
+          <a:effectRef idx="0">
+            <a:schemeClr val="accent1"/>
+          </a:effectRef>
+          <a:fontRef idx="minor">
+            <a:schemeClr val="tx1"/>
+          </a:fontRef>
+        </p:style>
+      </p:cxnSp>
+      <p:sp>
+        <p:nvSpPr>
+          <p:cNvPr id="89" name="Oval 88">
+            <a:extLst>
+              <a:ext uri="{FF2B5EF4-FFF2-40B4-BE49-F238E27FC236}">
+                <a16:creationId xmlns:a16="http://schemas.microsoft.com/office/drawing/2014/main" id="{2422ADF4-17B7-6A4B-A696-494763C27123}"/>
+              </a:ext>
+            </a:extLst>
+          </p:cNvPr>
+          <p:cNvSpPr/>
+          <p:nvPr/>
+        </p:nvSpPr>
+        <p:spPr>
+          <a:xfrm rot="19046997">
+            <a:off x="2114945" y="3264529"/>
+            <a:ext cx="889000" cy="1130300"/>
+          </a:xfrm>
+          <a:prstGeom prst="ellipse">
+            <a:avLst/>
+          </a:prstGeom>
+          <a:noFill/>
+        </p:spPr>
+        <p:style>
+          <a:lnRef idx="2">
+            <a:schemeClr val="accent1">
+              <a:shade val="50000"/>
+            </a:schemeClr>
+          </a:lnRef>
+          <a:fillRef idx="1">
+            <a:schemeClr val="accent1"/>
+          </a:fillRef>
+          <a:effectRef idx="0">
+            <a:schemeClr val="accent1"/>
+          </a:effectRef>
+          <a:fontRef idx="minor">
+            <a:schemeClr val="lt1"/>
+          </a:fontRef>
+        </p:style>
+        <p:txBody>
+          <a:bodyPr rtlCol="0" anchor="ctr"/>
+          <a:lstStyle/>
+          <a:p>
+            <a:pPr algn="ctr"/>
+            <a:endParaRPr lang="en-US"/>
+          </a:p>
+        </p:txBody>
+      </p:sp>
+      <p:sp>
+        <p:nvSpPr>
+          <p:cNvPr id="90" name="Oval 89">
+            <a:extLst>
+              <a:ext uri="{FF2B5EF4-FFF2-40B4-BE49-F238E27FC236}">
+                <a16:creationId xmlns:a16="http://schemas.microsoft.com/office/drawing/2014/main" id="{3E55F147-26A7-2E4B-A3B0-A88C6042914D}"/>
+              </a:ext>
+            </a:extLst>
+          </p:cNvPr>
+          <p:cNvSpPr/>
+          <p:nvPr/>
+        </p:nvSpPr>
+        <p:spPr>
+          <a:xfrm rot="19046997">
+            <a:off x="2196281" y="3198268"/>
+            <a:ext cx="889000" cy="1130300"/>
+          </a:xfrm>
+          <a:prstGeom prst="ellipse">
+            <a:avLst/>
+          </a:prstGeom>
+          <a:noFill/>
+        </p:spPr>
+        <p:style>
+          <a:lnRef idx="2">
+            <a:schemeClr val="accent1">
+              <a:shade val="50000"/>
+            </a:schemeClr>
+          </a:lnRef>
+          <a:fillRef idx="1">
+            <a:schemeClr val="accent1"/>
+          </a:fillRef>
+          <a:effectRef idx="0">
+            <a:schemeClr val="accent1"/>
+          </a:effectRef>
+          <a:fontRef idx="minor">
+            <a:schemeClr val="lt1"/>
+          </a:fontRef>
+        </p:style>
+        <p:txBody>
+          <a:bodyPr rtlCol="0" anchor="ctr"/>
+          <a:lstStyle/>
+          <a:p>
+            <a:pPr algn="ctr"/>
+            <a:endParaRPr lang="en-US"/>
+          </a:p>
+        </p:txBody>
+      </p:sp>
+      <p:sp>
+        <p:nvSpPr>
+          <p:cNvPr id="91" name="Oval 90">
+            <a:extLst>
+              <a:ext uri="{FF2B5EF4-FFF2-40B4-BE49-F238E27FC236}">
+                <a16:creationId xmlns:a16="http://schemas.microsoft.com/office/drawing/2014/main" id="{25A2FB67-90BF-E344-833D-E4DFED50481C}"/>
+              </a:ext>
+            </a:extLst>
+          </p:cNvPr>
+          <p:cNvSpPr/>
+          <p:nvPr/>
+        </p:nvSpPr>
+        <p:spPr>
+          <a:xfrm rot="19046997">
+            <a:off x="2557563" y="2890708"/>
+            <a:ext cx="889000" cy="1130300"/>
+          </a:xfrm>
+          <a:prstGeom prst="ellipse">
+            <a:avLst/>
+          </a:prstGeom>
+          <a:noFill/>
+        </p:spPr>
+        <p:style>
+          <a:lnRef idx="2">
+            <a:schemeClr val="accent1">
+              <a:shade val="50000"/>
+            </a:schemeClr>
+          </a:lnRef>
+          <a:fillRef idx="1">
+            <a:schemeClr val="accent1"/>
+          </a:fillRef>
+          <a:effectRef idx="0">
+            <a:schemeClr val="accent1"/>
+          </a:effectRef>
+          <a:fontRef idx="minor">
+            <a:schemeClr val="lt1"/>
+          </a:fontRef>
+        </p:style>
+        <p:txBody>
+          <a:bodyPr rtlCol="0" anchor="ctr"/>
+          <a:lstStyle/>
+          <a:p>
+            <a:pPr algn="ctr"/>
+            <a:endParaRPr lang="en-US"/>
+          </a:p>
+        </p:txBody>
+      </p:sp>
+      <p:cxnSp>
+        <p:nvCxnSpPr>
+          <p:cNvPr id="92" name="Straight Connector 91">
+            <a:extLst>
+              <a:ext uri="{FF2B5EF4-FFF2-40B4-BE49-F238E27FC236}">
+                <a16:creationId xmlns:a16="http://schemas.microsoft.com/office/drawing/2014/main" id="{016A310A-71E9-CA4F-B63D-66098A9566CE}"/>
+              </a:ext>
+            </a:extLst>
+          </p:cNvPr>
+          <p:cNvCxnSpPr/>
+          <p:nvPr/>
+        </p:nvCxnSpPr>
+        <p:spPr>
+          <a:xfrm>
+            <a:off x="2816386" y="3228508"/>
+            <a:ext cx="0" cy="672475"/>
+          </a:xfrm>
+          <a:prstGeom prst="line">
+            <a:avLst/>
+          </a:prstGeom>
+          <a:ln w="25400">
+            <a:solidFill>
+              <a:srgbClr val="FF0000"/>
+            </a:solidFill>
+          </a:ln>
+        </p:spPr>
+        <p:style>
+          <a:lnRef idx="1">
+            <a:schemeClr val="accent1"/>
+          </a:lnRef>
+          <a:fillRef idx="0">
+            <a:schemeClr val="accent1"/>
+          </a:fillRef>
+          <a:effectRef idx="0">
+            <a:schemeClr val="accent1"/>
+          </a:effectRef>
+          <a:fontRef idx="minor">
+            <a:schemeClr val="tx1"/>
+          </a:fontRef>
+        </p:style>
+      </p:cxnSp>
+      <p:cxnSp>
+        <p:nvCxnSpPr>
+          <p:cNvPr id="93" name="Straight Connector 92">
+            <a:extLst>
+              <a:ext uri="{FF2B5EF4-FFF2-40B4-BE49-F238E27FC236}">
+                <a16:creationId xmlns:a16="http://schemas.microsoft.com/office/drawing/2014/main" id="{1A5AC7B5-7E78-384F-BCF6-4A1DCDD12F5E}"/>
+              </a:ext>
+            </a:extLst>
+          </p:cNvPr>
+          <p:cNvCxnSpPr>
+            <a:cxnSpLocks/>
+          </p:cNvCxnSpPr>
+          <p:nvPr/>
+        </p:nvCxnSpPr>
+        <p:spPr>
+          <a:xfrm>
+            <a:off x="2452670" y="3529094"/>
+            <a:ext cx="734014" cy="0"/>
+          </a:xfrm>
+          <a:prstGeom prst="line">
+            <a:avLst/>
+          </a:prstGeom>
+          <a:ln w="25400">
+            <a:solidFill>
+              <a:srgbClr val="FF0000"/>
+            </a:solidFill>
+          </a:ln>
+        </p:spPr>
+        <p:style>
+          <a:lnRef idx="1">
+            <a:schemeClr val="accent1"/>
+          </a:lnRef>
+          <a:fillRef idx="0">
+            <a:schemeClr val="accent1"/>
+          </a:fillRef>
+          <a:effectRef idx="0">
+            <a:schemeClr val="accent1"/>
+          </a:effectRef>
+          <a:fontRef idx="minor">
+            <a:schemeClr val="tx1"/>
+          </a:fontRef>
+        </p:style>
+      </p:cxnSp>
+      <p:sp>
+        <p:nvSpPr>
+          <p:cNvPr id="94" name="Up Arrow 93">
+            <a:extLst>
+              <a:ext uri="{FF2B5EF4-FFF2-40B4-BE49-F238E27FC236}">
+                <a16:creationId xmlns:a16="http://schemas.microsoft.com/office/drawing/2014/main" id="{E424CBC8-9F31-7242-A798-DE420507D516}"/>
+              </a:ext>
+            </a:extLst>
+          </p:cNvPr>
+          <p:cNvSpPr/>
+          <p:nvPr/>
+        </p:nvSpPr>
+        <p:spPr>
+          <a:xfrm>
+            <a:off x="1989901" y="2074319"/>
+            <a:ext cx="548595" cy="965200"/>
+          </a:xfrm>
+          <a:prstGeom prst="upArrow">
+            <a:avLst/>
+          </a:prstGeom>
+          <a:solidFill>
+            <a:srgbClr val="FF0000"/>
+          </a:solidFill>
+          <a:ln>
+            <a:solidFill>
+              <a:schemeClr val="tx1"/>
+            </a:solidFill>
+          </a:ln>
+        </p:spPr>
+        <p:style>
+          <a:lnRef idx="2">
+            <a:schemeClr val="accent1">
+              <a:shade val="50000"/>
+            </a:schemeClr>
+          </a:lnRef>
+          <a:fillRef idx="1">
+            <a:schemeClr val="accent1"/>
+          </a:fillRef>
+          <a:effectRef idx="0">
+            <a:schemeClr val="accent1"/>
+          </a:effectRef>
+          <a:fontRef idx="minor">
+            <a:schemeClr val="lt1"/>
+          </a:fontRef>
+        </p:style>
+        <p:txBody>
+          <a:bodyPr rot="0" spcFirstLastPara="0" vertOverflow="overflow" horzOverflow="overflow" vert="horz" wrap="square" lIns="91440" tIns="45720" rIns="91440" bIns="45720" numCol="1" spcCol="0" rtlCol="0" fromWordArt="0" anchor="ctr" anchorCtr="0" forceAA="0" compatLnSpc="1">
+            <a:prstTxWarp prst="textNoShape">
+              <a:avLst/>
+            </a:prstTxWarp>
+            <a:noAutofit/>
+          </a:bodyPr>
+          <a:lstStyle/>
+          <a:p>
+            <a:pPr algn="ctr"/>
+            <a:endParaRPr lang="en-US">
+              <a:solidFill>
+                <a:schemeClr val="tx1"/>
+              </a:solidFill>
+            </a:endParaRPr>
+          </a:p>
+        </p:txBody>
+      </p:sp>
+      <p:sp>
+        <p:nvSpPr>
+          <p:cNvPr id="95" name="Up Arrow 94">
+            <a:extLst>
+              <a:ext uri="{FF2B5EF4-FFF2-40B4-BE49-F238E27FC236}">
+                <a16:creationId xmlns:a16="http://schemas.microsoft.com/office/drawing/2014/main" id="{24B55B52-5AAD-4E46-88D8-24758F5E6526}"/>
+              </a:ext>
+            </a:extLst>
+          </p:cNvPr>
+          <p:cNvSpPr/>
+          <p:nvPr/>
+        </p:nvSpPr>
+        <p:spPr>
+          <a:xfrm rot="10800000">
+            <a:off x="2121418" y="4858237"/>
+            <a:ext cx="548595" cy="965200"/>
+          </a:xfrm>
+          <a:prstGeom prst="upArrow">
+            <a:avLst/>
+          </a:prstGeom>
+          <a:solidFill>
+            <a:srgbClr val="FF0000"/>
+          </a:solidFill>
+          <a:ln>
+            <a:solidFill>
+              <a:schemeClr val="tx1"/>
+            </a:solidFill>
+          </a:ln>
+        </p:spPr>
+        <p:style>
+          <a:lnRef idx="2">
+            <a:schemeClr val="accent1">
+              <a:shade val="50000"/>
+            </a:schemeClr>
+          </a:lnRef>
+          <a:fillRef idx="1">
+            <a:schemeClr val="accent1"/>
+          </a:fillRef>
+          <a:effectRef idx="0">
+            <a:schemeClr val="accent1"/>
+          </a:effectRef>
+          <a:fontRef idx="minor">
+            <a:schemeClr val="lt1"/>
+          </a:fontRef>
+        </p:style>
+        <p:txBody>
+          <a:bodyPr rot="0" spcFirstLastPara="0" vertOverflow="overflow" horzOverflow="overflow" vert="horz" wrap="square" lIns="91440" tIns="45720" rIns="91440" bIns="45720" numCol="1" spcCol="0" rtlCol="0" fromWordArt="0" anchor="ctr" anchorCtr="0" forceAA="0" compatLnSpc="1">
+            <a:prstTxWarp prst="textNoShape">
+              <a:avLst/>
+            </a:prstTxWarp>
+            <a:noAutofit/>
+          </a:bodyPr>
+          <a:lstStyle/>
+          <a:p>
+            <a:pPr algn="ctr"/>
+            <a:endParaRPr lang="en-US">
+              <a:solidFill>
+                <a:schemeClr val="tx1"/>
+              </a:solidFill>
+            </a:endParaRPr>
+          </a:p>
+        </p:txBody>
+      </p:sp>
+      <p:cxnSp>
+        <p:nvCxnSpPr>
+          <p:cNvPr id="96" name="Straight Connector 95">
+            <a:extLst>
+              <a:ext uri="{FF2B5EF4-FFF2-40B4-BE49-F238E27FC236}">
+                <a16:creationId xmlns:a16="http://schemas.microsoft.com/office/drawing/2014/main" id="{9E6259E0-5521-E94B-AFA4-B9312EFB8665}"/>
+              </a:ext>
+            </a:extLst>
+          </p:cNvPr>
+          <p:cNvCxnSpPr>
+            <a:cxnSpLocks/>
+          </p:cNvCxnSpPr>
+          <p:nvPr/>
+        </p:nvCxnSpPr>
+        <p:spPr>
+          <a:xfrm>
+            <a:off x="2384837" y="4546604"/>
+            <a:ext cx="0" cy="1862628"/>
+          </a:xfrm>
+          <a:prstGeom prst="line">
+            <a:avLst/>
+          </a:prstGeom>
+          <a:ln>
+            <a:solidFill>
+              <a:srgbClr val="FF0000"/>
+            </a:solidFill>
+            <a:prstDash val="dash"/>
+          </a:ln>
+        </p:spPr>
+        <p:style>
+          <a:lnRef idx="1">
+            <a:schemeClr val="accent1"/>
+          </a:lnRef>
+          <a:fillRef idx="0">
+            <a:schemeClr val="accent1"/>
+          </a:fillRef>
+          <a:effectRef idx="0">
+            <a:schemeClr val="accent1"/>
+          </a:effectRef>
+          <a:fontRef idx="minor">
+            <a:schemeClr val="tx1"/>
+          </a:fontRef>
+        </p:style>
+      </p:cxnSp>
+      <p:cxnSp>
+        <p:nvCxnSpPr>
+          <p:cNvPr id="97" name="Straight Connector 96">
+            <a:extLst>
+              <a:ext uri="{FF2B5EF4-FFF2-40B4-BE49-F238E27FC236}">
+                <a16:creationId xmlns:a16="http://schemas.microsoft.com/office/drawing/2014/main" id="{ED53890B-D3C7-2245-A7D8-E9D6563C2317}"/>
+              </a:ext>
+            </a:extLst>
+          </p:cNvPr>
+          <p:cNvCxnSpPr>
+            <a:cxnSpLocks/>
+          </p:cNvCxnSpPr>
+          <p:nvPr/>
+        </p:nvCxnSpPr>
+        <p:spPr>
+          <a:xfrm>
+            <a:off x="2255593" y="1365880"/>
+            <a:ext cx="0" cy="1862628"/>
+          </a:xfrm>
+          <a:prstGeom prst="line">
+            <a:avLst/>
+          </a:prstGeom>
+          <a:ln>
+            <a:solidFill>
+              <a:srgbClr val="FF0000"/>
+            </a:solidFill>
+            <a:prstDash val="dash"/>
+          </a:ln>
+        </p:spPr>
+        <p:style>
+          <a:lnRef idx="1">
+            <a:schemeClr val="accent1"/>
+          </a:lnRef>
+          <a:fillRef idx="0">
+            <a:schemeClr val="accent1"/>
+          </a:fillRef>
+          <a:effectRef idx="0">
+            <a:schemeClr val="accent1"/>
+          </a:effectRef>
+          <a:fontRef idx="minor">
+            <a:schemeClr val="tx1"/>
+          </a:fontRef>
+        </p:style>
+      </p:cxnSp>
+      <p:cxnSp>
+        <p:nvCxnSpPr>
+          <p:cNvPr id="98" name="Straight Connector 97">
+            <a:extLst>
+              <a:ext uri="{FF2B5EF4-FFF2-40B4-BE49-F238E27FC236}">
+                <a16:creationId xmlns:a16="http://schemas.microsoft.com/office/drawing/2014/main" id="{84FBB24E-C234-B844-B3E6-A45EF870938F}"/>
+              </a:ext>
+            </a:extLst>
+          </p:cNvPr>
+          <p:cNvCxnSpPr>
+            <a:cxnSpLocks/>
+          </p:cNvCxnSpPr>
+          <p:nvPr/>
+        </p:nvCxnSpPr>
+        <p:spPr>
+          <a:xfrm>
+            <a:off x="3105348" y="4172783"/>
+            <a:ext cx="2359197" cy="489575"/>
+          </a:xfrm>
+          <a:prstGeom prst="line">
+            <a:avLst/>
+          </a:prstGeom>
+          <a:ln>
+            <a:solidFill>
+              <a:srgbClr val="FF0000"/>
+            </a:solidFill>
+            <a:prstDash val="dash"/>
+          </a:ln>
+        </p:spPr>
+        <p:style>
+          <a:lnRef idx="1">
+            <a:schemeClr val="accent1"/>
+          </a:lnRef>
+          <a:fillRef idx="0">
+            <a:schemeClr val="accent1"/>
+          </a:fillRef>
+          <a:effectRef idx="0">
+            <a:schemeClr val="accent1"/>
+          </a:effectRef>
+          <a:fontRef idx="minor">
+            <a:schemeClr val="tx1"/>
+          </a:fontRef>
+        </p:style>
+      </p:cxnSp>
+      <p:sp>
+        <p:nvSpPr>
+          <p:cNvPr id="99" name="Up Arrow 98">
+            <a:extLst>
+              <a:ext uri="{FF2B5EF4-FFF2-40B4-BE49-F238E27FC236}">
+                <a16:creationId xmlns:a16="http://schemas.microsoft.com/office/drawing/2014/main" id="{A7D5D626-7B7A-5746-AA17-0A396D055780}"/>
+              </a:ext>
+            </a:extLst>
+          </p:cNvPr>
+          <p:cNvSpPr/>
+          <p:nvPr/>
+        </p:nvSpPr>
+        <p:spPr>
+          <a:xfrm rot="6121048">
+            <a:off x="3735124" y="3890887"/>
+            <a:ext cx="548595" cy="965200"/>
+          </a:xfrm>
+          <a:prstGeom prst="upArrow">
+            <a:avLst/>
+          </a:prstGeom>
+          <a:solidFill>
+            <a:srgbClr val="FF0000"/>
+          </a:solidFill>
+          <a:ln>
+            <a:solidFill>
+              <a:schemeClr val="tx1"/>
+            </a:solidFill>
+          </a:ln>
+        </p:spPr>
+        <p:style>
+          <a:lnRef idx="2">
+            <a:schemeClr val="accent1">
+              <a:shade val="50000"/>
+            </a:schemeClr>
+          </a:lnRef>
+          <a:fillRef idx="1">
+            <a:schemeClr val="accent1"/>
+          </a:fillRef>
+          <a:effectRef idx="0">
+            <a:schemeClr val="accent1"/>
+          </a:effectRef>
+          <a:fontRef idx="minor">
+            <a:schemeClr val="lt1"/>
+          </a:fontRef>
+        </p:style>
+        <p:txBody>
+          <a:bodyPr rot="0" spcFirstLastPara="0" vertOverflow="overflow" horzOverflow="overflow" vert="horz" wrap="square" lIns="91440" tIns="45720" rIns="91440" bIns="45720" numCol="1" spcCol="0" rtlCol="0" fromWordArt="0" anchor="ctr" anchorCtr="0" forceAA="0" compatLnSpc="1">
+            <a:prstTxWarp prst="textNoShape">
+              <a:avLst/>
+            </a:prstTxWarp>
+            <a:noAutofit/>
+          </a:bodyPr>
+          <a:lstStyle/>
+          <a:p>
+            <a:pPr algn="ctr"/>
+            <a:endParaRPr lang="en-US">
+              <a:solidFill>
+                <a:schemeClr val="tx1"/>
+              </a:solidFill>
+            </a:endParaRPr>
+          </a:p>
+        </p:txBody>
+      </p:sp>
+      <p:cxnSp>
+        <p:nvCxnSpPr>
+          <p:cNvPr id="100" name="Straight Connector 99">
+            <a:extLst>
+              <a:ext uri="{FF2B5EF4-FFF2-40B4-BE49-F238E27FC236}">
+                <a16:creationId xmlns:a16="http://schemas.microsoft.com/office/drawing/2014/main" id="{E7A88737-B9A6-DF4A-A57D-1F4C89AB3BD0}"/>
+              </a:ext>
+            </a:extLst>
+          </p:cNvPr>
+          <p:cNvCxnSpPr>
+            <a:cxnSpLocks/>
+          </p:cNvCxnSpPr>
+          <p:nvPr/>
+        </p:nvCxnSpPr>
+        <p:spPr>
+          <a:xfrm flipH="1" flipV="1">
+            <a:off x="-5046" y="3455858"/>
+            <a:ext cx="1668529" cy="351488"/>
+          </a:xfrm>
+          <a:prstGeom prst="line">
+            <a:avLst/>
+          </a:prstGeom>
+          <a:ln>
+            <a:solidFill>
+              <a:srgbClr val="FF0000"/>
+            </a:solidFill>
+            <a:prstDash val="dash"/>
+          </a:ln>
+        </p:spPr>
+        <p:style>
+          <a:lnRef idx="1">
+            <a:schemeClr val="accent1"/>
+          </a:lnRef>
+          <a:fillRef idx="0">
+            <a:schemeClr val="accent1"/>
+          </a:fillRef>
+          <a:effectRef idx="0">
+            <a:schemeClr val="accent1"/>
+          </a:effectRef>
+          <a:fontRef idx="minor">
+            <a:schemeClr val="tx1"/>
+          </a:fontRef>
+        </p:style>
+      </p:cxnSp>
+      <p:sp>
+        <p:nvSpPr>
+          <p:cNvPr id="101" name="Up Arrow 100">
+            <a:extLst>
+              <a:ext uri="{FF2B5EF4-FFF2-40B4-BE49-F238E27FC236}">
+                <a16:creationId xmlns:a16="http://schemas.microsoft.com/office/drawing/2014/main" id="{A0C0A330-6E2C-5547-9C8C-50AA18C1C48D}"/>
+              </a:ext>
+            </a:extLst>
+          </p:cNvPr>
+          <p:cNvSpPr/>
+          <p:nvPr/>
+        </p:nvSpPr>
+        <p:spPr>
+          <a:xfrm rot="16854879">
+            <a:off x="666417" y="3214558"/>
+            <a:ext cx="548595" cy="965200"/>
+          </a:xfrm>
+          <a:prstGeom prst="upArrow">
+            <a:avLst/>
+          </a:prstGeom>
+          <a:solidFill>
+            <a:srgbClr val="FF0000"/>
+          </a:solidFill>
+          <a:ln>
+            <a:solidFill>
+              <a:schemeClr val="tx1"/>
+            </a:solidFill>
+          </a:ln>
+        </p:spPr>
+        <p:style>
+          <a:lnRef idx="2">
+            <a:schemeClr val="accent1">
+              <a:shade val="50000"/>
+            </a:schemeClr>
+          </a:lnRef>
+          <a:fillRef idx="1">
+            <a:schemeClr val="accent1"/>
+          </a:fillRef>
+          <a:effectRef idx="0">
+            <a:schemeClr val="accent1"/>
+          </a:effectRef>
+          <a:fontRef idx="minor">
+            <a:schemeClr val="lt1"/>
+          </a:fontRef>
+        </p:style>
+        <p:txBody>
+          <a:bodyPr rot="0" spcFirstLastPara="0" vertOverflow="overflow" horzOverflow="overflow" vert="horz" wrap="square" lIns="91440" tIns="45720" rIns="91440" bIns="45720" numCol="1" spcCol="0" rtlCol="0" fromWordArt="0" anchor="ctr" anchorCtr="0" forceAA="0" compatLnSpc="1">
+            <a:prstTxWarp prst="textNoShape">
+              <a:avLst/>
+            </a:prstTxWarp>
+            <a:noAutofit/>
+          </a:bodyPr>
+          <a:lstStyle/>
+          <a:p>
+            <a:pPr algn="ctr"/>
+            <a:endParaRPr lang="en-US">
+              <a:solidFill>
+                <a:schemeClr val="tx1"/>
+              </a:solidFill>
+            </a:endParaRPr>
+          </a:p>
+        </p:txBody>
+      </p:sp>
+      <p:sp>
+        <p:nvSpPr>
+          <p:cNvPr id="102" name="Donut 101">
+            <a:extLst>
+              <a:ext uri="{FF2B5EF4-FFF2-40B4-BE49-F238E27FC236}">
+                <a16:creationId xmlns:a16="http://schemas.microsoft.com/office/drawing/2014/main" id="{C2284DC5-C023-F24E-B75B-C68DB543B77A}"/>
+              </a:ext>
+            </a:extLst>
+          </p:cNvPr>
+          <p:cNvSpPr/>
+          <p:nvPr/>
+        </p:nvSpPr>
+        <p:spPr>
+          <a:xfrm rot="18429553">
+            <a:off x="2906964" y="2211404"/>
+            <a:ext cx="1248760" cy="1571192"/>
+          </a:xfrm>
+          <a:prstGeom prst="donut">
+            <a:avLst>
+              <a:gd name="adj" fmla="val 7286"/>
+            </a:avLst>
+          </a:prstGeom>
+          <a:solidFill>
+            <a:schemeClr val="tx1">
+              <a:lumMod val="50000"/>
+              <a:lumOff val="50000"/>
+            </a:schemeClr>
+          </a:solidFill>
+          <a:ln>
+            <a:solidFill>
+              <a:schemeClr val="tx1"/>
+            </a:solidFill>
+          </a:ln>
+        </p:spPr>
+        <p:style>
+          <a:lnRef idx="2">
+            <a:schemeClr val="accent1">
+              <a:shade val="50000"/>
+            </a:schemeClr>
+          </a:lnRef>
+          <a:fillRef idx="1">
+            <a:schemeClr val="accent1"/>
+          </a:fillRef>
+          <a:effectRef idx="0">
+            <a:schemeClr val="accent1"/>
+          </a:effectRef>
+          <a:fontRef idx="minor">
+            <a:schemeClr val="lt1"/>
+          </a:fontRef>
+        </p:style>
+        <p:txBody>
+          <a:bodyPr rtlCol="0" anchor="ctr"/>
+          <a:lstStyle/>
+          <a:p>
+            <a:pPr algn="ctr"/>
+            <a:endParaRPr lang="en-US">
+              <a:solidFill>
+                <a:schemeClr val="tx1"/>
+              </a:solidFill>
+            </a:endParaRPr>
+          </a:p>
+        </p:txBody>
+      </p:sp>
+      <p:sp>
+        <p:nvSpPr>
+          <p:cNvPr id="103" name="Donut 102">
+            <a:extLst>
+              <a:ext uri="{FF2B5EF4-FFF2-40B4-BE49-F238E27FC236}">
+                <a16:creationId xmlns:a16="http://schemas.microsoft.com/office/drawing/2014/main" id="{F6771FDC-6330-D243-98AE-ACA7070B72BF}"/>
+              </a:ext>
+            </a:extLst>
+          </p:cNvPr>
+          <p:cNvSpPr/>
+          <p:nvPr/>
+        </p:nvSpPr>
+        <p:spPr>
+          <a:xfrm rot="18429553">
+            <a:off x="2381807" y="2657681"/>
+            <a:ext cx="1248760" cy="1571192"/>
+          </a:xfrm>
+          <a:prstGeom prst="donut">
+            <a:avLst>
+              <a:gd name="adj" fmla="val 7286"/>
+            </a:avLst>
+          </a:prstGeom>
+          <a:solidFill>
+            <a:schemeClr val="tx1">
+              <a:lumMod val="50000"/>
+              <a:lumOff val="50000"/>
+            </a:schemeClr>
+          </a:solidFill>
+          <a:ln>
+            <a:solidFill>
+              <a:schemeClr val="tx1"/>
+            </a:solidFill>
+          </a:ln>
+        </p:spPr>
+        <p:style>
+          <a:lnRef idx="2">
+            <a:schemeClr val="accent1">
+              <a:shade val="50000"/>
+            </a:schemeClr>
+          </a:lnRef>
+          <a:fillRef idx="1">
+            <a:schemeClr val="accent1"/>
+          </a:fillRef>
+          <a:effectRef idx="0">
+            <a:schemeClr val="accent1"/>
+          </a:effectRef>
+          <a:fontRef idx="minor">
+            <a:schemeClr val="lt1"/>
+          </a:fontRef>
+        </p:style>
+        <p:txBody>
+          <a:bodyPr rtlCol="0" anchor="ctr"/>
+          <a:lstStyle/>
+          <a:p>
+            <a:pPr algn="ctr"/>
+            <a:endParaRPr lang="en-US">
+              <a:solidFill>
+                <a:schemeClr val="tx1"/>
+              </a:solidFill>
+            </a:endParaRPr>
+          </a:p>
+        </p:txBody>
+      </p:sp>
+      <p:sp>
+        <p:nvSpPr>
+          <p:cNvPr id="104" name="Donut 103">
+            <a:extLst>
+              <a:ext uri="{FF2B5EF4-FFF2-40B4-BE49-F238E27FC236}">
+                <a16:creationId xmlns:a16="http://schemas.microsoft.com/office/drawing/2014/main" id="{DF6E77D8-21B8-0C49-834E-1830CB88F844}"/>
+              </a:ext>
+            </a:extLst>
+          </p:cNvPr>
+          <p:cNvSpPr/>
+          <p:nvPr/>
+        </p:nvSpPr>
+        <p:spPr>
+          <a:xfrm rot="18429553">
+            <a:off x="1929738" y="3065343"/>
+            <a:ext cx="1248760" cy="1571192"/>
+          </a:xfrm>
+          <a:prstGeom prst="donut">
+            <a:avLst>
+              <a:gd name="adj" fmla="val 7286"/>
+            </a:avLst>
+          </a:prstGeom>
+          <a:solidFill>
+            <a:schemeClr val="tx1">
+              <a:lumMod val="50000"/>
+              <a:lumOff val="50000"/>
+            </a:schemeClr>
+          </a:solidFill>
+          <a:ln>
+            <a:solidFill>
+              <a:schemeClr val="tx1"/>
+            </a:solidFill>
+          </a:ln>
+        </p:spPr>
+        <p:style>
+          <a:lnRef idx="2">
+            <a:schemeClr val="accent1">
+              <a:shade val="50000"/>
+            </a:schemeClr>
+          </a:lnRef>
+          <a:fillRef idx="1">
+            <a:schemeClr val="accent1"/>
+          </a:fillRef>
+          <a:effectRef idx="0">
+            <a:schemeClr val="accent1"/>
+          </a:effectRef>
+          <a:fontRef idx="minor">
+            <a:schemeClr val="lt1"/>
+          </a:fontRef>
+        </p:style>
+        <p:txBody>
+          <a:bodyPr rtlCol="0" anchor="ctr"/>
+          <a:lstStyle/>
+          <a:p>
+            <a:pPr algn="ctr"/>
+            <a:endParaRPr lang="en-US">
+              <a:solidFill>
+                <a:schemeClr val="tx1"/>
+              </a:solidFill>
+            </a:endParaRPr>
+          </a:p>
+        </p:txBody>
+      </p:sp>
+      <p:sp>
+        <p:nvSpPr>
+          <p:cNvPr id="105" name="Donut 104">
+            <a:extLst>
+              <a:ext uri="{FF2B5EF4-FFF2-40B4-BE49-F238E27FC236}">
+                <a16:creationId xmlns:a16="http://schemas.microsoft.com/office/drawing/2014/main" id="{17C1E6A9-04C2-F54A-B841-2646D62FA588}"/>
+              </a:ext>
+            </a:extLst>
+          </p:cNvPr>
+          <p:cNvSpPr/>
+          <p:nvPr/>
+        </p:nvSpPr>
+        <p:spPr>
+          <a:xfrm rot="18429553">
+            <a:off x="1771336" y="3166769"/>
+            <a:ext cx="1248760" cy="1571192"/>
+          </a:xfrm>
+          <a:prstGeom prst="donut">
+            <a:avLst>
+              <a:gd name="adj" fmla="val 7286"/>
+            </a:avLst>
+          </a:prstGeom>
+          <a:solidFill>
+            <a:srgbClr val="FF0000"/>
+          </a:solidFill>
+          <a:ln>
+            <a:solidFill>
+              <a:schemeClr val="tx1"/>
+            </a:solidFill>
+          </a:ln>
+        </p:spPr>
+        <p:style>
+          <a:lnRef idx="2">
+            <a:schemeClr val="accent1">
+              <a:shade val="50000"/>
+            </a:schemeClr>
+          </a:lnRef>
+          <a:fillRef idx="1">
+            <a:schemeClr val="accent1"/>
+          </a:fillRef>
+          <a:effectRef idx="0">
+            <a:schemeClr val="accent1"/>
+          </a:effectRef>
+          <a:fontRef idx="minor">
+            <a:schemeClr val="lt1"/>
+          </a:fontRef>
+        </p:style>
+        <p:txBody>
+          <a:bodyPr rtlCol="0" anchor="ctr"/>
+          <a:lstStyle/>
+          <a:p>
+            <a:pPr algn="ctr"/>
+            <a:endParaRPr lang="en-US">
+              <a:solidFill>
+                <a:schemeClr val="tx1"/>
+              </a:solidFill>
+            </a:endParaRPr>
+          </a:p>
+        </p:txBody>
+      </p:sp>
+      <p:sp>
+        <p:nvSpPr>
+          <p:cNvPr id="106" name="TextBox 105">
+            <a:extLst>
+              <a:ext uri="{FF2B5EF4-FFF2-40B4-BE49-F238E27FC236}">
+                <a16:creationId xmlns:a16="http://schemas.microsoft.com/office/drawing/2014/main" id="{9683D066-423D-7C4D-BBAE-CD84A13A28DB}"/>
+              </a:ext>
+            </a:extLst>
+          </p:cNvPr>
+          <p:cNvSpPr txBox="1"/>
+          <p:nvPr/>
+        </p:nvSpPr>
+        <p:spPr>
+          <a:xfrm>
+            <a:off x="2505219" y="681121"/>
+            <a:ext cx="3448508" cy="646331"/>
+          </a:xfrm>
+          <a:prstGeom prst="rect">
+            <a:avLst/>
+          </a:prstGeom>
+          <a:noFill/>
+        </p:spPr>
+        <p:txBody>
+          <a:bodyPr wrap="none" rtlCol="0">
+            <a:spAutoFit/>
+          </a:bodyPr>
+          <a:lstStyle/>
+          <a:p>
+            <a:r>
+              <a:rPr lang="en-US" dirty="0"/>
+              <a:t>Relevant handles</a:t>
+            </a:r>
+          </a:p>
+          <a:p>
+            <a:r>
+              <a:rPr lang="en-US" dirty="0"/>
+              <a:t>(if extrude end is free at click time)</a:t>
+            </a:r>
+          </a:p>
+        </p:txBody>
+      </p:sp>
+      <p:cxnSp>
+        <p:nvCxnSpPr>
+          <p:cNvPr id="107" name="Straight Arrow Connector 106">
+            <a:extLst>
+              <a:ext uri="{FF2B5EF4-FFF2-40B4-BE49-F238E27FC236}">
+                <a16:creationId xmlns:a16="http://schemas.microsoft.com/office/drawing/2014/main" id="{FFA914B8-1B95-414E-8157-8D25B463A999}"/>
+              </a:ext>
+            </a:extLst>
+          </p:cNvPr>
+          <p:cNvCxnSpPr>
+            <a:cxnSpLocks/>
+            <a:stCxn id="106" idx="2"/>
+            <a:endCxn id="103" idx="6"/>
+          </p:cNvCxnSpPr>
+          <p:nvPr/>
+        </p:nvCxnSpPr>
+        <p:spPr>
+          <a:xfrm flipH="1">
+            <a:off x="3383332" y="1327452"/>
+            <a:ext cx="846141" cy="1618219"/>
+          </a:xfrm>
+          <a:prstGeom prst="straightConnector1">
+            <a:avLst/>
+          </a:prstGeom>
+          <a:ln>
+            <a:solidFill>
+              <a:schemeClr val="bg1">
+                <a:lumMod val="85000"/>
+              </a:schemeClr>
+            </a:solidFill>
+            <a:tailEnd type="triangle"/>
+          </a:ln>
+        </p:spPr>
+        <p:style>
+          <a:lnRef idx="1">
+            <a:schemeClr val="accent1"/>
+          </a:lnRef>
+          <a:fillRef idx="0">
+            <a:schemeClr val="accent1"/>
+          </a:fillRef>
+          <a:effectRef idx="0">
+            <a:schemeClr val="accent1"/>
+          </a:effectRef>
+          <a:fontRef idx="minor">
+            <a:schemeClr val="tx1"/>
+          </a:fontRef>
+        </p:style>
+      </p:cxnSp>
+      <p:cxnSp>
+        <p:nvCxnSpPr>
+          <p:cNvPr id="108" name="Straight Arrow Connector 107">
+            <a:extLst>
+              <a:ext uri="{FF2B5EF4-FFF2-40B4-BE49-F238E27FC236}">
+                <a16:creationId xmlns:a16="http://schemas.microsoft.com/office/drawing/2014/main" id="{BF362A89-B89A-8A40-B72A-FE4CDDBFD67B}"/>
+              </a:ext>
+            </a:extLst>
+          </p:cNvPr>
+          <p:cNvCxnSpPr>
+            <a:cxnSpLocks/>
+            <a:stCxn id="106" idx="2"/>
+            <a:endCxn id="102" idx="6"/>
+          </p:cNvCxnSpPr>
+          <p:nvPr/>
+        </p:nvCxnSpPr>
+        <p:spPr>
+          <a:xfrm flipH="1">
+            <a:off x="3908489" y="1327452"/>
+            <a:ext cx="320984" cy="1171942"/>
+          </a:xfrm>
+          <a:prstGeom prst="straightConnector1">
+            <a:avLst/>
+          </a:prstGeom>
+          <a:ln>
+            <a:solidFill>
+              <a:schemeClr val="bg1">
+                <a:lumMod val="85000"/>
+              </a:schemeClr>
+            </a:solidFill>
+            <a:tailEnd type="triangle"/>
+          </a:ln>
+        </p:spPr>
+        <p:style>
+          <a:lnRef idx="1">
+            <a:schemeClr val="accent1"/>
+          </a:lnRef>
+          <a:fillRef idx="0">
+            <a:schemeClr val="accent1"/>
+          </a:fillRef>
+          <a:effectRef idx="0">
+            <a:schemeClr val="accent1"/>
+          </a:effectRef>
+          <a:fontRef idx="minor">
+            <a:schemeClr val="tx1"/>
+          </a:fontRef>
+        </p:style>
+      </p:cxnSp>
+      <p:cxnSp>
+        <p:nvCxnSpPr>
+          <p:cNvPr id="109" name="Straight Arrow Connector 108">
+            <a:extLst>
+              <a:ext uri="{FF2B5EF4-FFF2-40B4-BE49-F238E27FC236}">
+                <a16:creationId xmlns:a16="http://schemas.microsoft.com/office/drawing/2014/main" id="{2F94396A-8C42-224F-98B8-6CC6B18DF8C7}"/>
+              </a:ext>
+            </a:extLst>
+          </p:cNvPr>
+          <p:cNvCxnSpPr>
+            <a:cxnSpLocks/>
+            <a:stCxn id="106" idx="2"/>
+            <a:endCxn id="104" idx="6"/>
+          </p:cNvCxnSpPr>
+          <p:nvPr/>
+        </p:nvCxnSpPr>
+        <p:spPr>
+          <a:xfrm flipH="1">
+            <a:off x="2931263" y="1327452"/>
+            <a:ext cx="1298210" cy="2025881"/>
+          </a:xfrm>
+          <a:prstGeom prst="straightConnector1">
+            <a:avLst/>
+          </a:prstGeom>
+          <a:ln>
+            <a:solidFill>
+              <a:schemeClr val="bg1">
+                <a:lumMod val="85000"/>
+              </a:schemeClr>
+            </a:solidFill>
+            <a:tailEnd type="triangle"/>
+          </a:ln>
+        </p:spPr>
+        <p:style>
+          <a:lnRef idx="1">
+            <a:schemeClr val="accent1"/>
+          </a:lnRef>
+          <a:fillRef idx="0">
+            <a:schemeClr val="accent1"/>
+          </a:fillRef>
+          <a:effectRef idx="0">
+            <a:schemeClr val="accent1"/>
+          </a:effectRef>
+          <a:fontRef idx="minor">
+            <a:schemeClr val="tx1"/>
+          </a:fontRef>
+        </p:style>
+      </p:cxnSp>
+      <p:sp>
+        <p:nvSpPr>
+          <p:cNvPr id="110" name="TextBox 109">
+            <a:extLst>
+              <a:ext uri="{FF2B5EF4-FFF2-40B4-BE49-F238E27FC236}">
+                <a16:creationId xmlns:a16="http://schemas.microsoft.com/office/drawing/2014/main" id="{DE26CE4D-51BA-A24C-938C-52226149BED2}"/>
+              </a:ext>
+            </a:extLst>
+          </p:cNvPr>
+          <p:cNvSpPr txBox="1"/>
+          <p:nvPr/>
+        </p:nvSpPr>
+        <p:spPr>
+          <a:xfrm>
+            <a:off x="3269076" y="5354619"/>
+            <a:ext cx="3448508" cy="646331"/>
+          </a:xfrm>
+          <a:prstGeom prst="rect">
+            <a:avLst/>
+          </a:prstGeom>
+          <a:noFill/>
+        </p:spPr>
+        <p:txBody>
+          <a:bodyPr wrap="none" rtlCol="0">
+            <a:spAutoFit/>
+          </a:bodyPr>
+          <a:lstStyle/>
+          <a:p>
+            <a:r>
+              <a:rPr lang="en-US" dirty="0"/>
+              <a:t>Relevant handles</a:t>
+            </a:r>
+          </a:p>
+          <a:p>
+            <a:r>
+              <a:rPr lang="en-US" dirty="0"/>
+              <a:t>(if extrude end is free at click time)</a:t>
+            </a:r>
+          </a:p>
+        </p:txBody>
+      </p:sp>
+      <p:sp>
+        <p:nvSpPr>
+          <p:cNvPr id="114" name="TextBox 113">
+            <a:extLst>
+              <a:ext uri="{FF2B5EF4-FFF2-40B4-BE49-F238E27FC236}">
+                <a16:creationId xmlns:a16="http://schemas.microsoft.com/office/drawing/2014/main" id="{7B02427D-E6F5-CE4C-AED7-545ADDF3A6ED}"/>
+              </a:ext>
+            </a:extLst>
+          </p:cNvPr>
+          <p:cNvSpPr txBox="1"/>
+          <p:nvPr/>
+        </p:nvSpPr>
+        <p:spPr>
+          <a:xfrm>
+            <a:off x="3204891" y="1374483"/>
+            <a:ext cx="601511" cy="369332"/>
+          </a:xfrm>
+          <a:prstGeom prst="rect">
+            <a:avLst/>
+          </a:prstGeom>
+          <a:noFill/>
+        </p:spPr>
+        <p:txBody>
+          <a:bodyPr wrap="none" rtlCol="0">
+            <a:spAutoFit/>
+          </a:bodyPr>
+          <a:lstStyle/>
+          <a:p>
+            <a:r>
+              <a:rPr lang="en-US" dirty="0"/>
+              <a:t>drag</a:t>
+            </a:r>
+          </a:p>
+        </p:txBody>
+      </p:sp>
+      <p:cxnSp>
+        <p:nvCxnSpPr>
+          <p:cNvPr id="30" name="Curved Connector 29">
+            <a:extLst>
+              <a:ext uri="{FF2B5EF4-FFF2-40B4-BE49-F238E27FC236}">
+                <a16:creationId xmlns:a16="http://schemas.microsoft.com/office/drawing/2014/main" id="{FA23CC8E-1812-9A40-905D-2021C4B3E224}"/>
+              </a:ext>
+            </a:extLst>
+          </p:cNvPr>
+          <p:cNvCxnSpPr>
+            <a:cxnSpLocks/>
+            <a:stCxn id="94" idx="0"/>
+            <a:endCxn id="114" idx="1"/>
+          </p:cNvCxnSpPr>
+          <p:nvPr/>
+        </p:nvCxnSpPr>
+        <p:spPr>
+          <a:xfrm rot="5400000" flipH="1" flipV="1">
+            <a:off x="2476960" y="1346388"/>
+            <a:ext cx="515170" cy="940692"/>
+          </a:xfrm>
+          <a:prstGeom prst="curvedConnector2">
+            <a:avLst/>
+          </a:prstGeom>
+          <a:ln>
+            <a:tailEnd type="triangle"/>
+          </a:ln>
+        </p:spPr>
+        <p:style>
+          <a:lnRef idx="1">
+            <a:schemeClr val="accent1"/>
+          </a:lnRef>
+          <a:fillRef idx="0">
+            <a:schemeClr val="accent1"/>
+          </a:fillRef>
+          <a:effectRef idx="0">
+            <a:schemeClr val="accent1"/>
+          </a:effectRef>
+          <a:fontRef idx="minor">
+            <a:schemeClr val="tx1"/>
+          </a:fontRef>
+        </p:style>
+      </p:cxnSp>
+      <p:cxnSp>
+        <p:nvCxnSpPr>
+          <p:cNvPr id="115" name="Curved Connector 114">
+            <a:extLst>
+              <a:ext uri="{FF2B5EF4-FFF2-40B4-BE49-F238E27FC236}">
+                <a16:creationId xmlns:a16="http://schemas.microsoft.com/office/drawing/2014/main" id="{A4CA474F-D751-1B49-9C26-5C62990745FB}"/>
+              </a:ext>
+            </a:extLst>
+          </p:cNvPr>
+          <p:cNvCxnSpPr>
+            <a:cxnSpLocks/>
+            <a:stCxn id="114" idx="3"/>
+            <a:endCxn id="70" idx="1"/>
+          </p:cNvCxnSpPr>
+          <p:nvPr/>
+        </p:nvCxnSpPr>
+        <p:spPr>
+          <a:xfrm>
+            <a:off x="3806402" y="1559149"/>
+            <a:ext cx="3938857" cy="1253102"/>
+          </a:xfrm>
+          <a:prstGeom prst="curvedConnector3">
+            <a:avLst/>
+          </a:prstGeom>
+          <a:ln>
+            <a:tailEnd type="triangle"/>
+          </a:ln>
+        </p:spPr>
+        <p:style>
+          <a:lnRef idx="1">
+            <a:schemeClr val="accent1"/>
+          </a:lnRef>
+          <a:fillRef idx="0">
+            <a:schemeClr val="accent1"/>
+          </a:fillRef>
+          <a:effectRef idx="0">
+            <a:schemeClr val="accent1"/>
+          </a:effectRef>
+          <a:fontRef idx="minor">
+            <a:schemeClr val="tx1"/>
+          </a:fontRef>
+        </p:style>
+      </p:cxnSp>
+    </p:spTree>
+    <p:extLst>
+      <p:ext uri="{BB962C8B-B14F-4D97-AF65-F5344CB8AC3E}">
+        <p14:creationId xmlns:p14="http://schemas.microsoft.com/office/powerpoint/2010/main" val="2135590521"/>
+      </p:ext>
+    </p:extLst>
+  </p:cSld>
+  <p:clrMapOvr>
+    <a:masterClrMapping/>
+  </p:clrMapOvr>
+</p:sld>
+</file>
+
+<file path=ppt/slides/slide3.xml><?xml version="1.0" encoding="utf-8"?>
+<p:sld xmlns:a="http://schemas.openxmlformats.org/drawingml/2006/main" xmlns:r="http://schemas.openxmlformats.org/officeDocument/2006/relationships" xmlns:p="http://schemas.openxmlformats.org/presentationml/2006/main">
+  <p:cSld>
+    <p:spTree>
+      <p:nvGrpSpPr>
+        <p:cNvPr id="1" name=""/>
+        <p:cNvGrpSpPr/>
+        <p:nvPr/>
+      </p:nvGrpSpPr>
+      <p:grpSpPr>
+        <a:xfrm>
+          <a:off x="0" y="0"/>
+          <a:ext cx="0" cy="0"/>
+          <a:chOff x="0" y="0"/>
+          <a:chExt cx="0" cy="0"/>
+        </a:xfrm>
+      </p:grpSpPr>
+      <p:sp>
+        <p:nvSpPr>
+          <p:cNvPr id="64" name="TextBox 63">
+            <a:extLst>
+              <a:ext uri="{FF2B5EF4-FFF2-40B4-BE49-F238E27FC236}">
+                <a16:creationId xmlns:a16="http://schemas.microsoft.com/office/drawing/2014/main" id="{5E77A2ED-2A21-4344-8CFC-F083CD8000BA}"/>
+              </a:ext>
+            </a:extLst>
+          </p:cNvPr>
+          <p:cNvSpPr txBox="1"/>
+          <p:nvPr/>
+        </p:nvSpPr>
+        <p:spPr>
+          <a:xfrm>
+            <a:off x="218081" y="219456"/>
+            <a:ext cx="2625078" cy="461665"/>
+          </a:xfrm>
+          <a:prstGeom prst="rect">
+            <a:avLst/>
+          </a:prstGeom>
+          <a:noFill/>
+        </p:spPr>
+        <p:txBody>
+          <a:bodyPr wrap="none" rtlCol="0">
+            <a:spAutoFit/>
+          </a:bodyPr>
+          <a:lstStyle/>
+          <a:p>
+            <a:r>
+              <a:rPr lang="en-US" sz="2400" b="1" dirty="0"/>
+              <a:t>Continuation (1/3)</a:t>
+            </a:r>
+          </a:p>
+        </p:txBody>
+      </p:sp>
+      <p:sp>
+        <p:nvSpPr>
+          <p:cNvPr id="50" name="Oval 49">
+            <a:extLst>
+              <a:ext uri="{FF2B5EF4-FFF2-40B4-BE49-F238E27FC236}">
+                <a16:creationId xmlns:a16="http://schemas.microsoft.com/office/drawing/2014/main" id="{22375EA7-B4A6-F647-9B95-670F0DF6354A}"/>
+              </a:ext>
+            </a:extLst>
+          </p:cNvPr>
+          <p:cNvSpPr/>
+          <p:nvPr/>
+        </p:nvSpPr>
+        <p:spPr>
+          <a:xfrm rot="19046997">
+            <a:off x="7928864" y="3994460"/>
+            <a:ext cx="889000" cy="1130300"/>
+          </a:xfrm>
+          <a:prstGeom prst="ellipse">
+            <a:avLst/>
+          </a:prstGeom>
+          <a:noFill/>
+        </p:spPr>
+        <p:style>
+          <a:lnRef idx="2">
+            <a:schemeClr val="accent1">
+              <a:shade val="50000"/>
+            </a:schemeClr>
+          </a:lnRef>
+          <a:fillRef idx="1">
+            <a:schemeClr val="accent1"/>
+          </a:fillRef>
+          <a:effectRef idx="0">
+            <a:schemeClr val="accent1"/>
+          </a:effectRef>
+          <a:fontRef idx="minor">
+            <a:schemeClr val="lt1"/>
+          </a:fontRef>
+        </p:style>
+        <p:txBody>
+          <a:bodyPr rtlCol="0" anchor="ctr"/>
+          <a:lstStyle/>
+          <a:p>
+            <a:pPr algn="ctr"/>
+            <a:endParaRPr lang="en-US"/>
+          </a:p>
+        </p:txBody>
+      </p:sp>
+      <p:sp>
+        <p:nvSpPr>
+          <p:cNvPr id="57" name="Oval 56">
+            <a:extLst>
+              <a:ext uri="{FF2B5EF4-FFF2-40B4-BE49-F238E27FC236}">
+                <a16:creationId xmlns:a16="http://schemas.microsoft.com/office/drawing/2014/main" id="{C3EC54FB-0FAB-9447-B455-C63E43AB58CF}"/>
+              </a:ext>
+            </a:extLst>
+          </p:cNvPr>
+          <p:cNvSpPr/>
+          <p:nvPr/>
+        </p:nvSpPr>
+        <p:spPr>
+          <a:xfrm rot="19046997">
+            <a:off x="9059164" y="3029260"/>
+            <a:ext cx="889000" cy="1130300"/>
+          </a:xfrm>
+          <a:prstGeom prst="ellipse">
+            <a:avLst/>
+          </a:prstGeom>
+          <a:noFill/>
+        </p:spPr>
+        <p:style>
+          <a:lnRef idx="2">
+            <a:schemeClr val="accent1">
+              <a:shade val="50000"/>
+            </a:schemeClr>
+          </a:lnRef>
+          <a:fillRef idx="1">
+            <a:schemeClr val="accent1"/>
+          </a:fillRef>
+          <a:effectRef idx="0">
+            <a:schemeClr val="accent1"/>
+          </a:effectRef>
+          <a:fontRef idx="minor">
+            <a:schemeClr val="lt1"/>
+          </a:fontRef>
+        </p:style>
+        <p:txBody>
+          <a:bodyPr rot="0" spcFirstLastPara="0" vertOverflow="overflow" horzOverflow="overflow" vert="horz" wrap="square" lIns="91440" tIns="45720" rIns="91440" bIns="45720" numCol="1" spcCol="0" rtlCol="0" fromWordArt="0" anchor="ctr" anchorCtr="0" forceAA="0" compatLnSpc="1">
+            <a:prstTxWarp prst="textNoShape">
+              <a:avLst/>
+            </a:prstTxWarp>
+            <a:noAutofit/>
+          </a:bodyPr>
+          <a:lstStyle/>
+          <a:p>
+            <a:pPr algn="ctr"/>
+            <a:endParaRPr lang="en-US"/>
+          </a:p>
+        </p:txBody>
+      </p:sp>
+      <p:cxnSp>
+        <p:nvCxnSpPr>
+          <p:cNvPr id="60" name="Straight Connector 59">
+            <a:extLst>
+              <a:ext uri="{FF2B5EF4-FFF2-40B4-BE49-F238E27FC236}">
+                <a16:creationId xmlns:a16="http://schemas.microsoft.com/office/drawing/2014/main" id="{2212E2A9-40E5-6046-8A10-43CE7F0143DC}"/>
+              </a:ext>
+            </a:extLst>
+          </p:cNvPr>
+          <p:cNvCxnSpPr>
+            <a:cxnSpLocks/>
+            <a:stCxn id="50" idx="0"/>
+          </p:cNvCxnSpPr>
+          <p:nvPr/>
+        </p:nvCxnSpPr>
+        <p:spPr>
+          <a:xfrm flipV="1">
+            <a:off x="7991190" y="1966355"/>
+            <a:ext cx="2518314" cy="2176916"/>
+          </a:xfrm>
+          <a:prstGeom prst="line">
+            <a:avLst/>
+          </a:prstGeom>
+        </p:spPr>
+        <p:style>
+          <a:lnRef idx="1">
+            <a:schemeClr val="accent1"/>
+          </a:lnRef>
+          <a:fillRef idx="0">
+            <a:schemeClr val="accent1"/>
+          </a:fillRef>
+          <a:effectRef idx="0">
+            <a:schemeClr val="accent1"/>
+          </a:effectRef>
+          <a:fontRef idx="minor">
+            <a:schemeClr val="tx1"/>
+          </a:fontRef>
+        </p:style>
+      </p:cxnSp>
+      <p:cxnSp>
+        <p:nvCxnSpPr>
+          <p:cNvPr id="61" name="Straight Connector 60">
+            <a:extLst>
+              <a:ext uri="{FF2B5EF4-FFF2-40B4-BE49-F238E27FC236}">
+                <a16:creationId xmlns:a16="http://schemas.microsoft.com/office/drawing/2014/main" id="{26BDF7CE-A4E7-F641-ADE8-922C28918DE1}"/>
+              </a:ext>
+            </a:extLst>
+          </p:cNvPr>
+          <p:cNvCxnSpPr>
+            <a:cxnSpLocks/>
+          </p:cNvCxnSpPr>
+          <p:nvPr/>
+        </p:nvCxnSpPr>
+        <p:spPr>
+          <a:xfrm flipV="1">
+            <a:off x="8757774" y="1966355"/>
+            <a:ext cx="3434226" cy="3009594"/>
+          </a:xfrm>
+          <a:prstGeom prst="line">
+            <a:avLst/>
+          </a:prstGeom>
+        </p:spPr>
+        <p:style>
+          <a:lnRef idx="1">
+            <a:schemeClr val="accent1"/>
+          </a:lnRef>
+          <a:fillRef idx="0">
+            <a:schemeClr val="accent1"/>
+          </a:fillRef>
+          <a:effectRef idx="0">
+            <a:schemeClr val="accent1"/>
+          </a:effectRef>
+          <a:fontRef idx="minor">
+            <a:schemeClr val="tx1"/>
+          </a:fontRef>
+        </p:style>
+      </p:cxnSp>
+      <p:sp>
+        <p:nvSpPr>
+          <p:cNvPr id="65" name="Oval 64">
+            <a:extLst>
+              <a:ext uri="{FF2B5EF4-FFF2-40B4-BE49-F238E27FC236}">
+                <a16:creationId xmlns:a16="http://schemas.microsoft.com/office/drawing/2014/main" id="{E4318F89-5175-7E49-9893-3225D32BD7D5}"/>
+              </a:ext>
+            </a:extLst>
+          </p:cNvPr>
+          <p:cNvSpPr/>
+          <p:nvPr/>
+        </p:nvSpPr>
+        <p:spPr>
+          <a:xfrm rot="19046997">
+            <a:off x="8092592" y="3878706"/>
+            <a:ext cx="889000" cy="1130300"/>
+          </a:xfrm>
+          <a:prstGeom prst="ellipse">
+            <a:avLst/>
+          </a:prstGeom>
+          <a:noFill/>
+        </p:spPr>
+        <p:style>
+          <a:lnRef idx="2">
+            <a:schemeClr val="accent1">
+              <a:shade val="50000"/>
+            </a:schemeClr>
+          </a:lnRef>
+          <a:fillRef idx="1">
+            <a:schemeClr val="accent1"/>
+          </a:fillRef>
+          <a:effectRef idx="0">
+            <a:schemeClr val="accent1"/>
+          </a:effectRef>
+          <a:fontRef idx="minor">
+            <a:schemeClr val="lt1"/>
+          </a:fontRef>
+        </p:style>
+        <p:txBody>
+          <a:bodyPr rtlCol="0" anchor="ctr"/>
+          <a:lstStyle/>
+          <a:p>
+            <a:pPr algn="ctr"/>
+            <a:endParaRPr lang="en-US"/>
+          </a:p>
+        </p:txBody>
+      </p:sp>
+      <p:sp>
+        <p:nvSpPr>
+          <p:cNvPr id="66" name="Oval 65">
+            <a:extLst>
+              <a:ext uri="{FF2B5EF4-FFF2-40B4-BE49-F238E27FC236}">
+                <a16:creationId xmlns:a16="http://schemas.microsoft.com/office/drawing/2014/main" id="{63DA1528-BEE1-2A43-BF5C-0F03E4AE1553}"/>
+              </a:ext>
+            </a:extLst>
+          </p:cNvPr>
+          <p:cNvSpPr/>
+          <p:nvPr/>
+        </p:nvSpPr>
+        <p:spPr>
+          <a:xfrm rot="19046997">
+            <a:off x="8173928" y="3812445"/>
+            <a:ext cx="889000" cy="1130300"/>
+          </a:xfrm>
+          <a:prstGeom prst="ellipse">
+            <a:avLst/>
+          </a:prstGeom>
+          <a:noFill/>
+        </p:spPr>
+        <p:style>
+          <a:lnRef idx="2">
+            <a:schemeClr val="accent1">
+              <a:shade val="50000"/>
+            </a:schemeClr>
+          </a:lnRef>
+          <a:fillRef idx="1">
+            <a:schemeClr val="accent1"/>
+          </a:fillRef>
+          <a:effectRef idx="0">
+            <a:schemeClr val="accent1"/>
+          </a:effectRef>
+          <a:fontRef idx="minor">
+            <a:schemeClr val="lt1"/>
+          </a:fontRef>
+        </p:style>
+        <p:txBody>
+          <a:bodyPr rtlCol="0" anchor="ctr"/>
+          <a:lstStyle/>
+          <a:p>
+            <a:pPr algn="ctr"/>
+            <a:endParaRPr lang="en-US"/>
+          </a:p>
+        </p:txBody>
+      </p:sp>
+      <p:sp>
+        <p:nvSpPr>
+          <p:cNvPr id="67" name="Oval 66">
+            <a:extLst>
+              <a:ext uri="{FF2B5EF4-FFF2-40B4-BE49-F238E27FC236}">
+                <a16:creationId xmlns:a16="http://schemas.microsoft.com/office/drawing/2014/main" id="{5490FBF6-285C-2F42-847F-B8D245DDC842}"/>
+              </a:ext>
+            </a:extLst>
+          </p:cNvPr>
+          <p:cNvSpPr/>
+          <p:nvPr/>
+        </p:nvSpPr>
+        <p:spPr>
+          <a:xfrm rot="19046997">
+            <a:off x="8535210" y="3504885"/>
+            <a:ext cx="889000" cy="1130300"/>
+          </a:xfrm>
+          <a:prstGeom prst="ellipse">
+            <a:avLst/>
+          </a:prstGeom>
+          <a:noFill/>
+        </p:spPr>
+        <p:style>
+          <a:lnRef idx="2">
+            <a:schemeClr val="accent1">
+              <a:shade val="50000"/>
+            </a:schemeClr>
+          </a:lnRef>
+          <a:fillRef idx="1">
+            <a:schemeClr val="accent1"/>
+          </a:fillRef>
+          <a:effectRef idx="0">
+            <a:schemeClr val="accent1"/>
+          </a:effectRef>
+          <a:fontRef idx="minor">
+            <a:schemeClr val="lt1"/>
+          </a:fontRef>
+        </p:style>
+        <p:txBody>
+          <a:bodyPr rtlCol="0" anchor="ctr"/>
+          <a:lstStyle/>
+          <a:p>
+            <a:pPr algn="ctr"/>
+            <a:endParaRPr lang="en-US"/>
+          </a:p>
+        </p:txBody>
+      </p:sp>
+      <p:cxnSp>
+        <p:nvCxnSpPr>
+          <p:cNvPr id="68" name="Straight Connector 67">
+            <a:extLst>
+              <a:ext uri="{FF2B5EF4-FFF2-40B4-BE49-F238E27FC236}">
+                <a16:creationId xmlns:a16="http://schemas.microsoft.com/office/drawing/2014/main" id="{C08C5486-0705-0947-A944-38AF9B0EDCE5}"/>
+              </a:ext>
+            </a:extLst>
+          </p:cNvPr>
+          <p:cNvCxnSpPr/>
+          <p:nvPr/>
+        </p:nvCxnSpPr>
+        <p:spPr>
+          <a:xfrm>
+            <a:off x="8794033" y="3842685"/>
+            <a:ext cx="0" cy="672475"/>
+          </a:xfrm>
+          <a:prstGeom prst="line">
+            <a:avLst/>
+          </a:prstGeom>
+          <a:ln w="25400">
+            <a:solidFill>
+              <a:srgbClr val="FF0000"/>
+            </a:solidFill>
+          </a:ln>
+        </p:spPr>
+        <p:style>
+          <a:lnRef idx="1">
+            <a:schemeClr val="accent1"/>
+          </a:lnRef>
+          <a:fillRef idx="0">
+            <a:schemeClr val="accent1"/>
+          </a:fillRef>
+          <a:effectRef idx="0">
+            <a:schemeClr val="accent1"/>
+          </a:effectRef>
+          <a:fontRef idx="minor">
+            <a:schemeClr val="tx1"/>
+          </a:fontRef>
+        </p:style>
+      </p:cxnSp>
+      <p:cxnSp>
+        <p:nvCxnSpPr>
+          <p:cNvPr id="69" name="Straight Connector 68">
+            <a:extLst>
+              <a:ext uri="{FF2B5EF4-FFF2-40B4-BE49-F238E27FC236}">
+                <a16:creationId xmlns:a16="http://schemas.microsoft.com/office/drawing/2014/main" id="{BB763315-FB1C-0743-9BC5-E4B83470D0AE}"/>
+              </a:ext>
+            </a:extLst>
+          </p:cNvPr>
+          <p:cNvCxnSpPr>
+            <a:cxnSpLocks/>
+          </p:cNvCxnSpPr>
+          <p:nvPr/>
+        </p:nvCxnSpPr>
+        <p:spPr>
+          <a:xfrm>
+            <a:off x="8430317" y="4143271"/>
+            <a:ext cx="734014" cy="0"/>
+          </a:xfrm>
+          <a:prstGeom prst="line">
+            <a:avLst/>
+          </a:prstGeom>
+          <a:ln w="25400">
+            <a:solidFill>
+              <a:srgbClr val="FF0000"/>
+            </a:solidFill>
+          </a:ln>
+        </p:spPr>
+        <p:style>
+          <a:lnRef idx="1">
+            <a:schemeClr val="accent1"/>
+          </a:lnRef>
+          <a:fillRef idx="0">
+            <a:schemeClr val="accent1"/>
+          </a:fillRef>
+          <a:effectRef idx="0">
+            <a:schemeClr val="accent1"/>
+          </a:effectRef>
+          <a:fontRef idx="minor">
+            <a:schemeClr val="tx1"/>
+          </a:fontRef>
+        </p:style>
+      </p:cxnSp>
+      <p:cxnSp>
+        <p:nvCxnSpPr>
+          <p:cNvPr id="74" name="Straight Connector 73">
+            <a:extLst>
+              <a:ext uri="{FF2B5EF4-FFF2-40B4-BE49-F238E27FC236}">
+                <a16:creationId xmlns:a16="http://schemas.microsoft.com/office/drawing/2014/main" id="{38EA186E-9E5C-1941-95B2-06D9173906AD}"/>
+              </a:ext>
+            </a:extLst>
+          </p:cNvPr>
+          <p:cNvCxnSpPr>
+            <a:cxnSpLocks/>
+          </p:cNvCxnSpPr>
+          <p:nvPr/>
+        </p:nvCxnSpPr>
+        <p:spPr>
+          <a:xfrm>
+            <a:off x="9082995" y="4786960"/>
+            <a:ext cx="2359197" cy="489575"/>
+          </a:xfrm>
+          <a:prstGeom prst="line">
+            <a:avLst/>
+          </a:prstGeom>
+          <a:ln w="25400">
+            <a:solidFill>
+              <a:schemeClr val="tx1"/>
+            </a:solidFill>
+            <a:prstDash val="dash"/>
+          </a:ln>
+        </p:spPr>
+        <p:style>
+          <a:lnRef idx="1">
+            <a:schemeClr val="accent1"/>
+          </a:lnRef>
+          <a:fillRef idx="0">
+            <a:schemeClr val="accent1"/>
+          </a:fillRef>
+          <a:effectRef idx="0">
+            <a:schemeClr val="accent1"/>
+          </a:effectRef>
+          <a:fontRef idx="minor">
+            <a:schemeClr val="tx1"/>
+          </a:fontRef>
+        </p:style>
+      </p:cxnSp>
+      <p:sp>
+        <p:nvSpPr>
+          <p:cNvPr id="78" name="Donut 77">
+            <a:extLst>
+              <a:ext uri="{FF2B5EF4-FFF2-40B4-BE49-F238E27FC236}">
+                <a16:creationId xmlns:a16="http://schemas.microsoft.com/office/drawing/2014/main" id="{B355E3A5-E4BD-7B47-8E3E-5E3FCA0BDECA}"/>
+              </a:ext>
+            </a:extLst>
+          </p:cNvPr>
+          <p:cNvSpPr/>
+          <p:nvPr/>
+        </p:nvSpPr>
+        <p:spPr>
+          <a:xfrm rot="18429553">
+            <a:off x="8884611" y="2825581"/>
+            <a:ext cx="1248760" cy="1571192"/>
+          </a:xfrm>
+          <a:prstGeom prst="donut">
+            <a:avLst>
+              <a:gd name="adj" fmla="val 7286"/>
+            </a:avLst>
+          </a:prstGeom>
+          <a:solidFill>
+            <a:schemeClr val="tx1">
+              <a:lumMod val="50000"/>
+              <a:lumOff val="50000"/>
+            </a:schemeClr>
+          </a:solidFill>
+          <a:ln>
+            <a:solidFill>
+              <a:schemeClr val="tx1"/>
+            </a:solidFill>
+          </a:ln>
+        </p:spPr>
+        <p:style>
+          <a:lnRef idx="2">
+            <a:schemeClr val="accent1">
+              <a:shade val="50000"/>
+            </a:schemeClr>
+          </a:lnRef>
+          <a:fillRef idx="1">
+            <a:schemeClr val="accent1"/>
+          </a:fillRef>
+          <a:effectRef idx="0">
+            <a:schemeClr val="accent1"/>
+          </a:effectRef>
+          <a:fontRef idx="minor">
+            <a:schemeClr val="lt1"/>
+          </a:fontRef>
+        </p:style>
+        <p:txBody>
+          <a:bodyPr rtlCol="0" anchor="ctr"/>
+          <a:lstStyle/>
+          <a:p>
+            <a:pPr algn="ctr"/>
+            <a:endParaRPr lang="en-US">
+              <a:solidFill>
+                <a:schemeClr val="tx1"/>
+              </a:solidFill>
+            </a:endParaRPr>
+          </a:p>
+        </p:txBody>
+      </p:sp>
+      <p:sp>
+        <p:nvSpPr>
+          <p:cNvPr id="79" name="Donut 78">
+            <a:extLst>
+              <a:ext uri="{FF2B5EF4-FFF2-40B4-BE49-F238E27FC236}">
+                <a16:creationId xmlns:a16="http://schemas.microsoft.com/office/drawing/2014/main" id="{610E6465-FB17-5240-9C4C-0527037BFB57}"/>
+              </a:ext>
+            </a:extLst>
+          </p:cNvPr>
+          <p:cNvSpPr/>
+          <p:nvPr/>
+        </p:nvSpPr>
+        <p:spPr>
+          <a:xfrm rot="18429553">
+            <a:off x="8359454" y="3271858"/>
+            <a:ext cx="1248760" cy="1571192"/>
+          </a:xfrm>
+          <a:prstGeom prst="donut">
+            <a:avLst>
+              <a:gd name="adj" fmla="val 7286"/>
+            </a:avLst>
+          </a:prstGeom>
+          <a:solidFill>
+            <a:schemeClr val="tx1">
+              <a:lumMod val="50000"/>
+              <a:lumOff val="50000"/>
+            </a:schemeClr>
+          </a:solidFill>
+          <a:ln>
+            <a:solidFill>
+              <a:schemeClr val="tx1"/>
+            </a:solidFill>
+          </a:ln>
+        </p:spPr>
+        <p:style>
+          <a:lnRef idx="2">
+            <a:schemeClr val="accent1">
+              <a:shade val="50000"/>
+            </a:schemeClr>
+          </a:lnRef>
+          <a:fillRef idx="1">
+            <a:schemeClr val="accent1"/>
+          </a:fillRef>
+          <a:effectRef idx="0">
+            <a:schemeClr val="accent1"/>
+          </a:effectRef>
+          <a:fontRef idx="minor">
+            <a:schemeClr val="lt1"/>
+          </a:fontRef>
+        </p:style>
+        <p:txBody>
+          <a:bodyPr rtlCol="0" anchor="ctr"/>
+          <a:lstStyle/>
+          <a:p>
+            <a:pPr algn="ctr"/>
+            <a:endParaRPr lang="en-US">
+              <a:solidFill>
+                <a:schemeClr val="tx1"/>
+              </a:solidFill>
+            </a:endParaRPr>
+          </a:p>
+        </p:txBody>
+      </p:sp>
+      <p:sp>
+        <p:nvSpPr>
+          <p:cNvPr id="80" name="Donut 79">
+            <a:extLst>
+              <a:ext uri="{FF2B5EF4-FFF2-40B4-BE49-F238E27FC236}">
+                <a16:creationId xmlns:a16="http://schemas.microsoft.com/office/drawing/2014/main" id="{4AC7E5B2-B763-394A-BAE2-BC4DF4A4557A}"/>
+              </a:ext>
+            </a:extLst>
+          </p:cNvPr>
+          <p:cNvSpPr/>
+          <p:nvPr/>
+        </p:nvSpPr>
+        <p:spPr>
+          <a:xfrm rot="18429553">
+            <a:off x="7907385" y="3679520"/>
+            <a:ext cx="1248760" cy="1571192"/>
+          </a:xfrm>
+          <a:prstGeom prst="donut">
+            <a:avLst>
+              <a:gd name="adj" fmla="val 7286"/>
+            </a:avLst>
+          </a:prstGeom>
+          <a:solidFill>
+            <a:schemeClr val="tx1">
+              <a:lumMod val="50000"/>
+              <a:lumOff val="50000"/>
+            </a:schemeClr>
+          </a:solidFill>
+          <a:ln>
+            <a:solidFill>
+              <a:schemeClr val="tx1"/>
+            </a:solidFill>
+          </a:ln>
+        </p:spPr>
+        <p:style>
+          <a:lnRef idx="2">
+            <a:schemeClr val="accent1">
+              <a:shade val="50000"/>
+            </a:schemeClr>
+          </a:lnRef>
+          <a:fillRef idx="1">
+            <a:schemeClr val="accent1"/>
+          </a:fillRef>
+          <a:effectRef idx="0">
+            <a:schemeClr val="accent1"/>
+          </a:effectRef>
+          <a:fontRef idx="minor">
+            <a:schemeClr val="lt1"/>
+          </a:fontRef>
+        </p:style>
+        <p:txBody>
+          <a:bodyPr rtlCol="0" anchor="ctr"/>
+          <a:lstStyle/>
+          <a:p>
+            <a:pPr algn="ctr"/>
+            <a:endParaRPr lang="en-US">
+              <a:solidFill>
+                <a:schemeClr val="tx1"/>
+              </a:solidFill>
+            </a:endParaRPr>
+          </a:p>
+        </p:txBody>
+      </p:sp>
+      <p:sp>
+        <p:nvSpPr>
+          <p:cNvPr id="81" name="Donut 80">
+            <a:extLst>
+              <a:ext uri="{FF2B5EF4-FFF2-40B4-BE49-F238E27FC236}">
+                <a16:creationId xmlns:a16="http://schemas.microsoft.com/office/drawing/2014/main" id="{7E87339E-074E-D449-9C0A-37FD05CA6A69}"/>
+              </a:ext>
+            </a:extLst>
+          </p:cNvPr>
+          <p:cNvSpPr/>
+          <p:nvPr/>
+        </p:nvSpPr>
+        <p:spPr>
+          <a:xfrm rot="18429553">
+            <a:off x="7748983" y="3780946"/>
+            <a:ext cx="1248760" cy="1571192"/>
+          </a:xfrm>
+          <a:prstGeom prst="donut">
+            <a:avLst>
+              <a:gd name="adj" fmla="val 7286"/>
+            </a:avLst>
+          </a:prstGeom>
+          <a:solidFill>
+            <a:srgbClr val="FF0000"/>
+          </a:solidFill>
+          <a:ln>
+            <a:solidFill>
+              <a:schemeClr val="tx1"/>
+            </a:solidFill>
+          </a:ln>
+        </p:spPr>
+        <p:style>
+          <a:lnRef idx="2">
+            <a:schemeClr val="accent1">
+              <a:shade val="50000"/>
+            </a:schemeClr>
+          </a:lnRef>
+          <a:fillRef idx="1">
+            <a:schemeClr val="accent1"/>
+          </a:fillRef>
+          <a:effectRef idx="0">
+            <a:schemeClr val="accent1"/>
+          </a:effectRef>
+          <a:fontRef idx="minor">
+            <a:schemeClr val="lt1"/>
+          </a:fontRef>
+        </p:style>
+        <p:txBody>
+          <a:bodyPr rtlCol="0" anchor="ctr"/>
+          <a:lstStyle/>
+          <a:p>
+            <a:pPr algn="ctr"/>
+            <a:endParaRPr lang="en-US">
+              <a:solidFill>
+                <a:schemeClr val="tx1"/>
+              </a:solidFill>
+            </a:endParaRPr>
+          </a:p>
+        </p:txBody>
+      </p:sp>
+      <p:cxnSp>
+        <p:nvCxnSpPr>
+          <p:cNvPr id="44" name="Straight Arrow Connector 43">
+            <a:extLst>
+              <a:ext uri="{FF2B5EF4-FFF2-40B4-BE49-F238E27FC236}">
+                <a16:creationId xmlns:a16="http://schemas.microsoft.com/office/drawing/2014/main" id="{B4E3110D-76FB-6242-8E9A-293A5DB825CD}"/>
+              </a:ext>
+            </a:extLst>
+          </p:cNvPr>
+          <p:cNvCxnSpPr>
+            <a:cxnSpLocks/>
+          </p:cNvCxnSpPr>
+          <p:nvPr/>
+        </p:nvCxnSpPr>
+        <p:spPr>
+          <a:xfrm flipV="1">
+            <a:off x="7461109" y="4560458"/>
+            <a:ext cx="839507" cy="692806"/>
+          </a:xfrm>
+          <a:prstGeom prst="straightConnector1">
+            <a:avLst/>
+          </a:prstGeom>
+          <a:ln w="50800">
+            <a:solidFill>
+              <a:schemeClr val="bg1">
+                <a:lumMod val="75000"/>
+              </a:schemeClr>
+            </a:solidFill>
+            <a:prstDash val="dash"/>
+            <a:headEnd type="triangle"/>
+            <a:tailEnd type="triangle"/>
+          </a:ln>
+        </p:spPr>
+        <p:style>
+          <a:lnRef idx="1">
+            <a:schemeClr val="accent1"/>
+          </a:lnRef>
+          <a:fillRef idx="0">
+            <a:schemeClr val="accent1"/>
+          </a:fillRef>
+          <a:effectRef idx="0">
+            <a:schemeClr val="accent1"/>
+          </a:effectRef>
+          <a:fontRef idx="minor">
+            <a:schemeClr val="tx1"/>
+          </a:fontRef>
+        </p:style>
+      </p:cxnSp>
+      <p:sp>
+        <p:nvSpPr>
+          <p:cNvPr id="87" name="TextBox 86">
+            <a:extLst>
+              <a:ext uri="{FF2B5EF4-FFF2-40B4-BE49-F238E27FC236}">
+                <a16:creationId xmlns:a16="http://schemas.microsoft.com/office/drawing/2014/main" id="{7CBDF36A-000B-464D-9326-0EEA69A78303}"/>
+              </a:ext>
+            </a:extLst>
+          </p:cNvPr>
+          <p:cNvSpPr txBox="1"/>
+          <p:nvPr/>
+        </p:nvSpPr>
+        <p:spPr>
+          <a:xfrm>
+            <a:off x="6911122" y="5186890"/>
+            <a:ext cx="1109086" cy="369332"/>
+          </a:xfrm>
+          <a:prstGeom prst="rect">
+            <a:avLst/>
+          </a:prstGeom>
+          <a:noFill/>
+        </p:spPr>
+        <p:txBody>
+          <a:bodyPr wrap="none" rtlCol="0">
+            <a:spAutoFit/>
+          </a:bodyPr>
+          <a:lstStyle/>
+          <a:p>
+            <a:r>
+              <a:rPr lang="en-US" dirty="0"/>
+              <a:t>draggable</a:t>
+            </a:r>
+          </a:p>
+        </p:txBody>
+      </p:sp>
+      <p:cxnSp>
+        <p:nvCxnSpPr>
+          <p:cNvPr id="45" name="Straight Connector 44">
+            <a:extLst>
+              <a:ext uri="{FF2B5EF4-FFF2-40B4-BE49-F238E27FC236}">
+                <a16:creationId xmlns:a16="http://schemas.microsoft.com/office/drawing/2014/main" id="{294B017E-25EB-2F4A-A8A5-10073B9B19C0}"/>
+              </a:ext>
+            </a:extLst>
+          </p:cNvPr>
+          <p:cNvCxnSpPr>
+            <a:cxnSpLocks/>
+          </p:cNvCxnSpPr>
+          <p:nvPr/>
+        </p:nvCxnSpPr>
+        <p:spPr>
+          <a:xfrm flipV="1">
+            <a:off x="8459018" y="4185244"/>
+            <a:ext cx="2731745" cy="388149"/>
+          </a:xfrm>
+          <a:prstGeom prst="line">
+            <a:avLst/>
+          </a:prstGeom>
+          <a:ln>
+            <a:solidFill>
+              <a:srgbClr val="FF0000"/>
+            </a:solidFill>
+            <a:prstDash val="dash"/>
+          </a:ln>
+        </p:spPr>
+        <p:style>
+          <a:lnRef idx="1">
+            <a:schemeClr val="accent1"/>
+          </a:lnRef>
+          <a:fillRef idx="0">
+            <a:schemeClr val="accent1"/>
+          </a:fillRef>
+          <a:effectRef idx="0">
+            <a:schemeClr val="accent1"/>
+          </a:effectRef>
+          <a:fontRef idx="minor">
+            <a:schemeClr val="tx1"/>
+          </a:fontRef>
+        </p:style>
+      </p:cxnSp>
+      <p:sp>
+        <p:nvSpPr>
+          <p:cNvPr id="75" name="Up Arrow 74">
+            <a:extLst>
+              <a:ext uri="{FF2B5EF4-FFF2-40B4-BE49-F238E27FC236}">
+                <a16:creationId xmlns:a16="http://schemas.microsoft.com/office/drawing/2014/main" id="{D08EE4DB-7599-1B44-A3CD-7FAF9F13BB7E}"/>
+              </a:ext>
+            </a:extLst>
+          </p:cNvPr>
+          <p:cNvSpPr/>
+          <p:nvPr/>
+        </p:nvSpPr>
+        <p:spPr>
+          <a:xfrm rot="4856122">
+            <a:off x="9712772" y="3899111"/>
+            <a:ext cx="548595" cy="965200"/>
+          </a:xfrm>
+          <a:prstGeom prst="upArrow">
+            <a:avLst/>
+          </a:prstGeom>
+          <a:solidFill>
+            <a:srgbClr val="FFFF00"/>
+          </a:solidFill>
+          <a:ln>
+            <a:solidFill>
+              <a:schemeClr val="tx1"/>
+            </a:solidFill>
+          </a:ln>
+        </p:spPr>
+        <p:style>
+          <a:lnRef idx="2">
+            <a:schemeClr val="accent1">
+              <a:shade val="50000"/>
+            </a:schemeClr>
+          </a:lnRef>
+          <a:fillRef idx="1">
+            <a:schemeClr val="accent1"/>
+          </a:fillRef>
+          <a:effectRef idx="0">
+            <a:schemeClr val="accent1"/>
+          </a:effectRef>
+          <a:fontRef idx="minor">
+            <a:schemeClr val="lt1"/>
+          </a:fontRef>
+        </p:style>
+        <p:txBody>
+          <a:bodyPr rot="0" spcFirstLastPara="0" vertOverflow="overflow" horzOverflow="overflow" vert="horz" wrap="square" lIns="91440" tIns="45720" rIns="91440" bIns="45720" numCol="1" spcCol="0" rtlCol="0" fromWordArt="0" anchor="ctr" anchorCtr="0" forceAA="0" compatLnSpc="1">
+            <a:prstTxWarp prst="textNoShape">
+              <a:avLst/>
+            </a:prstTxWarp>
+            <a:noAutofit/>
+          </a:bodyPr>
+          <a:lstStyle/>
+          <a:p>
+            <a:pPr algn="ctr"/>
+            <a:endParaRPr lang="en-US">
+              <a:solidFill>
+                <a:schemeClr val="tx1"/>
+              </a:solidFill>
+            </a:endParaRPr>
+          </a:p>
+        </p:txBody>
+      </p:sp>
+      <p:sp>
+        <p:nvSpPr>
+          <p:cNvPr id="14" name="Circular Arrow 13">
+            <a:extLst>
+              <a:ext uri="{FF2B5EF4-FFF2-40B4-BE49-F238E27FC236}">
+                <a16:creationId xmlns:a16="http://schemas.microsoft.com/office/drawing/2014/main" id="{6D0C2D9C-B65E-4247-9388-6902061962A9}"/>
+              </a:ext>
+            </a:extLst>
+          </p:cNvPr>
+          <p:cNvSpPr/>
+          <p:nvPr/>
+        </p:nvSpPr>
+        <p:spPr>
+          <a:xfrm flipH="1">
+            <a:off x="9195556" y="3699722"/>
+            <a:ext cx="2140801" cy="2469265"/>
+          </a:xfrm>
+          <a:prstGeom prst="circularArrow">
+            <a:avLst>
+              <a:gd name="adj1" fmla="val 8444"/>
+              <a:gd name="adj2" fmla="val 693860"/>
+              <a:gd name="adj3" fmla="val 12948575"/>
+              <a:gd name="adj4" fmla="val 10045915"/>
+              <a:gd name="adj5" fmla="val 14577"/>
+            </a:avLst>
+          </a:prstGeom>
+        </p:spPr>
+        <p:style>
+          <a:lnRef idx="2">
+            <a:schemeClr val="accent1">
+              <a:shade val="50000"/>
+            </a:schemeClr>
+          </a:lnRef>
+          <a:fillRef idx="1">
+            <a:schemeClr val="accent1"/>
+          </a:fillRef>
+          <a:effectRef idx="0">
+            <a:schemeClr val="accent1"/>
+          </a:effectRef>
+          <a:fontRef idx="minor">
+            <a:schemeClr val="lt1"/>
+          </a:fontRef>
+        </p:style>
+        <p:txBody>
+          <a:bodyPr rtlCol="0" anchor="ctr"/>
+          <a:lstStyle/>
+          <a:p>
+            <a:pPr algn="ctr"/>
+            <a:endParaRPr lang="en-US">
+              <a:solidFill>
+                <a:schemeClr val="tx1"/>
+              </a:solidFill>
+            </a:endParaRPr>
+          </a:p>
+        </p:txBody>
+      </p:sp>
+      <p:cxnSp>
+        <p:nvCxnSpPr>
+          <p:cNvPr id="51" name="Straight Connector 50">
+            <a:extLst>
+              <a:ext uri="{FF2B5EF4-FFF2-40B4-BE49-F238E27FC236}">
+                <a16:creationId xmlns:a16="http://schemas.microsoft.com/office/drawing/2014/main" id="{E308BC0A-BE35-3E40-A71B-09250AE50D5E}"/>
+              </a:ext>
+            </a:extLst>
+          </p:cNvPr>
+          <p:cNvCxnSpPr>
+            <a:cxnSpLocks/>
+          </p:cNvCxnSpPr>
+          <p:nvPr/>
+        </p:nvCxnSpPr>
+        <p:spPr>
+          <a:xfrm>
+            <a:off x="5306727" y="3933605"/>
+            <a:ext cx="2359197" cy="489575"/>
+          </a:xfrm>
+          <a:prstGeom prst="line">
+            <a:avLst/>
+          </a:prstGeom>
+          <a:ln w="25400">
+            <a:solidFill>
+              <a:schemeClr val="tx1"/>
+            </a:solidFill>
+            <a:prstDash val="dash"/>
+          </a:ln>
+        </p:spPr>
+        <p:style>
+          <a:lnRef idx="1">
+            <a:schemeClr val="accent1"/>
+          </a:lnRef>
+          <a:fillRef idx="0">
+            <a:schemeClr val="accent1"/>
+          </a:fillRef>
+          <a:effectRef idx="0">
+            <a:schemeClr val="accent1"/>
+          </a:effectRef>
+          <a:fontRef idx="minor">
+            <a:schemeClr val="tx1"/>
+          </a:fontRef>
+        </p:style>
+      </p:cxnSp>
+      <p:cxnSp>
+        <p:nvCxnSpPr>
+          <p:cNvPr id="54" name="Straight Connector 53">
+            <a:extLst>
+              <a:ext uri="{FF2B5EF4-FFF2-40B4-BE49-F238E27FC236}">
+                <a16:creationId xmlns:a16="http://schemas.microsoft.com/office/drawing/2014/main" id="{ABEBAC18-7771-4142-A4F3-00129C48CA7D}"/>
+              </a:ext>
+            </a:extLst>
+          </p:cNvPr>
+          <p:cNvCxnSpPr>
+            <a:cxnSpLocks/>
+          </p:cNvCxnSpPr>
+          <p:nvPr/>
+        </p:nvCxnSpPr>
+        <p:spPr>
+          <a:xfrm>
+            <a:off x="8396070" y="5230509"/>
+            <a:ext cx="34247" cy="1663639"/>
+          </a:xfrm>
+          <a:prstGeom prst="line">
+            <a:avLst/>
+          </a:prstGeom>
+          <a:ln w="25400">
+            <a:solidFill>
+              <a:schemeClr val="tx1"/>
+            </a:solidFill>
+            <a:prstDash val="dash"/>
+          </a:ln>
+        </p:spPr>
+        <p:style>
+          <a:lnRef idx="1">
+            <a:schemeClr val="accent1"/>
+          </a:lnRef>
+          <a:fillRef idx="0">
+            <a:schemeClr val="accent1"/>
+          </a:fillRef>
+          <a:effectRef idx="0">
+            <a:schemeClr val="accent1"/>
+          </a:effectRef>
+          <a:fontRef idx="minor">
+            <a:schemeClr val="tx1"/>
+          </a:fontRef>
+        </p:style>
+      </p:cxnSp>
+      <p:cxnSp>
+        <p:nvCxnSpPr>
+          <p:cNvPr id="59" name="Straight Connector 58">
+            <a:extLst>
+              <a:ext uri="{FF2B5EF4-FFF2-40B4-BE49-F238E27FC236}">
+                <a16:creationId xmlns:a16="http://schemas.microsoft.com/office/drawing/2014/main" id="{943E3DFD-34E0-6D48-9337-60D39CAB2C99}"/>
+              </a:ext>
+            </a:extLst>
+          </p:cNvPr>
+          <p:cNvCxnSpPr>
+            <a:cxnSpLocks/>
+          </p:cNvCxnSpPr>
+          <p:nvPr/>
+        </p:nvCxnSpPr>
+        <p:spPr>
+          <a:xfrm>
+            <a:off x="8449762" y="1940246"/>
+            <a:ext cx="24578" cy="2639160"/>
+          </a:xfrm>
+          <a:prstGeom prst="line">
+            <a:avLst/>
+          </a:prstGeom>
+          <a:ln w="25400">
+            <a:solidFill>
+              <a:schemeClr val="tx1"/>
+            </a:solidFill>
+            <a:prstDash val="dash"/>
+          </a:ln>
+        </p:spPr>
+        <p:style>
+          <a:lnRef idx="1">
+            <a:schemeClr val="accent1"/>
+          </a:lnRef>
+          <a:fillRef idx="0">
+            <a:schemeClr val="accent1"/>
+          </a:fillRef>
+          <a:effectRef idx="0">
+            <a:schemeClr val="accent1"/>
+          </a:effectRef>
+          <a:fontRef idx="minor">
+            <a:schemeClr val="tx1"/>
+          </a:fontRef>
+        </p:style>
+      </p:cxnSp>
+      <p:sp>
+        <p:nvSpPr>
+          <p:cNvPr id="62" name="Oval 61">
+            <a:extLst>
+              <a:ext uri="{FF2B5EF4-FFF2-40B4-BE49-F238E27FC236}">
+                <a16:creationId xmlns:a16="http://schemas.microsoft.com/office/drawing/2014/main" id="{4707EF4C-9920-544F-9D9E-AA313A0BB796}"/>
+              </a:ext>
+            </a:extLst>
+          </p:cNvPr>
+          <p:cNvSpPr/>
+          <p:nvPr/>
+        </p:nvSpPr>
+        <p:spPr>
+          <a:xfrm rot="19046997">
+            <a:off x="1951217" y="3380283"/>
+            <a:ext cx="889000" cy="1130300"/>
+          </a:xfrm>
+          <a:prstGeom prst="ellipse">
+            <a:avLst/>
+          </a:prstGeom>
+          <a:noFill/>
+        </p:spPr>
+        <p:style>
+          <a:lnRef idx="2">
+            <a:schemeClr val="accent1">
+              <a:shade val="50000"/>
+            </a:schemeClr>
+          </a:lnRef>
+          <a:fillRef idx="1">
+            <a:schemeClr val="accent1"/>
+          </a:fillRef>
+          <a:effectRef idx="0">
+            <a:schemeClr val="accent1"/>
+          </a:effectRef>
+          <a:fontRef idx="minor">
+            <a:schemeClr val="lt1"/>
+          </a:fontRef>
+        </p:style>
+        <p:txBody>
+          <a:bodyPr rtlCol="0" anchor="ctr"/>
+          <a:lstStyle/>
+          <a:p>
+            <a:pPr algn="ctr"/>
+            <a:endParaRPr lang="en-US"/>
+          </a:p>
+        </p:txBody>
+      </p:sp>
+      <p:sp>
+        <p:nvSpPr>
+          <p:cNvPr id="63" name="Oval 62">
+            <a:extLst>
+              <a:ext uri="{FF2B5EF4-FFF2-40B4-BE49-F238E27FC236}">
+                <a16:creationId xmlns:a16="http://schemas.microsoft.com/office/drawing/2014/main" id="{F6520966-9D98-3D4A-B6B3-6376DBEC08B2}"/>
+              </a:ext>
+            </a:extLst>
+          </p:cNvPr>
+          <p:cNvSpPr/>
+          <p:nvPr/>
+        </p:nvSpPr>
+        <p:spPr>
+          <a:xfrm rot="19046997">
+            <a:off x="3081517" y="2415083"/>
+            <a:ext cx="889000" cy="1130300"/>
+          </a:xfrm>
+          <a:prstGeom prst="ellipse">
+            <a:avLst/>
+          </a:prstGeom>
+          <a:noFill/>
+        </p:spPr>
+        <p:style>
+          <a:lnRef idx="2">
+            <a:schemeClr val="accent1">
+              <a:shade val="50000"/>
+            </a:schemeClr>
+          </a:lnRef>
+          <a:fillRef idx="1">
+            <a:schemeClr val="accent1"/>
+          </a:fillRef>
+          <a:effectRef idx="0">
+            <a:schemeClr val="accent1"/>
+          </a:effectRef>
+          <a:fontRef idx="minor">
+            <a:schemeClr val="lt1"/>
+          </a:fontRef>
+        </p:style>
+        <p:txBody>
+          <a:bodyPr rot="0" spcFirstLastPara="0" vertOverflow="overflow" horzOverflow="overflow" vert="horz" wrap="square" lIns="91440" tIns="45720" rIns="91440" bIns="45720" numCol="1" spcCol="0" rtlCol="0" fromWordArt="0" anchor="ctr" anchorCtr="0" forceAA="0" compatLnSpc="1">
+            <a:prstTxWarp prst="textNoShape">
+              <a:avLst/>
+            </a:prstTxWarp>
+            <a:noAutofit/>
+          </a:bodyPr>
+          <a:lstStyle/>
+          <a:p>
+            <a:pPr algn="ctr"/>
+            <a:endParaRPr lang="en-US"/>
+          </a:p>
+        </p:txBody>
+      </p:sp>
+      <p:cxnSp>
+        <p:nvCxnSpPr>
+          <p:cNvPr id="86" name="Straight Connector 85">
+            <a:extLst>
+              <a:ext uri="{FF2B5EF4-FFF2-40B4-BE49-F238E27FC236}">
+                <a16:creationId xmlns:a16="http://schemas.microsoft.com/office/drawing/2014/main" id="{067F6B3E-1FE2-D149-BF38-E011B5B81587}"/>
+              </a:ext>
+            </a:extLst>
+          </p:cNvPr>
+          <p:cNvCxnSpPr>
+            <a:cxnSpLocks/>
+            <a:stCxn id="62" idx="0"/>
+          </p:cNvCxnSpPr>
+          <p:nvPr/>
+        </p:nvCxnSpPr>
+        <p:spPr>
+          <a:xfrm flipV="1">
+            <a:off x="2013543" y="1352178"/>
+            <a:ext cx="2518314" cy="2176916"/>
+          </a:xfrm>
+          <a:prstGeom prst="line">
+            <a:avLst/>
+          </a:prstGeom>
+        </p:spPr>
+        <p:style>
+          <a:lnRef idx="1">
+            <a:schemeClr val="accent1"/>
+          </a:lnRef>
+          <a:fillRef idx="0">
+            <a:schemeClr val="accent1"/>
+          </a:fillRef>
+          <a:effectRef idx="0">
+            <a:schemeClr val="accent1"/>
+          </a:effectRef>
+          <a:fontRef idx="minor">
+            <a:schemeClr val="tx1"/>
+          </a:fontRef>
+        </p:style>
+      </p:cxnSp>
+      <p:cxnSp>
+        <p:nvCxnSpPr>
+          <p:cNvPr id="88" name="Straight Connector 87">
+            <a:extLst>
+              <a:ext uri="{FF2B5EF4-FFF2-40B4-BE49-F238E27FC236}">
+                <a16:creationId xmlns:a16="http://schemas.microsoft.com/office/drawing/2014/main" id="{9080A493-1843-F845-9D6A-3225BCA46A67}"/>
+              </a:ext>
+            </a:extLst>
+          </p:cNvPr>
+          <p:cNvCxnSpPr>
+            <a:cxnSpLocks/>
+          </p:cNvCxnSpPr>
+          <p:nvPr/>
+        </p:nvCxnSpPr>
+        <p:spPr>
+          <a:xfrm flipV="1">
+            <a:off x="2780127" y="1352178"/>
+            <a:ext cx="3434226" cy="3009594"/>
+          </a:xfrm>
+          <a:prstGeom prst="line">
+            <a:avLst/>
+          </a:prstGeom>
+        </p:spPr>
+        <p:style>
+          <a:lnRef idx="1">
+            <a:schemeClr val="accent1"/>
+          </a:lnRef>
+          <a:fillRef idx="0">
+            <a:schemeClr val="accent1"/>
+          </a:fillRef>
+          <a:effectRef idx="0">
+            <a:schemeClr val="accent1"/>
+          </a:effectRef>
+          <a:fontRef idx="minor">
+            <a:schemeClr val="tx1"/>
+          </a:fontRef>
+        </p:style>
+      </p:cxnSp>
+      <p:sp>
+        <p:nvSpPr>
+          <p:cNvPr id="89" name="Oval 88">
+            <a:extLst>
+              <a:ext uri="{FF2B5EF4-FFF2-40B4-BE49-F238E27FC236}">
+                <a16:creationId xmlns:a16="http://schemas.microsoft.com/office/drawing/2014/main" id="{2422ADF4-17B7-6A4B-A696-494763C27123}"/>
+              </a:ext>
+            </a:extLst>
+          </p:cNvPr>
+          <p:cNvSpPr/>
+          <p:nvPr/>
+        </p:nvSpPr>
+        <p:spPr>
+          <a:xfrm rot="19046997">
+            <a:off x="2114945" y="3264529"/>
+            <a:ext cx="889000" cy="1130300"/>
+          </a:xfrm>
+          <a:prstGeom prst="ellipse">
+            <a:avLst/>
+          </a:prstGeom>
+          <a:noFill/>
+        </p:spPr>
+        <p:style>
+          <a:lnRef idx="2">
+            <a:schemeClr val="accent1">
+              <a:shade val="50000"/>
+            </a:schemeClr>
+          </a:lnRef>
+          <a:fillRef idx="1">
+            <a:schemeClr val="accent1"/>
+          </a:fillRef>
+          <a:effectRef idx="0">
+            <a:schemeClr val="accent1"/>
+          </a:effectRef>
+          <a:fontRef idx="minor">
+            <a:schemeClr val="lt1"/>
+          </a:fontRef>
+        </p:style>
+        <p:txBody>
+          <a:bodyPr rtlCol="0" anchor="ctr"/>
+          <a:lstStyle/>
+          <a:p>
+            <a:pPr algn="ctr"/>
+            <a:endParaRPr lang="en-US"/>
+          </a:p>
+        </p:txBody>
+      </p:sp>
+      <p:sp>
+        <p:nvSpPr>
+          <p:cNvPr id="90" name="Oval 89">
+            <a:extLst>
+              <a:ext uri="{FF2B5EF4-FFF2-40B4-BE49-F238E27FC236}">
+                <a16:creationId xmlns:a16="http://schemas.microsoft.com/office/drawing/2014/main" id="{3E55F147-26A7-2E4B-A3B0-A88C6042914D}"/>
+              </a:ext>
+            </a:extLst>
+          </p:cNvPr>
+          <p:cNvSpPr/>
+          <p:nvPr/>
+        </p:nvSpPr>
+        <p:spPr>
+          <a:xfrm rot="19046997">
+            <a:off x="2196281" y="3198268"/>
+            <a:ext cx="889000" cy="1130300"/>
+          </a:xfrm>
+          <a:prstGeom prst="ellipse">
+            <a:avLst/>
+          </a:prstGeom>
+          <a:noFill/>
+        </p:spPr>
+        <p:style>
+          <a:lnRef idx="2">
+            <a:schemeClr val="accent1">
+              <a:shade val="50000"/>
+            </a:schemeClr>
+          </a:lnRef>
+          <a:fillRef idx="1">
+            <a:schemeClr val="accent1"/>
+          </a:fillRef>
+          <a:effectRef idx="0">
+            <a:schemeClr val="accent1"/>
+          </a:effectRef>
+          <a:fontRef idx="minor">
+            <a:schemeClr val="lt1"/>
+          </a:fontRef>
+        </p:style>
+        <p:txBody>
+          <a:bodyPr rtlCol="0" anchor="ctr"/>
+          <a:lstStyle/>
+          <a:p>
+            <a:pPr algn="ctr"/>
+            <a:endParaRPr lang="en-US"/>
+          </a:p>
+        </p:txBody>
+      </p:sp>
+      <p:sp>
+        <p:nvSpPr>
+          <p:cNvPr id="91" name="Oval 90">
+            <a:extLst>
+              <a:ext uri="{FF2B5EF4-FFF2-40B4-BE49-F238E27FC236}">
+                <a16:creationId xmlns:a16="http://schemas.microsoft.com/office/drawing/2014/main" id="{25A2FB67-90BF-E344-833D-E4DFED50481C}"/>
+              </a:ext>
+            </a:extLst>
+          </p:cNvPr>
+          <p:cNvSpPr/>
+          <p:nvPr/>
+        </p:nvSpPr>
+        <p:spPr>
+          <a:xfrm rot="19046997">
+            <a:off x="2557563" y="2890708"/>
+            <a:ext cx="889000" cy="1130300"/>
+          </a:xfrm>
+          <a:prstGeom prst="ellipse">
+            <a:avLst/>
+          </a:prstGeom>
+          <a:noFill/>
+        </p:spPr>
+        <p:style>
+          <a:lnRef idx="2">
+            <a:schemeClr val="accent1">
+              <a:shade val="50000"/>
+            </a:schemeClr>
+          </a:lnRef>
+          <a:fillRef idx="1">
+            <a:schemeClr val="accent1"/>
+          </a:fillRef>
+          <a:effectRef idx="0">
+            <a:schemeClr val="accent1"/>
+          </a:effectRef>
+          <a:fontRef idx="minor">
+            <a:schemeClr val="lt1"/>
+          </a:fontRef>
+        </p:style>
+        <p:txBody>
+          <a:bodyPr rtlCol="0" anchor="ctr"/>
+          <a:lstStyle/>
+          <a:p>
+            <a:pPr algn="ctr"/>
+            <a:endParaRPr lang="en-US"/>
+          </a:p>
+        </p:txBody>
+      </p:sp>
+      <p:cxnSp>
+        <p:nvCxnSpPr>
+          <p:cNvPr id="92" name="Straight Connector 91">
+            <a:extLst>
+              <a:ext uri="{FF2B5EF4-FFF2-40B4-BE49-F238E27FC236}">
+                <a16:creationId xmlns:a16="http://schemas.microsoft.com/office/drawing/2014/main" id="{016A310A-71E9-CA4F-B63D-66098A9566CE}"/>
+              </a:ext>
+            </a:extLst>
+          </p:cNvPr>
+          <p:cNvCxnSpPr/>
+          <p:nvPr/>
+        </p:nvCxnSpPr>
+        <p:spPr>
+          <a:xfrm>
+            <a:off x="2816386" y="3228508"/>
+            <a:ext cx="0" cy="672475"/>
+          </a:xfrm>
+          <a:prstGeom prst="line">
+            <a:avLst/>
+          </a:prstGeom>
+          <a:ln w="25400">
+            <a:solidFill>
+              <a:srgbClr val="FF0000"/>
+            </a:solidFill>
+          </a:ln>
+        </p:spPr>
+        <p:style>
+          <a:lnRef idx="1">
+            <a:schemeClr val="accent1"/>
+          </a:lnRef>
+          <a:fillRef idx="0">
+            <a:schemeClr val="accent1"/>
+          </a:fillRef>
+          <a:effectRef idx="0">
+            <a:schemeClr val="accent1"/>
+          </a:effectRef>
+          <a:fontRef idx="minor">
+            <a:schemeClr val="tx1"/>
+          </a:fontRef>
+        </p:style>
+      </p:cxnSp>
+      <p:cxnSp>
+        <p:nvCxnSpPr>
+          <p:cNvPr id="93" name="Straight Connector 92">
+            <a:extLst>
+              <a:ext uri="{FF2B5EF4-FFF2-40B4-BE49-F238E27FC236}">
+                <a16:creationId xmlns:a16="http://schemas.microsoft.com/office/drawing/2014/main" id="{1A5AC7B5-7E78-384F-BCF6-4A1DCDD12F5E}"/>
+              </a:ext>
+            </a:extLst>
+          </p:cNvPr>
+          <p:cNvCxnSpPr>
+            <a:cxnSpLocks/>
+          </p:cNvCxnSpPr>
+          <p:nvPr/>
+        </p:nvCxnSpPr>
+        <p:spPr>
+          <a:xfrm>
+            <a:off x="2452670" y="3529094"/>
+            <a:ext cx="734014" cy="0"/>
+          </a:xfrm>
+          <a:prstGeom prst="line">
+            <a:avLst/>
+          </a:prstGeom>
+          <a:ln w="25400">
+            <a:solidFill>
+              <a:srgbClr val="FF0000"/>
+            </a:solidFill>
+          </a:ln>
+        </p:spPr>
+        <p:style>
+          <a:lnRef idx="1">
+            <a:schemeClr val="accent1"/>
+          </a:lnRef>
+          <a:fillRef idx="0">
+            <a:schemeClr val="accent1"/>
+          </a:fillRef>
+          <a:effectRef idx="0">
+            <a:schemeClr val="accent1"/>
+          </a:effectRef>
+          <a:fontRef idx="minor">
+            <a:schemeClr val="tx1"/>
+          </a:fontRef>
+        </p:style>
+      </p:cxnSp>
+      <p:sp>
+        <p:nvSpPr>
+          <p:cNvPr id="94" name="Up Arrow 93">
+            <a:extLst>
+              <a:ext uri="{FF2B5EF4-FFF2-40B4-BE49-F238E27FC236}">
+                <a16:creationId xmlns:a16="http://schemas.microsoft.com/office/drawing/2014/main" id="{E424CBC8-9F31-7242-A798-DE420507D516}"/>
+              </a:ext>
+            </a:extLst>
+          </p:cNvPr>
+          <p:cNvSpPr/>
+          <p:nvPr/>
+        </p:nvSpPr>
+        <p:spPr>
+          <a:xfrm>
+            <a:off x="1989901" y="2074319"/>
+            <a:ext cx="548595" cy="965200"/>
+          </a:xfrm>
+          <a:prstGeom prst="upArrow">
+            <a:avLst/>
+          </a:prstGeom>
+          <a:solidFill>
+            <a:srgbClr val="FF0000"/>
+          </a:solidFill>
+          <a:ln>
+            <a:solidFill>
+              <a:schemeClr val="tx1"/>
+            </a:solidFill>
+          </a:ln>
+        </p:spPr>
+        <p:style>
+          <a:lnRef idx="2">
+            <a:schemeClr val="accent1">
+              <a:shade val="50000"/>
+            </a:schemeClr>
+          </a:lnRef>
+          <a:fillRef idx="1">
+            <a:schemeClr val="accent1"/>
+          </a:fillRef>
+          <a:effectRef idx="0">
+            <a:schemeClr val="accent1"/>
+          </a:effectRef>
+          <a:fontRef idx="minor">
+            <a:schemeClr val="lt1"/>
+          </a:fontRef>
+        </p:style>
+        <p:txBody>
+          <a:bodyPr rot="0" spcFirstLastPara="0" vertOverflow="overflow" horzOverflow="overflow" vert="horz" wrap="square" lIns="91440" tIns="45720" rIns="91440" bIns="45720" numCol="1" spcCol="0" rtlCol="0" fromWordArt="0" anchor="ctr" anchorCtr="0" forceAA="0" compatLnSpc="1">
+            <a:prstTxWarp prst="textNoShape">
+              <a:avLst/>
+            </a:prstTxWarp>
+            <a:noAutofit/>
+          </a:bodyPr>
+          <a:lstStyle/>
+          <a:p>
+            <a:pPr algn="ctr"/>
+            <a:endParaRPr lang="en-US">
+              <a:solidFill>
+                <a:schemeClr val="tx1"/>
+              </a:solidFill>
+            </a:endParaRPr>
+          </a:p>
+        </p:txBody>
+      </p:sp>
+      <p:sp>
+        <p:nvSpPr>
+          <p:cNvPr id="95" name="Up Arrow 94">
+            <a:extLst>
+              <a:ext uri="{FF2B5EF4-FFF2-40B4-BE49-F238E27FC236}">
+                <a16:creationId xmlns:a16="http://schemas.microsoft.com/office/drawing/2014/main" id="{24B55B52-5AAD-4E46-88D8-24758F5E6526}"/>
+              </a:ext>
+            </a:extLst>
+          </p:cNvPr>
+          <p:cNvSpPr/>
+          <p:nvPr/>
+        </p:nvSpPr>
+        <p:spPr>
+          <a:xfrm rot="10800000">
+            <a:off x="2121418" y="4858237"/>
+            <a:ext cx="548595" cy="965200"/>
+          </a:xfrm>
+          <a:prstGeom prst="upArrow">
+            <a:avLst/>
+          </a:prstGeom>
+          <a:solidFill>
+            <a:srgbClr val="FF0000"/>
+          </a:solidFill>
+          <a:ln>
+            <a:solidFill>
+              <a:schemeClr val="tx1"/>
+            </a:solidFill>
+          </a:ln>
+        </p:spPr>
+        <p:style>
+          <a:lnRef idx="2">
+            <a:schemeClr val="accent1">
+              <a:shade val="50000"/>
+            </a:schemeClr>
+          </a:lnRef>
+          <a:fillRef idx="1">
+            <a:schemeClr val="accent1"/>
+          </a:fillRef>
+          <a:effectRef idx="0">
+            <a:schemeClr val="accent1"/>
+          </a:effectRef>
+          <a:fontRef idx="minor">
+            <a:schemeClr val="lt1"/>
+          </a:fontRef>
+        </p:style>
+        <p:txBody>
+          <a:bodyPr rot="0" spcFirstLastPara="0" vertOverflow="overflow" horzOverflow="overflow" vert="horz" wrap="square" lIns="91440" tIns="45720" rIns="91440" bIns="45720" numCol="1" spcCol="0" rtlCol="0" fromWordArt="0" anchor="ctr" anchorCtr="0" forceAA="0" compatLnSpc="1">
+            <a:prstTxWarp prst="textNoShape">
+              <a:avLst/>
+            </a:prstTxWarp>
+            <a:noAutofit/>
+          </a:bodyPr>
+          <a:lstStyle/>
+          <a:p>
+            <a:pPr algn="ctr"/>
+            <a:endParaRPr lang="en-US">
+              <a:solidFill>
+                <a:schemeClr val="tx1"/>
+              </a:solidFill>
+            </a:endParaRPr>
+          </a:p>
+        </p:txBody>
+      </p:sp>
+      <p:cxnSp>
+        <p:nvCxnSpPr>
+          <p:cNvPr id="96" name="Straight Connector 95">
+            <a:extLst>
+              <a:ext uri="{FF2B5EF4-FFF2-40B4-BE49-F238E27FC236}">
+                <a16:creationId xmlns:a16="http://schemas.microsoft.com/office/drawing/2014/main" id="{9E6259E0-5521-E94B-AFA4-B9312EFB8665}"/>
+              </a:ext>
+            </a:extLst>
+          </p:cNvPr>
+          <p:cNvCxnSpPr>
+            <a:cxnSpLocks/>
+          </p:cNvCxnSpPr>
+          <p:nvPr/>
+        </p:nvCxnSpPr>
+        <p:spPr>
+          <a:xfrm>
+            <a:off x="2384837" y="4546604"/>
+            <a:ext cx="0" cy="1862628"/>
+          </a:xfrm>
+          <a:prstGeom prst="line">
+            <a:avLst/>
+          </a:prstGeom>
+          <a:ln>
+            <a:solidFill>
+              <a:srgbClr val="FF0000"/>
+            </a:solidFill>
+            <a:prstDash val="dash"/>
+          </a:ln>
+        </p:spPr>
+        <p:style>
+          <a:lnRef idx="1">
+            <a:schemeClr val="accent1"/>
+          </a:lnRef>
+          <a:fillRef idx="0">
+            <a:schemeClr val="accent1"/>
+          </a:fillRef>
+          <a:effectRef idx="0">
+            <a:schemeClr val="accent1"/>
+          </a:effectRef>
+          <a:fontRef idx="minor">
+            <a:schemeClr val="tx1"/>
+          </a:fontRef>
+        </p:style>
+      </p:cxnSp>
+      <p:cxnSp>
+        <p:nvCxnSpPr>
+          <p:cNvPr id="97" name="Straight Connector 96">
+            <a:extLst>
+              <a:ext uri="{FF2B5EF4-FFF2-40B4-BE49-F238E27FC236}">
+                <a16:creationId xmlns:a16="http://schemas.microsoft.com/office/drawing/2014/main" id="{ED53890B-D3C7-2245-A7D8-E9D6563C2317}"/>
+              </a:ext>
+            </a:extLst>
+          </p:cNvPr>
+          <p:cNvCxnSpPr>
+            <a:cxnSpLocks/>
+          </p:cNvCxnSpPr>
+          <p:nvPr/>
+        </p:nvCxnSpPr>
+        <p:spPr>
+          <a:xfrm>
+            <a:off x="2255593" y="1365880"/>
+            <a:ext cx="0" cy="1862628"/>
+          </a:xfrm>
+          <a:prstGeom prst="line">
+            <a:avLst/>
+          </a:prstGeom>
+          <a:ln>
+            <a:solidFill>
+              <a:srgbClr val="FF0000"/>
+            </a:solidFill>
+            <a:prstDash val="dash"/>
+          </a:ln>
+        </p:spPr>
+        <p:style>
+          <a:lnRef idx="1">
+            <a:schemeClr val="accent1"/>
+          </a:lnRef>
+          <a:fillRef idx="0">
+            <a:schemeClr val="accent1"/>
+          </a:fillRef>
+          <a:effectRef idx="0">
+            <a:schemeClr val="accent1"/>
+          </a:effectRef>
+          <a:fontRef idx="minor">
+            <a:schemeClr val="tx1"/>
+          </a:fontRef>
+        </p:style>
+      </p:cxnSp>
+      <p:cxnSp>
+        <p:nvCxnSpPr>
+          <p:cNvPr id="98" name="Straight Connector 97">
+            <a:extLst>
+              <a:ext uri="{FF2B5EF4-FFF2-40B4-BE49-F238E27FC236}">
+                <a16:creationId xmlns:a16="http://schemas.microsoft.com/office/drawing/2014/main" id="{84FBB24E-C234-B844-B3E6-A45EF870938F}"/>
+              </a:ext>
+            </a:extLst>
+          </p:cNvPr>
+          <p:cNvCxnSpPr>
+            <a:cxnSpLocks/>
+          </p:cNvCxnSpPr>
+          <p:nvPr/>
+        </p:nvCxnSpPr>
+        <p:spPr>
+          <a:xfrm>
+            <a:off x="3105348" y="4172783"/>
+            <a:ext cx="2359197" cy="489575"/>
+          </a:xfrm>
+          <a:prstGeom prst="line">
+            <a:avLst/>
+          </a:prstGeom>
+          <a:ln>
+            <a:solidFill>
+              <a:srgbClr val="FF0000"/>
+            </a:solidFill>
+            <a:prstDash val="dash"/>
+          </a:ln>
+        </p:spPr>
+        <p:style>
+          <a:lnRef idx="1">
+            <a:schemeClr val="accent1"/>
+          </a:lnRef>
+          <a:fillRef idx="0">
+            <a:schemeClr val="accent1"/>
+          </a:fillRef>
+          <a:effectRef idx="0">
+            <a:schemeClr val="accent1"/>
+          </a:effectRef>
+          <a:fontRef idx="minor">
+            <a:schemeClr val="tx1"/>
+          </a:fontRef>
+        </p:style>
+      </p:cxnSp>
+      <p:sp>
+        <p:nvSpPr>
+          <p:cNvPr id="99" name="Up Arrow 98">
+            <a:extLst>
+              <a:ext uri="{FF2B5EF4-FFF2-40B4-BE49-F238E27FC236}">
+                <a16:creationId xmlns:a16="http://schemas.microsoft.com/office/drawing/2014/main" id="{A7D5D626-7B7A-5746-AA17-0A396D055780}"/>
+              </a:ext>
+            </a:extLst>
+          </p:cNvPr>
+          <p:cNvSpPr/>
+          <p:nvPr/>
+        </p:nvSpPr>
+        <p:spPr>
+          <a:xfrm rot="6121048">
+            <a:off x="3735124" y="3890887"/>
+            <a:ext cx="548595" cy="965200"/>
+          </a:xfrm>
+          <a:prstGeom prst="upArrow">
+            <a:avLst/>
+          </a:prstGeom>
+          <a:solidFill>
+            <a:srgbClr val="FFFF00"/>
+          </a:solidFill>
+          <a:ln>
+            <a:solidFill>
+              <a:schemeClr val="tx1"/>
+            </a:solidFill>
+          </a:ln>
+        </p:spPr>
+        <p:style>
+          <a:lnRef idx="2">
+            <a:schemeClr val="accent1">
+              <a:shade val="50000"/>
+            </a:schemeClr>
+          </a:lnRef>
+          <a:fillRef idx="1">
+            <a:schemeClr val="accent1"/>
+          </a:fillRef>
+          <a:effectRef idx="0">
+            <a:schemeClr val="accent1"/>
+          </a:effectRef>
+          <a:fontRef idx="minor">
+            <a:schemeClr val="lt1"/>
+          </a:fontRef>
+        </p:style>
+        <p:txBody>
+          <a:bodyPr rot="0" spcFirstLastPara="0" vertOverflow="overflow" horzOverflow="overflow" vert="horz" wrap="square" lIns="91440" tIns="45720" rIns="91440" bIns="45720" numCol="1" spcCol="0" rtlCol="0" fromWordArt="0" anchor="ctr" anchorCtr="0" forceAA="0" compatLnSpc="1">
+            <a:prstTxWarp prst="textNoShape">
+              <a:avLst/>
+            </a:prstTxWarp>
+            <a:noAutofit/>
+          </a:bodyPr>
+          <a:lstStyle/>
+          <a:p>
+            <a:pPr algn="ctr"/>
+            <a:endParaRPr lang="en-US">
+              <a:solidFill>
+                <a:schemeClr val="tx1"/>
+              </a:solidFill>
+            </a:endParaRPr>
+          </a:p>
+        </p:txBody>
+      </p:sp>
+      <p:cxnSp>
+        <p:nvCxnSpPr>
+          <p:cNvPr id="100" name="Straight Connector 99">
+            <a:extLst>
+              <a:ext uri="{FF2B5EF4-FFF2-40B4-BE49-F238E27FC236}">
+                <a16:creationId xmlns:a16="http://schemas.microsoft.com/office/drawing/2014/main" id="{E7A88737-B9A6-DF4A-A57D-1F4C89AB3BD0}"/>
+              </a:ext>
+            </a:extLst>
+          </p:cNvPr>
+          <p:cNvCxnSpPr>
+            <a:cxnSpLocks/>
+          </p:cNvCxnSpPr>
+          <p:nvPr/>
+        </p:nvCxnSpPr>
+        <p:spPr>
+          <a:xfrm flipH="1" flipV="1">
+            <a:off x="-5046" y="3455858"/>
+            <a:ext cx="1668529" cy="351488"/>
+          </a:xfrm>
+          <a:prstGeom prst="line">
+            <a:avLst/>
+          </a:prstGeom>
+          <a:ln>
+            <a:solidFill>
+              <a:srgbClr val="FF0000"/>
+            </a:solidFill>
+            <a:prstDash val="dash"/>
+          </a:ln>
+        </p:spPr>
+        <p:style>
+          <a:lnRef idx="1">
+            <a:schemeClr val="accent1"/>
+          </a:lnRef>
+          <a:fillRef idx="0">
+            <a:schemeClr val="accent1"/>
+          </a:fillRef>
+          <a:effectRef idx="0">
+            <a:schemeClr val="accent1"/>
+          </a:effectRef>
+          <a:fontRef idx="minor">
+            <a:schemeClr val="tx1"/>
+          </a:fontRef>
+        </p:style>
+      </p:cxnSp>
+      <p:sp>
+        <p:nvSpPr>
+          <p:cNvPr id="101" name="Up Arrow 100">
+            <a:extLst>
+              <a:ext uri="{FF2B5EF4-FFF2-40B4-BE49-F238E27FC236}">
+                <a16:creationId xmlns:a16="http://schemas.microsoft.com/office/drawing/2014/main" id="{A0C0A330-6E2C-5547-9C8C-50AA18C1C48D}"/>
+              </a:ext>
+            </a:extLst>
+          </p:cNvPr>
+          <p:cNvSpPr/>
+          <p:nvPr/>
+        </p:nvSpPr>
+        <p:spPr>
+          <a:xfrm rot="16854879">
+            <a:off x="666417" y="3214558"/>
+            <a:ext cx="548595" cy="965200"/>
+          </a:xfrm>
+          <a:prstGeom prst="upArrow">
+            <a:avLst/>
+          </a:prstGeom>
+          <a:solidFill>
+            <a:srgbClr val="FF0000"/>
+          </a:solidFill>
+          <a:ln>
+            <a:solidFill>
+              <a:schemeClr val="tx1"/>
+            </a:solidFill>
+          </a:ln>
+        </p:spPr>
+        <p:style>
+          <a:lnRef idx="2">
+            <a:schemeClr val="accent1">
+              <a:shade val="50000"/>
+            </a:schemeClr>
+          </a:lnRef>
+          <a:fillRef idx="1">
+            <a:schemeClr val="accent1"/>
+          </a:fillRef>
+          <a:effectRef idx="0">
+            <a:schemeClr val="accent1"/>
+          </a:effectRef>
+          <a:fontRef idx="minor">
+            <a:schemeClr val="lt1"/>
+          </a:fontRef>
+        </p:style>
+        <p:txBody>
+          <a:bodyPr rot="0" spcFirstLastPara="0" vertOverflow="overflow" horzOverflow="overflow" vert="horz" wrap="square" lIns="91440" tIns="45720" rIns="91440" bIns="45720" numCol="1" spcCol="0" rtlCol="0" fromWordArt="0" anchor="ctr" anchorCtr="0" forceAA="0" compatLnSpc="1">
+            <a:prstTxWarp prst="textNoShape">
+              <a:avLst/>
+            </a:prstTxWarp>
+            <a:noAutofit/>
+          </a:bodyPr>
+          <a:lstStyle/>
+          <a:p>
+            <a:pPr algn="ctr"/>
+            <a:endParaRPr lang="en-US">
+              <a:solidFill>
+                <a:schemeClr val="tx1"/>
+              </a:solidFill>
+            </a:endParaRPr>
+          </a:p>
+        </p:txBody>
+      </p:sp>
+      <p:sp>
+        <p:nvSpPr>
+          <p:cNvPr id="102" name="Donut 101">
+            <a:extLst>
+              <a:ext uri="{FF2B5EF4-FFF2-40B4-BE49-F238E27FC236}">
+                <a16:creationId xmlns:a16="http://schemas.microsoft.com/office/drawing/2014/main" id="{C2284DC5-C023-F24E-B75B-C68DB543B77A}"/>
+              </a:ext>
+            </a:extLst>
+          </p:cNvPr>
+          <p:cNvSpPr/>
+          <p:nvPr/>
+        </p:nvSpPr>
+        <p:spPr>
+          <a:xfrm rot="18429553">
+            <a:off x="2906964" y="2211404"/>
+            <a:ext cx="1248760" cy="1571192"/>
+          </a:xfrm>
+          <a:prstGeom prst="donut">
+            <a:avLst>
+              <a:gd name="adj" fmla="val 7286"/>
+            </a:avLst>
+          </a:prstGeom>
+          <a:solidFill>
+            <a:schemeClr val="tx1">
+              <a:lumMod val="50000"/>
+              <a:lumOff val="50000"/>
+            </a:schemeClr>
+          </a:solidFill>
+          <a:ln>
+            <a:solidFill>
+              <a:schemeClr val="tx1"/>
+            </a:solidFill>
+          </a:ln>
+        </p:spPr>
+        <p:style>
+          <a:lnRef idx="2">
+            <a:schemeClr val="accent1">
+              <a:shade val="50000"/>
+            </a:schemeClr>
+          </a:lnRef>
+          <a:fillRef idx="1">
+            <a:schemeClr val="accent1"/>
+          </a:fillRef>
+          <a:effectRef idx="0">
+            <a:schemeClr val="accent1"/>
+          </a:effectRef>
+          <a:fontRef idx="minor">
+            <a:schemeClr val="lt1"/>
+          </a:fontRef>
+        </p:style>
+        <p:txBody>
+          <a:bodyPr rtlCol="0" anchor="ctr"/>
+          <a:lstStyle/>
+          <a:p>
+            <a:pPr algn="ctr"/>
+            <a:endParaRPr lang="en-US">
+              <a:solidFill>
+                <a:schemeClr val="tx1"/>
+              </a:solidFill>
+            </a:endParaRPr>
+          </a:p>
+        </p:txBody>
+      </p:sp>
+      <p:sp>
+        <p:nvSpPr>
+          <p:cNvPr id="103" name="Donut 102">
+            <a:extLst>
+              <a:ext uri="{FF2B5EF4-FFF2-40B4-BE49-F238E27FC236}">
+                <a16:creationId xmlns:a16="http://schemas.microsoft.com/office/drawing/2014/main" id="{F6771FDC-6330-D243-98AE-ACA7070B72BF}"/>
+              </a:ext>
+            </a:extLst>
+          </p:cNvPr>
+          <p:cNvSpPr/>
+          <p:nvPr/>
+        </p:nvSpPr>
+        <p:spPr>
+          <a:xfrm rot="18429553">
+            <a:off x="2381807" y="2657681"/>
+            <a:ext cx="1248760" cy="1571192"/>
+          </a:xfrm>
+          <a:prstGeom prst="donut">
+            <a:avLst>
+              <a:gd name="adj" fmla="val 7286"/>
+            </a:avLst>
+          </a:prstGeom>
+          <a:solidFill>
+            <a:schemeClr val="tx1">
+              <a:lumMod val="50000"/>
+              <a:lumOff val="50000"/>
+            </a:schemeClr>
+          </a:solidFill>
+          <a:ln>
+            <a:solidFill>
+              <a:schemeClr val="tx1"/>
+            </a:solidFill>
+          </a:ln>
+        </p:spPr>
+        <p:style>
+          <a:lnRef idx="2">
+            <a:schemeClr val="accent1">
+              <a:shade val="50000"/>
+            </a:schemeClr>
+          </a:lnRef>
+          <a:fillRef idx="1">
+            <a:schemeClr val="accent1"/>
+          </a:fillRef>
+          <a:effectRef idx="0">
+            <a:schemeClr val="accent1"/>
+          </a:effectRef>
+          <a:fontRef idx="minor">
+            <a:schemeClr val="lt1"/>
+          </a:fontRef>
+        </p:style>
+        <p:txBody>
+          <a:bodyPr rtlCol="0" anchor="ctr"/>
+          <a:lstStyle/>
+          <a:p>
+            <a:pPr algn="ctr"/>
+            <a:endParaRPr lang="en-US">
+              <a:solidFill>
+                <a:schemeClr val="tx1"/>
+              </a:solidFill>
+            </a:endParaRPr>
+          </a:p>
+        </p:txBody>
+      </p:sp>
+      <p:sp>
+        <p:nvSpPr>
+          <p:cNvPr id="104" name="Donut 103">
+            <a:extLst>
+              <a:ext uri="{FF2B5EF4-FFF2-40B4-BE49-F238E27FC236}">
+                <a16:creationId xmlns:a16="http://schemas.microsoft.com/office/drawing/2014/main" id="{DF6E77D8-21B8-0C49-834E-1830CB88F844}"/>
+              </a:ext>
+            </a:extLst>
+          </p:cNvPr>
+          <p:cNvSpPr/>
+          <p:nvPr/>
+        </p:nvSpPr>
+        <p:spPr>
+          <a:xfrm rot="18429553">
+            <a:off x="1929738" y="3065343"/>
+            <a:ext cx="1248760" cy="1571192"/>
+          </a:xfrm>
+          <a:prstGeom prst="donut">
+            <a:avLst>
+              <a:gd name="adj" fmla="val 7286"/>
+            </a:avLst>
+          </a:prstGeom>
+          <a:solidFill>
+            <a:schemeClr val="tx1">
+              <a:lumMod val="50000"/>
+              <a:lumOff val="50000"/>
+            </a:schemeClr>
+          </a:solidFill>
+          <a:ln>
+            <a:solidFill>
+              <a:schemeClr val="tx1"/>
+            </a:solidFill>
+          </a:ln>
+        </p:spPr>
+        <p:style>
+          <a:lnRef idx="2">
+            <a:schemeClr val="accent1">
+              <a:shade val="50000"/>
+            </a:schemeClr>
+          </a:lnRef>
+          <a:fillRef idx="1">
+            <a:schemeClr val="accent1"/>
+          </a:fillRef>
+          <a:effectRef idx="0">
+            <a:schemeClr val="accent1"/>
+          </a:effectRef>
+          <a:fontRef idx="minor">
+            <a:schemeClr val="lt1"/>
+          </a:fontRef>
+        </p:style>
+        <p:txBody>
+          <a:bodyPr rtlCol="0" anchor="ctr"/>
+          <a:lstStyle/>
+          <a:p>
+            <a:pPr algn="ctr"/>
+            <a:endParaRPr lang="en-US">
+              <a:solidFill>
+                <a:schemeClr val="tx1"/>
+              </a:solidFill>
+            </a:endParaRPr>
+          </a:p>
+        </p:txBody>
+      </p:sp>
+      <p:sp>
+        <p:nvSpPr>
+          <p:cNvPr id="105" name="Donut 104">
+            <a:extLst>
+              <a:ext uri="{FF2B5EF4-FFF2-40B4-BE49-F238E27FC236}">
+                <a16:creationId xmlns:a16="http://schemas.microsoft.com/office/drawing/2014/main" id="{17C1E6A9-04C2-F54A-B841-2646D62FA588}"/>
+              </a:ext>
+            </a:extLst>
+          </p:cNvPr>
+          <p:cNvSpPr/>
+          <p:nvPr/>
+        </p:nvSpPr>
+        <p:spPr>
+          <a:xfrm rot="18429553">
+            <a:off x="1771336" y="3166769"/>
+            <a:ext cx="1248760" cy="1571192"/>
+          </a:xfrm>
+          <a:prstGeom prst="donut">
+            <a:avLst>
+              <a:gd name="adj" fmla="val 7286"/>
+            </a:avLst>
+          </a:prstGeom>
+          <a:solidFill>
+            <a:srgbClr val="FF0000"/>
+          </a:solidFill>
+          <a:ln>
+            <a:solidFill>
+              <a:schemeClr val="tx1"/>
+            </a:solidFill>
+          </a:ln>
+        </p:spPr>
+        <p:style>
+          <a:lnRef idx="2">
+            <a:schemeClr val="accent1">
+              <a:shade val="50000"/>
+            </a:schemeClr>
+          </a:lnRef>
+          <a:fillRef idx="1">
+            <a:schemeClr val="accent1"/>
+          </a:fillRef>
+          <a:effectRef idx="0">
+            <a:schemeClr val="accent1"/>
+          </a:effectRef>
+          <a:fontRef idx="minor">
+            <a:schemeClr val="lt1"/>
+          </a:fontRef>
+        </p:style>
+        <p:txBody>
+          <a:bodyPr rtlCol="0" anchor="ctr"/>
+          <a:lstStyle/>
+          <a:p>
+            <a:pPr algn="ctr"/>
+            <a:endParaRPr lang="en-US">
+              <a:solidFill>
+                <a:schemeClr val="tx1"/>
+              </a:solidFill>
+            </a:endParaRPr>
+          </a:p>
+        </p:txBody>
+      </p:sp>
+      <p:cxnSp>
+        <p:nvCxnSpPr>
+          <p:cNvPr id="107" name="Straight Arrow Connector 106">
+            <a:extLst>
+              <a:ext uri="{FF2B5EF4-FFF2-40B4-BE49-F238E27FC236}">
+                <a16:creationId xmlns:a16="http://schemas.microsoft.com/office/drawing/2014/main" id="{FFA914B8-1B95-414E-8157-8D25B463A999}"/>
+              </a:ext>
+            </a:extLst>
+          </p:cNvPr>
+          <p:cNvCxnSpPr>
+            <a:cxnSpLocks/>
+            <a:endCxn id="103" idx="6"/>
+          </p:cNvCxnSpPr>
+          <p:nvPr/>
+        </p:nvCxnSpPr>
+        <p:spPr>
+          <a:xfrm flipH="1">
+            <a:off x="3383332" y="1327452"/>
+            <a:ext cx="846141" cy="1618219"/>
+          </a:xfrm>
+          <a:prstGeom prst="straightConnector1">
+            <a:avLst/>
+          </a:prstGeom>
+          <a:ln>
+            <a:solidFill>
+              <a:schemeClr val="bg1">
+                <a:lumMod val="85000"/>
+              </a:schemeClr>
+            </a:solidFill>
+            <a:tailEnd type="triangle"/>
+          </a:ln>
+        </p:spPr>
+        <p:style>
+          <a:lnRef idx="1">
+            <a:schemeClr val="accent1"/>
+          </a:lnRef>
+          <a:fillRef idx="0">
+            <a:schemeClr val="accent1"/>
+          </a:fillRef>
+          <a:effectRef idx="0">
+            <a:schemeClr val="accent1"/>
+          </a:effectRef>
+          <a:fontRef idx="minor">
+            <a:schemeClr val="tx1"/>
+          </a:fontRef>
+        </p:style>
+      </p:cxnSp>
+      <p:cxnSp>
+        <p:nvCxnSpPr>
+          <p:cNvPr id="108" name="Straight Arrow Connector 107">
+            <a:extLst>
+              <a:ext uri="{FF2B5EF4-FFF2-40B4-BE49-F238E27FC236}">
+                <a16:creationId xmlns:a16="http://schemas.microsoft.com/office/drawing/2014/main" id="{BF362A89-B89A-8A40-B72A-FE4CDDBFD67B}"/>
+              </a:ext>
+            </a:extLst>
+          </p:cNvPr>
+          <p:cNvCxnSpPr>
+            <a:cxnSpLocks/>
+            <a:endCxn id="102" idx="6"/>
+          </p:cNvCxnSpPr>
+          <p:nvPr/>
+        </p:nvCxnSpPr>
+        <p:spPr>
+          <a:xfrm flipH="1">
+            <a:off x="3908489" y="1327452"/>
+            <a:ext cx="320984" cy="1171942"/>
+          </a:xfrm>
+          <a:prstGeom prst="straightConnector1">
+            <a:avLst/>
+          </a:prstGeom>
+          <a:ln>
+            <a:solidFill>
+              <a:schemeClr val="bg1">
+                <a:lumMod val="85000"/>
+              </a:schemeClr>
+            </a:solidFill>
+            <a:tailEnd type="triangle"/>
+          </a:ln>
+        </p:spPr>
+        <p:style>
+          <a:lnRef idx="1">
+            <a:schemeClr val="accent1"/>
+          </a:lnRef>
+          <a:fillRef idx="0">
+            <a:schemeClr val="accent1"/>
+          </a:fillRef>
+          <a:effectRef idx="0">
+            <a:schemeClr val="accent1"/>
+          </a:effectRef>
+          <a:fontRef idx="minor">
+            <a:schemeClr val="tx1"/>
+          </a:fontRef>
+        </p:style>
+      </p:cxnSp>
+      <p:cxnSp>
+        <p:nvCxnSpPr>
+          <p:cNvPr id="109" name="Straight Arrow Connector 108">
+            <a:extLst>
+              <a:ext uri="{FF2B5EF4-FFF2-40B4-BE49-F238E27FC236}">
+                <a16:creationId xmlns:a16="http://schemas.microsoft.com/office/drawing/2014/main" id="{2F94396A-8C42-224F-98B8-6CC6B18DF8C7}"/>
+              </a:ext>
+            </a:extLst>
+          </p:cNvPr>
+          <p:cNvCxnSpPr>
+            <a:cxnSpLocks/>
+            <a:endCxn id="104" idx="6"/>
+          </p:cNvCxnSpPr>
+          <p:nvPr/>
+        </p:nvCxnSpPr>
+        <p:spPr>
+          <a:xfrm flipH="1">
+            <a:off x="2931263" y="1327452"/>
+            <a:ext cx="1298210" cy="2025881"/>
+          </a:xfrm>
+          <a:prstGeom prst="straightConnector1">
+            <a:avLst/>
+          </a:prstGeom>
+          <a:ln>
+            <a:solidFill>
+              <a:schemeClr val="bg1">
+                <a:lumMod val="85000"/>
+              </a:schemeClr>
+            </a:solidFill>
+            <a:tailEnd type="triangle"/>
+          </a:ln>
+        </p:spPr>
+        <p:style>
+          <a:lnRef idx="1">
+            <a:schemeClr val="accent1"/>
+          </a:lnRef>
+          <a:fillRef idx="0">
+            <a:schemeClr val="accent1"/>
+          </a:fillRef>
+          <a:effectRef idx="0">
+            <a:schemeClr val="accent1"/>
+          </a:effectRef>
+          <a:fontRef idx="minor">
+            <a:schemeClr val="tx1"/>
+          </a:fontRef>
+        </p:style>
+      </p:cxnSp>
+      <p:sp>
+        <p:nvSpPr>
+          <p:cNvPr id="110" name="TextBox 109">
+            <a:extLst>
+              <a:ext uri="{FF2B5EF4-FFF2-40B4-BE49-F238E27FC236}">
+                <a16:creationId xmlns:a16="http://schemas.microsoft.com/office/drawing/2014/main" id="{DE26CE4D-51BA-A24C-938C-52226149BED2}"/>
+              </a:ext>
+            </a:extLst>
+          </p:cNvPr>
+          <p:cNvSpPr txBox="1"/>
+          <p:nvPr/>
+        </p:nvSpPr>
+        <p:spPr>
+          <a:xfrm>
+            <a:off x="3269076" y="5354619"/>
+            <a:ext cx="3448508" cy="646331"/>
+          </a:xfrm>
+          <a:prstGeom prst="rect">
+            <a:avLst/>
+          </a:prstGeom>
+          <a:noFill/>
+        </p:spPr>
+        <p:txBody>
+          <a:bodyPr wrap="none" rtlCol="0">
+            <a:spAutoFit/>
+          </a:bodyPr>
+          <a:lstStyle/>
+          <a:p>
+            <a:r>
+              <a:rPr lang="en-US" dirty="0"/>
+              <a:t>Relevant handles</a:t>
+            </a:r>
+          </a:p>
+          <a:p>
+            <a:r>
+              <a:rPr lang="en-US" dirty="0"/>
+              <a:t>(if extrude end is free at click time)</a:t>
+            </a:r>
+          </a:p>
+        </p:txBody>
+      </p:sp>
+      <p:sp>
+        <p:nvSpPr>
+          <p:cNvPr id="114" name="TextBox 113">
+            <a:extLst>
+              <a:ext uri="{FF2B5EF4-FFF2-40B4-BE49-F238E27FC236}">
+                <a16:creationId xmlns:a16="http://schemas.microsoft.com/office/drawing/2014/main" id="{7B02427D-E6F5-CE4C-AED7-545ADDF3A6ED}"/>
+              </a:ext>
+            </a:extLst>
+          </p:cNvPr>
+          <p:cNvSpPr txBox="1"/>
+          <p:nvPr/>
+        </p:nvSpPr>
+        <p:spPr>
+          <a:xfrm>
+            <a:off x="3204891" y="1374483"/>
+            <a:ext cx="601511" cy="369332"/>
+          </a:xfrm>
+          <a:prstGeom prst="rect">
+            <a:avLst/>
+          </a:prstGeom>
+          <a:noFill/>
+        </p:spPr>
+        <p:txBody>
+          <a:bodyPr wrap="none" rtlCol="0">
+            <a:spAutoFit/>
+          </a:bodyPr>
+          <a:lstStyle/>
+          <a:p>
+            <a:r>
+              <a:rPr lang="en-US" dirty="0"/>
+              <a:t>drag</a:t>
+            </a:r>
+          </a:p>
+        </p:txBody>
+      </p:sp>
+      <p:cxnSp>
+        <p:nvCxnSpPr>
+          <p:cNvPr id="30" name="Curved Connector 29">
+            <a:extLst>
+              <a:ext uri="{FF2B5EF4-FFF2-40B4-BE49-F238E27FC236}">
+                <a16:creationId xmlns:a16="http://schemas.microsoft.com/office/drawing/2014/main" id="{FA23CC8E-1812-9A40-905D-2021C4B3E224}"/>
+              </a:ext>
+            </a:extLst>
+          </p:cNvPr>
+          <p:cNvCxnSpPr>
+            <a:cxnSpLocks/>
+            <a:stCxn id="94" idx="0"/>
+            <a:endCxn id="114" idx="1"/>
+          </p:cNvCxnSpPr>
+          <p:nvPr/>
+        </p:nvCxnSpPr>
+        <p:spPr>
+          <a:xfrm rot="5400000" flipH="1" flipV="1">
+            <a:off x="2476960" y="1346388"/>
+            <a:ext cx="515170" cy="940692"/>
+          </a:xfrm>
+          <a:prstGeom prst="curvedConnector2">
+            <a:avLst/>
+          </a:prstGeom>
+          <a:ln>
+            <a:tailEnd type="triangle"/>
+          </a:ln>
+        </p:spPr>
+        <p:style>
+          <a:lnRef idx="1">
+            <a:schemeClr val="accent1"/>
+          </a:lnRef>
+          <a:fillRef idx="0">
+            <a:schemeClr val="accent1"/>
+          </a:fillRef>
+          <a:effectRef idx="0">
+            <a:schemeClr val="accent1"/>
+          </a:effectRef>
+          <a:fontRef idx="minor">
+            <a:schemeClr val="tx1"/>
+          </a:fontRef>
+        </p:style>
+      </p:cxnSp>
+      <p:cxnSp>
+        <p:nvCxnSpPr>
+          <p:cNvPr id="115" name="Curved Connector 114">
+            <a:extLst>
+              <a:ext uri="{FF2B5EF4-FFF2-40B4-BE49-F238E27FC236}">
+                <a16:creationId xmlns:a16="http://schemas.microsoft.com/office/drawing/2014/main" id="{A4CA474F-D751-1B49-9C26-5C62990745FB}"/>
+              </a:ext>
+            </a:extLst>
+          </p:cNvPr>
+          <p:cNvCxnSpPr>
+            <a:cxnSpLocks/>
+            <a:stCxn id="114" idx="3"/>
+          </p:cNvCxnSpPr>
+          <p:nvPr/>
+        </p:nvCxnSpPr>
+        <p:spPr>
+          <a:xfrm>
+            <a:off x="3806402" y="1559149"/>
+            <a:ext cx="3938857" cy="1253102"/>
+          </a:xfrm>
+          <a:prstGeom prst="curvedConnector3">
+            <a:avLst/>
+          </a:prstGeom>
+          <a:ln>
+            <a:tailEnd type="triangle"/>
+          </a:ln>
+        </p:spPr>
+        <p:style>
+          <a:lnRef idx="1">
+            <a:schemeClr val="accent1"/>
+          </a:lnRef>
+          <a:fillRef idx="0">
+            <a:schemeClr val="accent1"/>
+          </a:fillRef>
+          <a:effectRef idx="0">
+            <a:schemeClr val="accent1"/>
+          </a:effectRef>
+          <a:fontRef idx="minor">
+            <a:schemeClr val="tx1"/>
+          </a:fontRef>
+        </p:style>
+      </p:cxnSp>
+    </p:spTree>
+    <p:extLst>
+      <p:ext uri="{BB962C8B-B14F-4D97-AF65-F5344CB8AC3E}">
+        <p14:creationId xmlns:p14="http://schemas.microsoft.com/office/powerpoint/2010/main" val="3791907735"/>
+      </p:ext>
+    </p:extLst>
+  </p:cSld>
+  <p:clrMapOvr>
+    <a:masterClrMapping/>
+  </p:clrMapOvr>
+</p:sld>
+</file>
+
+<file path=ppt/slides/slide4.xml><?xml version="1.0" encoding="utf-8"?>
+<p:sld xmlns:a="http://schemas.openxmlformats.org/drawingml/2006/main" xmlns:r="http://schemas.openxmlformats.org/officeDocument/2006/relationships" xmlns:p="http://schemas.openxmlformats.org/presentationml/2006/main">
+  <p:cSld>
+    <p:spTree>
+      <p:nvGrpSpPr>
+        <p:cNvPr id="1" name=""/>
+        <p:cNvGrpSpPr/>
+        <p:nvPr/>
+      </p:nvGrpSpPr>
+      <p:grpSpPr>
+        <a:xfrm>
+          <a:off x="0" y="0"/>
+          <a:ext cx="0" cy="0"/>
+          <a:chOff x="0" y="0"/>
+          <a:chExt cx="0" cy="0"/>
+        </a:xfrm>
+      </p:grpSpPr>
+      <p:sp>
+        <p:nvSpPr>
+          <p:cNvPr id="64" name="TextBox 63">
+            <a:extLst>
+              <a:ext uri="{FF2B5EF4-FFF2-40B4-BE49-F238E27FC236}">
+                <a16:creationId xmlns:a16="http://schemas.microsoft.com/office/drawing/2014/main" id="{5E77A2ED-2A21-4344-8CFC-F083CD8000BA}"/>
+              </a:ext>
+            </a:extLst>
+          </p:cNvPr>
+          <p:cNvSpPr txBox="1"/>
+          <p:nvPr/>
+        </p:nvSpPr>
+        <p:spPr>
+          <a:xfrm>
+            <a:off x="218081" y="219456"/>
+            <a:ext cx="2625078" cy="461665"/>
+          </a:xfrm>
+          <a:prstGeom prst="rect">
+            <a:avLst/>
+          </a:prstGeom>
+          <a:noFill/>
+        </p:spPr>
+        <p:txBody>
+          <a:bodyPr wrap="none" rtlCol="0">
+            <a:spAutoFit/>
+          </a:bodyPr>
+          <a:lstStyle/>
+          <a:p>
+            <a:r>
+              <a:rPr lang="en-US" sz="2400" b="1" dirty="0"/>
+              <a:t>Continuation (1/3)</a:t>
+            </a:r>
+          </a:p>
+        </p:txBody>
+      </p:sp>
+      <p:sp>
+        <p:nvSpPr>
+          <p:cNvPr id="62" name="Oval 61">
+            <a:extLst>
+              <a:ext uri="{FF2B5EF4-FFF2-40B4-BE49-F238E27FC236}">
+                <a16:creationId xmlns:a16="http://schemas.microsoft.com/office/drawing/2014/main" id="{4707EF4C-9920-544F-9D9E-AA313A0BB796}"/>
+              </a:ext>
+            </a:extLst>
+          </p:cNvPr>
+          <p:cNvSpPr/>
+          <p:nvPr/>
+        </p:nvSpPr>
+        <p:spPr>
+          <a:xfrm rot="19046997">
+            <a:off x="4799422" y="3195617"/>
+            <a:ext cx="889000" cy="1130300"/>
+          </a:xfrm>
+          <a:prstGeom prst="ellipse">
+            <a:avLst/>
+          </a:prstGeom>
+          <a:noFill/>
+        </p:spPr>
+        <p:style>
+          <a:lnRef idx="2">
+            <a:schemeClr val="accent1">
+              <a:shade val="50000"/>
+            </a:schemeClr>
+          </a:lnRef>
+          <a:fillRef idx="1">
+            <a:schemeClr val="accent1"/>
+          </a:fillRef>
+          <a:effectRef idx="0">
+            <a:schemeClr val="accent1"/>
+          </a:effectRef>
+          <a:fontRef idx="minor">
+            <a:schemeClr val="lt1"/>
+          </a:fontRef>
+        </p:style>
+        <p:txBody>
+          <a:bodyPr rtlCol="0" anchor="ctr"/>
+          <a:lstStyle/>
+          <a:p>
+            <a:pPr algn="ctr"/>
+            <a:endParaRPr lang="en-US"/>
+          </a:p>
+        </p:txBody>
+      </p:sp>
+      <p:cxnSp>
+        <p:nvCxnSpPr>
+          <p:cNvPr id="86" name="Straight Connector 85">
+            <a:extLst>
+              <a:ext uri="{FF2B5EF4-FFF2-40B4-BE49-F238E27FC236}">
+                <a16:creationId xmlns:a16="http://schemas.microsoft.com/office/drawing/2014/main" id="{067F6B3E-1FE2-D149-BF38-E011B5B81587}"/>
+              </a:ext>
+            </a:extLst>
+          </p:cNvPr>
+          <p:cNvCxnSpPr>
+            <a:cxnSpLocks/>
+            <a:stCxn id="62" idx="0"/>
+          </p:cNvCxnSpPr>
+          <p:nvPr/>
+        </p:nvCxnSpPr>
+        <p:spPr>
+          <a:xfrm flipV="1">
+            <a:off x="4861748" y="1167512"/>
+            <a:ext cx="2518314" cy="2176916"/>
+          </a:xfrm>
+          <a:prstGeom prst="line">
+            <a:avLst/>
+          </a:prstGeom>
+        </p:spPr>
+        <p:style>
+          <a:lnRef idx="1">
+            <a:schemeClr val="accent1"/>
+          </a:lnRef>
+          <a:fillRef idx="0">
+            <a:schemeClr val="accent1"/>
+          </a:fillRef>
+          <a:effectRef idx="0">
+            <a:schemeClr val="accent1"/>
+          </a:effectRef>
+          <a:fontRef idx="minor">
+            <a:schemeClr val="tx1"/>
+          </a:fontRef>
+        </p:style>
+      </p:cxnSp>
+      <p:cxnSp>
+        <p:nvCxnSpPr>
+          <p:cNvPr id="88" name="Straight Connector 87">
+            <a:extLst>
+              <a:ext uri="{FF2B5EF4-FFF2-40B4-BE49-F238E27FC236}">
+                <a16:creationId xmlns:a16="http://schemas.microsoft.com/office/drawing/2014/main" id="{9080A493-1843-F845-9D6A-3225BCA46A67}"/>
+              </a:ext>
+            </a:extLst>
+          </p:cNvPr>
+          <p:cNvCxnSpPr>
+            <a:cxnSpLocks/>
+          </p:cNvCxnSpPr>
+          <p:nvPr/>
+        </p:nvCxnSpPr>
+        <p:spPr>
+          <a:xfrm flipV="1">
+            <a:off x="5628332" y="1167512"/>
+            <a:ext cx="3434226" cy="3009594"/>
+          </a:xfrm>
+          <a:prstGeom prst="line">
+            <a:avLst/>
+          </a:prstGeom>
+        </p:spPr>
+        <p:style>
+          <a:lnRef idx="1">
+            <a:schemeClr val="accent1"/>
+          </a:lnRef>
+          <a:fillRef idx="0">
+            <a:schemeClr val="accent1"/>
+          </a:fillRef>
+          <a:effectRef idx="0">
+            <a:schemeClr val="accent1"/>
+          </a:effectRef>
+          <a:fontRef idx="minor">
+            <a:schemeClr val="tx1"/>
+          </a:fontRef>
+        </p:style>
+      </p:cxnSp>
+      <p:sp>
+        <p:nvSpPr>
+          <p:cNvPr id="89" name="Oval 88">
+            <a:extLst>
+              <a:ext uri="{FF2B5EF4-FFF2-40B4-BE49-F238E27FC236}">
+                <a16:creationId xmlns:a16="http://schemas.microsoft.com/office/drawing/2014/main" id="{2422ADF4-17B7-6A4B-A696-494763C27123}"/>
+              </a:ext>
+            </a:extLst>
+          </p:cNvPr>
+          <p:cNvSpPr/>
+          <p:nvPr/>
+        </p:nvSpPr>
+        <p:spPr>
+          <a:xfrm rot="19046997">
+            <a:off x="4963150" y="3079863"/>
+            <a:ext cx="889000" cy="1130300"/>
+          </a:xfrm>
+          <a:prstGeom prst="ellipse">
+            <a:avLst/>
+          </a:prstGeom>
+          <a:noFill/>
+        </p:spPr>
+        <p:style>
+          <a:lnRef idx="2">
+            <a:schemeClr val="accent1">
+              <a:shade val="50000"/>
+            </a:schemeClr>
+          </a:lnRef>
+          <a:fillRef idx="1">
+            <a:schemeClr val="accent1"/>
+          </a:fillRef>
+          <a:effectRef idx="0">
+            <a:schemeClr val="accent1"/>
+          </a:effectRef>
+          <a:fontRef idx="minor">
+            <a:schemeClr val="lt1"/>
+          </a:fontRef>
+        </p:style>
+        <p:txBody>
+          <a:bodyPr rtlCol="0" anchor="ctr"/>
+          <a:lstStyle/>
+          <a:p>
+            <a:pPr algn="ctr"/>
+            <a:endParaRPr lang="en-US"/>
+          </a:p>
+        </p:txBody>
+      </p:sp>
+      <p:sp>
+        <p:nvSpPr>
+          <p:cNvPr id="90" name="Oval 89">
+            <a:extLst>
+              <a:ext uri="{FF2B5EF4-FFF2-40B4-BE49-F238E27FC236}">
+                <a16:creationId xmlns:a16="http://schemas.microsoft.com/office/drawing/2014/main" id="{3E55F147-26A7-2E4B-A3B0-A88C6042914D}"/>
+              </a:ext>
+            </a:extLst>
+          </p:cNvPr>
+          <p:cNvSpPr/>
+          <p:nvPr/>
+        </p:nvSpPr>
+        <p:spPr>
+          <a:xfrm rot="19046997">
+            <a:off x="5044486" y="3013602"/>
+            <a:ext cx="889000" cy="1130300"/>
+          </a:xfrm>
+          <a:prstGeom prst="ellipse">
+            <a:avLst/>
+          </a:prstGeom>
+          <a:noFill/>
+        </p:spPr>
+        <p:style>
+          <a:lnRef idx="2">
+            <a:schemeClr val="accent1">
+              <a:shade val="50000"/>
+            </a:schemeClr>
+          </a:lnRef>
+          <a:fillRef idx="1">
+            <a:schemeClr val="accent1"/>
+          </a:fillRef>
+          <a:effectRef idx="0">
+            <a:schemeClr val="accent1"/>
+          </a:effectRef>
+          <a:fontRef idx="minor">
+            <a:schemeClr val="lt1"/>
+          </a:fontRef>
+        </p:style>
+        <p:txBody>
+          <a:bodyPr rtlCol="0" anchor="ctr"/>
+          <a:lstStyle/>
+          <a:p>
+            <a:pPr algn="ctr"/>
+            <a:endParaRPr lang="en-US"/>
+          </a:p>
+        </p:txBody>
+      </p:sp>
+      <p:sp>
+        <p:nvSpPr>
+          <p:cNvPr id="91" name="Oval 90">
+            <a:extLst>
+              <a:ext uri="{FF2B5EF4-FFF2-40B4-BE49-F238E27FC236}">
+                <a16:creationId xmlns:a16="http://schemas.microsoft.com/office/drawing/2014/main" id="{25A2FB67-90BF-E344-833D-E4DFED50481C}"/>
+              </a:ext>
+            </a:extLst>
+          </p:cNvPr>
+          <p:cNvSpPr/>
+          <p:nvPr/>
+        </p:nvSpPr>
+        <p:spPr>
+          <a:xfrm rot="19046997">
+            <a:off x="5405768" y="2706042"/>
+            <a:ext cx="889000" cy="1130300"/>
+          </a:xfrm>
+          <a:prstGeom prst="ellipse">
+            <a:avLst/>
+          </a:prstGeom>
+          <a:noFill/>
+        </p:spPr>
+        <p:style>
+          <a:lnRef idx="2">
+            <a:schemeClr val="accent1">
+              <a:shade val="50000"/>
+            </a:schemeClr>
+          </a:lnRef>
+          <a:fillRef idx="1">
+            <a:schemeClr val="accent1"/>
+          </a:fillRef>
+          <a:effectRef idx="0">
+            <a:schemeClr val="accent1"/>
+          </a:effectRef>
+          <a:fontRef idx="minor">
+            <a:schemeClr val="lt1"/>
+          </a:fontRef>
+        </p:style>
+        <p:txBody>
+          <a:bodyPr rtlCol="0" anchor="ctr"/>
+          <a:lstStyle/>
+          <a:p>
+            <a:pPr algn="ctr"/>
+            <a:endParaRPr lang="en-US"/>
+          </a:p>
+        </p:txBody>
+      </p:sp>
+      <p:cxnSp>
+        <p:nvCxnSpPr>
+          <p:cNvPr id="92" name="Straight Connector 91">
+            <a:extLst>
+              <a:ext uri="{FF2B5EF4-FFF2-40B4-BE49-F238E27FC236}">
+                <a16:creationId xmlns:a16="http://schemas.microsoft.com/office/drawing/2014/main" id="{016A310A-71E9-CA4F-B63D-66098A9566CE}"/>
+              </a:ext>
+            </a:extLst>
+          </p:cNvPr>
+          <p:cNvCxnSpPr/>
+          <p:nvPr/>
+        </p:nvCxnSpPr>
+        <p:spPr>
+          <a:xfrm>
+            <a:off x="5664591" y="3043842"/>
+            <a:ext cx="0" cy="672475"/>
+          </a:xfrm>
+          <a:prstGeom prst="line">
+            <a:avLst/>
+          </a:prstGeom>
+          <a:ln w="25400">
+            <a:solidFill>
+              <a:srgbClr val="FF0000"/>
+            </a:solidFill>
+          </a:ln>
+        </p:spPr>
+        <p:style>
+          <a:lnRef idx="1">
+            <a:schemeClr val="accent1"/>
+          </a:lnRef>
+          <a:fillRef idx="0">
+            <a:schemeClr val="accent1"/>
+          </a:fillRef>
+          <a:effectRef idx="0">
+            <a:schemeClr val="accent1"/>
+          </a:effectRef>
+          <a:fontRef idx="minor">
+            <a:schemeClr val="tx1"/>
+          </a:fontRef>
+        </p:style>
+      </p:cxnSp>
+      <p:cxnSp>
+        <p:nvCxnSpPr>
+          <p:cNvPr id="98" name="Straight Connector 97">
+            <a:extLst>
+              <a:ext uri="{FF2B5EF4-FFF2-40B4-BE49-F238E27FC236}">
+                <a16:creationId xmlns:a16="http://schemas.microsoft.com/office/drawing/2014/main" id="{84FBB24E-C234-B844-B3E6-A45EF870938F}"/>
+              </a:ext>
+            </a:extLst>
+          </p:cNvPr>
+          <p:cNvCxnSpPr>
+            <a:cxnSpLocks/>
+          </p:cNvCxnSpPr>
+          <p:nvPr/>
+        </p:nvCxnSpPr>
+        <p:spPr>
+          <a:xfrm>
+            <a:off x="5953553" y="3988117"/>
+            <a:ext cx="2359197" cy="489575"/>
+          </a:xfrm>
+          <a:prstGeom prst="line">
+            <a:avLst/>
+          </a:prstGeom>
+          <a:ln>
+            <a:solidFill>
+              <a:srgbClr val="FF0000"/>
+            </a:solidFill>
+            <a:prstDash val="dash"/>
+          </a:ln>
+        </p:spPr>
+        <p:style>
+          <a:lnRef idx="1">
+            <a:schemeClr val="accent1"/>
+          </a:lnRef>
+          <a:fillRef idx="0">
+            <a:schemeClr val="accent1"/>
+          </a:fillRef>
+          <a:effectRef idx="0">
+            <a:schemeClr val="accent1"/>
+          </a:effectRef>
+          <a:fontRef idx="minor">
+            <a:schemeClr val="tx1"/>
+          </a:fontRef>
+        </p:style>
+      </p:cxnSp>
+      <p:sp>
+        <p:nvSpPr>
+          <p:cNvPr id="102" name="Donut 101">
+            <a:extLst>
+              <a:ext uri="{FF2B5EF4-FFF2-40B4-BE49-F238E27FC236}">
+                <a16:creationId xmlns:a16="http://schemas.microsoft.com/office/drawing/2014/main" id="{C2284DC5-C023-F24E-B75B-C68DB543B77A}"/>
+              </a:ext>
+            </a:extLst>
+          </p:cNvPr>
+          <p:cNvSpPr/>
+          <p:nvPr/>
+        </p:nvSpPr>
+        <p:spPr>
+          <a:xfrm rot="18429553">
+            <a:off x="5755169" y="2026738"/>
+            <a:ext cx="1248760" cy="1571192"/>
+          </a:xfrm>
+          <a:prstGeom prst="donut">
+            <a:avLst>
+              <a:gd name="adj" fmla="val 7286"/>
+            </a:avLst>
+          </a:prstGeom>
+          <a:solidFill>
+            <a:schemeClr val="tx1">
+              <a:lumMod val="50000"/>
+              <a:lumOff val="50000"/>
+            </a:schemeClr>
+          </a:solidFill>
+          <a:ln>
+            <a:solidFill>
+              <a:schemeClr val="tx1"/>
+            </a:solidFill>
+          </a:ln>
+        </p:spPr>
+        <p:style>
+          <a:lnRef idx="2">
+            <a:schemeClr val="accent1">
+              <a:shade val="50000"/>
+            </a:schemeClr>
+          </a:lnRef>
+          <a:fillRef idx="1">
+            <a:schemeClr val="accent1"/>
+          </a:fillRef>
+          <a:effectRef idx="0">
+            <a:schemeClr val="accent1"/>
+          </a:effectRef>
+          <a:fontRef idx="minor">
+            <a:schemeClr val="lt1"/>
+          </a:fontRef>
+        </p:style>
+        <p:txBody>
+          <a:bodyPr rtlCol="0" anchor="ctr"/>
+          <a:lstStyle/>
+          <a:p>
+            <a:pPr algn="ctr"/>
+            <a:endParaRPr lang="en-US">
+              <a:solidFill>
+                <a:schemeClr val="tx1"/>
+              </a:solidFill>
+            </a:endParaRPr>
+          </a:p>
+        </p:txBody>
+      </p:sp>
+      <p:sp>
+        <p:nvSpPr>
+          <p:cNvPr id="103" name="Donut 102">
+            <a:extLst>
+              <a:ext uri="{FF2B5EF4-FFF2-40B4-BE49-F238E27FC236}">
+                <a16:creationId xmlns:a16="http://schemas.microsoft.com/office/drawing/2014/main" id="{F6771FDC-6330-D243-98AE-ACA7070B72BF}"/>
+              </a:ext>
+            </a:extLst>
+          </p:cNvPr>
+          <p:cNvSpPr/>
+          <p:nvPr/>
+        </p:nvSpPr>
+        <p:spPr>
+          <a:xfrm rot="18429553">
+            <a:off x="5230012" y="2473015"/>
+            <a:ext cx="1248760" cy="1571192"/>
+          </a:xfrm>
+          <a:prstGeom prst="donut">
+            <a:avLst>
+              <a:gd name="adj" fmla="val 7286"/>
+            </a:avLst>
+          </a:prstGeom>
+          <a:solidFill>
+            <a:schemeClr val="tx1">
+              <a:lumMod val="50000"/>
+              <a:lumOff val="50000"/>
+            </a:schemeClr>
+          </a:solidFill>
+          <a:ln>
+            <a:solidFill>
+              <a:schemeClr val="tx1"/>
+            </a:solidFill>
+          </a:ln>
+        </p:spPr>
+        <p:style>
+          <a:lnRef idx="2">
+            <a:schemeClr val="accent1">
+              <a:shade val="50000"/>
+            </a:schemeClr>
+          </a:lnRef>
+          <a:fillRef idx="1">
+            <a:schemeClr val="accent1"/>
+          </a:fillRef>
+          <a:effectRef idx="0">
+            <a:schemeClr val="accent1"/>
+          </a:effectRef>
+          <a:fontRef idx="minor">
+            <a:schemeClr val="lt1"/>
+          </a:fontRef>
+        </p:style>
+        <p:txBody>
+          <a:bodyPr rtlCol="0" anchor="ctr"/>
+          <a:lstStyle/>
+          <a:p>
+            <a:pPr algn="ctr"/>
+            <a:endParaRPr lang="en-US">
+              <a:solidFill>
+                <a:schemeClr val="tx1"/>
+              </a:solidFill>
+            </a:endParaRPr>
+          </a:p>
+        </p:txBody>
+      </p:sp>
+      <p:sp>
+        <p:nvSpPr>
+          <p:cNvPr id="104" name="Donut 103">
+            <a:extLst>
+              <a:ext uri="{FF2B5EF4-FFF2-40B4-BE49-F238E27FC236}">
+                <a16:creationId xmlns:a16="http://schemas.microsoft.com/office/drawing/2014/main" id="{DF6E77D8-21B8-0C49-834E-1830CB88F844}"/>
+              </a:ext>
+            </a:extLst>
+          </p:cNvPr>
+          <p:cNvSpPr/>
+          <p:nvPr/>
+        </p:nvSpPr>
+        <p:spPr>
+          <a:xfrm rot="18429553">
+            <a:off x="4777943" y="2880677"/>
+            <a:ext cx="1248760" cy="1571192"/>
+          </a:xfrm>
+          <a:prstGeom prst="donut">
+            <a:avLst>
+              <a:gd name="adj" fmla="val 7286"/>
+            </a:avLst>
+          </a:prstGeom>
+          <a:solidFill>
+            <a:schemeClr val="tx1">
+              <a:lumMod val="50000"/>
+              <a:lumOff val="50000"/>
+            </a:schemeClr>
+          </a:solidFill>
+          <a:ln>
+            <a:solidFill>
+              <a:schemeClr val="tx1"/>
+            </a:solidFill>
+          </a:ln>
+        </p:spPr>
+        <p:style>
+          <a:lnRef idx="2">
+            <a:schemeClr val="accent1">
+              <a:shade val="50000"/>
+            </a:schemeClr>
+          </a:lnRef>
+          <a:fillRef idx="1">
+            <a:schemeClr val="accent1"/>
+          </a:fillRef>
+          <a:effectRef idx="0">
+            <a:schemeClr val="accent1"/>
+          </a:effectRef>
+          <a:fontRef idx="minor">
+            <a:schemeClr val="lt1"/>
+          </a:fontRef>
+        </p:style>
+        <p:txBody>
+          <a:bodyPr rtlCol="0" anchor="ctr"/>
+          <a:lstStyle/>
+          <a:p>
+            <a:pPr algn="ctr"/>
+            <a:endParaRPr lang="en-US">
+              <a:solidFill>
+                <a:schemeClr val="tx1"/>
+              </a:solidFill>
+            </a:endParaRPr>
+          </a:p>
+        </p:txBody>
+      </p:sp>
+      <p:sp>
+        <p:nvSpPr>
+          <p:cNvPr id="105" name="Donut 104">
+            <a:extLst>
+              <a:ext uri="{FF2B5EF4-FFF2-40B4-BE49-F238E27FC236}">
+                <a16:creationId xmlns:a16="http://schemas.microsoft.com/office/drawing/2014/main" id="{17C1E6A9-04C2-F54A-B841-2646D62FA588}"/>
+              </a:ext>
+            </a:extLst>
+          </p:cNvPr>
+          <p:cNvSpPr/>
+          <p:nvPr/>
+        </p:nvSpPr>
+        <p:spPr>
+          <a:xfrm rot="18429553">
+            <a:off x="4619541" y="2982103"/>
+            <a:ext cx="1248760" cy="1571192"/>
+          </a:xfrm>
+          <a:prstGeom prst="donut">
+            <a:avLst>
+              <a:gd name="adj" fmla="val 7286"/>
+            </a:avLst>
+          </a:prstGeom>
+          <a:solidFill>
+            <a:srgbClr val="FF0000"/>
+          </a:solidFill>
+          <a:ln>
+            <a:solidFill>
+              <a:schemeClr val="tx1"/>
+            </a:solidFill>
+          </a:ln>
+        </p:spPr>
+        <p:style>
+          <a:lnRef idx="2">
+            <a:schemeClr val="accent1">
+              <a:shade val="50000"/>
+            </a:schemeClr>
+          </a:lnRef>
+          <a:fillRef idx="1">
+            <a:schemeClr val="accent1"/>
+          </a:fillRef>
+          <a:effectRef idx="0">
+            <a:schemeClr val="accent1"/>
+          </a:effectRef>
+          <a:fontRef idx="minor">
+            <a:schemeClr val="lt1"/>
+          </a:fontRef>
+        </p:style>
+        <p:txBody>
+          <a:bodyPr rtlCol="0" anchor="ctr"/>
+          <a:lstStyle/>
+          <a:p>
+            <a:pPr algn="ctr"/>
+            <a:endParaRPr lang="en-US">
+              <a:solidFill>
+                <a:schemeClr val="tx1"/>
+              </a:solidFill>
+            </a:endParaRPr>
+          </a:p>
+        </p:txBody>
+      </p:sp>
+      <p:sp>
+        <p:nvSpPr>
+          <p:cNvPr id="110" name="TextBox 109">
+            <a:extLst>
+              <a:ext uri="{FF2B5EF4-FFF2-40B4-BE49-F238E27FC236}">
+                <a16:creationId xmlns:a16="http://schemas.microsoft.com/office/drawing/2014/main" id="{DE26CE4D-51BA-A24C-938C-52226149BED2}"/>
+              </a:ext>
+            </a:extLst>
+          </p:cNvPr>
+          <p:cNvSpPr txBox="1"/>
+          <p:nvPr/>
+        </p:nvSpPr>
+        <p:spPr>
+          <a:xfrm>
+            <a:off x="6117281" y="5169953"/>
+            <a:ext cx="3448508" cy="646331"/>
+          </a:xfrm>
+          <a:prstGeom prst="rect">
+            <a:avLst/>
+          </a:prstGeom>
+          <a:noFill/>
+        </p:spPr>
+        <p:txBody>
+          <a:bodyPr wrap="none" rtlCol="0">
+            <a:spAutoFit/>
+          </a:bodyPr>
+          <a:lstStyle/>
+          <a:p>
+            <a:r>
+              <a:rPr lang="en-US" dirty="0"/>
+              <a:t>Relevant handles</a:t>
+            </a:r>
+          </a:p>
+          <a:p>
+            <a:r>
+              <a:rPr lang="en-US" dirty="0"/>
+              <a:t>(if extrude end is free at click time)</a:t>
+            </a:r>
+          </a:p>
+        </p:txBody>
+      </p:sp>
+      <p:cxnSp>
+        <p:nvCxnSpPr>
+          <p:cNvPr id="83" name="Straight Connector 82">
+            <a:extLst>
+              <a:ext uri="{FF2B5EF4-FFF2-40B4-BE49-F238E27FC236}">
+                <a16:creationId xmlns:a16="http://schemas.microsoft.com/office/drawing/2014/main" id="{3E72E3DC-6BDB-CA47-824D-A97D6DDE53D7}"/>
+              </a:ext>
+            </a:extLst>
+          </p:cNvPr>
+          <p:cNvCxnSpPr>
+            <a:cxnSpLocks/>
+          </p:cNvCxnSpPr>
+          <p:nvPr/>
+        </p:nvCxnSpPr>
+        <p:spPr>
+          <a:xfrm flipH="1">
+            <a:off x="5243920" y="1426464"/>
+            <a:ext cx="873361" cy="2393588"/>
+          </a:xfrm>
+          <a:prstGeom prst="line">
+            <a:avLst/>
+          </a:prstGeom>
+          <a:ln>
+            <a:solidFill>
+              <a:srgbClr val="FF0000"/>
+            </a:solidFill>
+            <a:prstDash val="dash"/>
+          </a:ln>
+        </p:spPr>
+        <p:style>
+          <a:lnRef idx="1">
+            <a:schemeClr val="accent1"/>
+          </a:lnRef>
+          <a:fillRef idx="0">
+            <a:schemeClr val="accent1"/>
+          </a:fillRef>
+          <a:effectRef idx="0">
+            <a:schemeClr val="accent1"/>
+          </a:effectRef>
+          <a:fontRef idx="minor">
+            <a:schemeClr val="tx1"/>
+          </a:fontRef>
+        </p:style>
+      </p:cxnSp>
+      <p:cxnSp>
+        <p:nvCxnSpPr>
+          <p:cNvPr id="84" name="Straight Connector 83">
+            <a:extLst>
+              <a:ext uri="{FF2B5EF4-FFF2-40B4-BE49-F238E27FC236}">
+                <a16:creationId xmlns:a16="http://schemas.microsoft.com/office/drawing/2014/main" id="{30B1FA9E-3BF8-EF4D-AB9A-DC03BD99E73E}"/>
+              </a:ext>
+            </a:extLst>
+          </p:cNvPr>
+          <p:cNvCxnSpPr>
+            <a:cxnSpLocks/>
+          </p:cNvCxnSpPr>
+          <p:nvPr/>
+        </p:nvCxnSpPr>
+        <p:spPr>
+          <a:xfrm flipH="1">
+            <a:off x="3895117" y="3820052"/>
+            <a:ext cx="1348803" cy="1168054"/>
+          </a:xfrm>
+          <a:prstGeom prst="line">
+            <a:avLst/>
+          </a:prstGeom>
+          <a:ln>
+            <a:solidFill>
+              <a:srgbClr val="FF0000"/>
+            </a:solidFill>
+            <a:prstDash val="dash"/>
+          </a:ln>
+        </p:spPr>
+        <p:style>
+          <a:lnRef idx="1">
+            <a:schemeClr val="accent1"/>
+          </a:lnRef>
+          <a:fillRef idx="0">
+            <a:schemeClr val="accent1"/>
+          </a:fillRef>
+          <a:effectRef idx="0">
+            <a:schemeClr val="accent1"/>
+          </a:effectRef>
+          <a:fontRef idx="minor">
+            <a:schemeClr val="tx1"/>
+          </a:fontRef>
+        </p:style>
+      </p:cxnSp>
+    </p:spTree>
+    <p:extLst>
+      <p:ext uri="{BB962C8B-B14F-4D97-AF65-F5344CB8AC3E}">
+        <p14:creationId xmlns:p14="http://schemas.microsoft.com/office/powerpoint/2010/main" val="1954474348"/>
+      </p:ext>
+    </p:extLst>
+  </p:cSld>
+  <p:clrMapOvr>
+    <a:masterClrMapping/>
+  </p:clrMapOvr>
+</p:sld>
+</file>
+
+<file path=ppt/slides/slide5.xml><?xml version="1.0" encoding="utf-8"?>
+<p:sld xmlns:a="http://schemas.openxmlformats.org/drawingml/2006/main" xmlns:r="http://schemas.openxmlformats.org/officeDocument/2006/relationships" xmlns:p="http://schemas.openxmlformats.org/presentationml/2006/main">
+  <p:cSld>
+    <p:spTree>
+      <p:nvGrpSpPr>
+        <p:cNvPr id="1" name=""/>
+        <p:cNvGrpSpPr/>
+        <p:nvPr/>
+      </p:nvGrpSpPr>
+      <p:grpSpPr>
+        <a:xfrm>
+          <a:off x="0" y="0"/>
+          <a:ext cx="0" cy="0"/>
+          <a:chOff x="0" y="0"/>
+          <a:chExt cx="0" cy="0"/>
+        </a:xfrm>
+      </p:grpSpPr>
+      <p:sp>
+        <p:nvSpPr>
           <p:cNvPr id="4" name="Oval 3">
             <a:extLst>
               <a:ext uri="{FF2B5EF4-FFF2-40B4-BE49-F238E27FC236}">
@@ -6534,7 +12730,7 @@
 </p:sld>
 </file>
 
-<file path=ppt/slides/slide3.xml><?xml version="1.0" encoding="utf-8"?>
+<file path=ppt/slides/slide6.xml><?xml version="1.0" encoding="utf-8"?>
 <p:sld xmlns:a="http://schemas.openxmlformats.org/drawingml/2006/main" xmlns:r="http://schemas.openxmlformats.org/officeDocument/2006/relationships" xmlns:p="http://schemas.openxmlformats.org/presentationml/2006/main">
   <p:cSld>
     <p:spTree>
@@ -8188,7 +14384,7 @@
 </p:sld>
 </file>
 
-<file path=ppt/slides/slide4.xml><?xml version="1.0" encoding="utf-8"?>
+<file path=ppt/slides/slide7.xml><?xml version="1.0" encoding="utf-8"?>
 <p:sld xmlns:a="http://schemas.openxmlformats.org/drawingml/2006/main" xmlns:r="http://schemas.openxmlformats.org/officeDocument/2006/relationships" xmlns:p="http://schemas.openxmlformats.org/presentationml/2006/main">
   <p:cSld>
     <p:spTree>
@@ -10094,7 +16290,7 @@
 </p:sld>
 </file>
 
-<file path=ppt/slides/slide5.xml><?xml version="1.0" encoding="utf-8"?>
+<file path=ppt/slides/slide8.xml><?xml version="1.0" encoding="utf-8"?>
 <p:sld xmlns:a="http://schemas.openxmlformats.org/drawingml/2006/main" xmlns:r="http://schemas.openxmlformats.org/officeDocument/2006/relationships" xmlns:p="http://schemas.openxmlformats.org/presentationml/2006/main">
   <p:cSld>
     <p:spTree>
